--- a/Presentations/SRD Gate Review 7-24-12.pptx
+++ b/Presentations/SRD Gate Review 7-24-12.pptx
@@ -5,7 +5,7 @@
     <p:sldMasterId id="2147483732" r:id="rId1"/>
   </p:sldMasterIdLst>
   <p:notesMasterIdLst>
-    <p:notesMasterId r:id="rId35"/>
+    <p:notesMasterId r:id="rId33"/>
   </p:notesMasterIdLst>
   <p:sldIdLst>
     <p:sldId id="262" r:id="rId2"/>
@@ -13,34 +13,32 @@
     <p:sldId id="291" r:id="rId4"/>
     <p:sldId id="295" r:id="rId5"/>
     <p:sldId id="294" r:id="rId6"/>
-    <p:sldId id="296" r:id="rId7"/>
-    <p:sldId id="297" r:id="rId8"/>
-    <p:sldId id="298" r:id="rId9"/>
-    <p:sldId id="293" r:id="rId10"/>
-    <p:sldId id="299" r:id="rId11"/>
-    <p:sldId id="301" r:id="rId12"/>
-    <p:sldId id="302" r:id="rId13"/>
-    <p:sldId id="304" r:id="rId14"/>
-    <p:sldId id="309" r:id="rId15"/>
-    <p:sldId id="305" r:id="rId16"/>
-    <p:sldId id="306" r:id="rId17"/>
-    <p:sldId id="308" r:id="rId18"/>
-    <p:sldId id="317" r:id="rId19"/>
-    <p:sldId id="318" r:id="rId20"/>
-    <p:sldId id="319" r:id="rId21"/>
-    <p:sldId id="320" r:id="rId22"/>
-    <p:sldId id="321" r:id="rId23"/>
-    <p:sldId id="310" r:id="rId24"/>
-    <p:sldId id="311" r:id="rId25"/>
-    <p:sldId id="312" r:id="rId26"/>
-    <p:sldId id="313" r:id="rId27"/>
-    <p:sldId id="314" r:id="rId28"/>
-    <p:sldId id="315" r:id="rId29"/>
-    <p:sldId id="316" r:id="rId30"/>
-    <p:sldId id="322" r:id="rId31"/>
-    <p:sldId id="323" r:id="rId32"/>
-    <p:sldId id="324" r:id="rId33"/>
-    <p:sldId id="325" r:id="rId34"/>
+    <p:sldId id="297" r:id="rId7"/>
+    <p:sldId id="298" r:id="rId8"/>
+    <p:sldId id="293" r:id="rId9"/>
+    <p:sldId id="299" r:id="rId10"/>
+    <p:sldId id="301" r:id="rId11"/>
+    <p:sldId id="302" r:id="rId12"/>
+    <p:sldId id="304" r:id="rId13"/>
+    <p:sldId id="305" r:id="rId14"/>
+    <p:sldId id="306" r:id="rId15"/>
+    <p:sldId id="322" r:id="rId16"/>
+    <p:sldId id="323" r:id="rId17"/>
+    <p:sldId id="324" r:id="rId18"/>
+    <p:sldId id="308" r:id="rId19"/>
+    <p:sldId id="317" r:id="rId20"/>
+    <p:sldId id="318" r:id="rId21"/>
+    <p:sldId id="319" r:id="rId22"/>
+    <p:sldId id="320" r:id="rId23"/>
+    <p:sldId id="321" r:id="rId24"/>
+    <p:sldId id="310" r:id="rId25"/>
+    <p:sldId id="311" r:id="rId26"/>
+    <p:sldId id="312" r:id="rId27"/>
+    <p:sldId id="313" r:id="rId28"/>
+    <p:sldId id="314" r:id="rId29"/>
+    <p:sldId id="315" r:id="rId30"/>
+    <p:sldId id="316" r:id="rId31"/>
+    <p:sldId id="325" r:id="rId32"/>
   </p:sldIdLst>
   <p:sldSz cx="9144000" cy="6858000" type="screen4x3"/>
   <p:notesSz cx="6858000" cy="9144000"/>
@@ -576,6 +574,896 @@
 </p:notes>
 </file>
 
+<file path=ppt/notesSlides/notesSlide10.xml><?xml version="1.0" encoding="utf-8"?>
+<p:notes xmlns:a="http://schemas.openxmlformats.org/drawingml/2006/main" xmlns:r="http://schemas.openxmlformats.org/officeDocument/2006/relationships" xmlns:p="http://schemas.openxmlformats.org/presentationml/2006/main">
+  <p:cSld>
+    <p:spTree>
+      <p:nvGrpSpPr>
+        <p:cNvPr id="1" name=""/>
+        <p:cNvGrpSpPr/>
+        <p:nvPr/>
+      </p:nvGrpSpPr>
+      <p:grpSpPr>
+        <a:xfrm>
+          <a:off x="0" y="0"/>
+          <a:ext cx="0" cy="0"/>
+          <a:chOff x="0" y="0"/>
+          <a:chExt cx="0" cy="0"/>
+        </a:xfrm>
+      </p:grpSpPr>
+      <p:sp>
+        <p:nvSpPr>
+          <p:cNvPr id="2" name="Slide Image Placeholder 1"/>
+          <p:cNvSpPr>
+            <a:spLocks noGrp="1" noRot="1" noChangeAspect="1"/>
+          </p:cNvSpPr>
+          <p:nvPr>
+            <p:ph type="sldImg"/>
+          </p:nvPr>
+        </p:nvSpPr>
+        <p:spPr/>
+      </p:sp>
+      <p:sp>
+        <p:nvSpPr>
+          <p:cNvPr id="3" name="Notes Placeholder 2"/>
+          <p:cNvSpPr>
+            <a:spLocks noGrp="1"/>
+          </p:cNvSpPr>
+          <p:nvPr>
+            <p:ph type="body" idx="1"/>
+          </p:nvPr>
+        </p:nvSpPr>
+        <p:spPr/>
+        <p:txBody>
+          <a:bodyPr/>
+          <a:lstStyle/>
+          <a:p>
+            <a:r>
+              <a:rPr lang="en-US" dirty="0" smtClean="0"/>
+              <a:t>1 -Jeff</a:t>
+            </a:r>
+            <a:endParaRPr lang="en-US" dirty="0"/>
+          </a:p>
+        </p:txBody>
+      </p:sp>
+      <p:sp>
+        <p:nvSpPr>
+          <p:cNvPr id="4" name="Slide Number Placeholder 3"/>
+          <p:cNvSpPr>
+            <a:spLocks noGrp="1"/>
+          </p:cNvSpPr>
+          <p:nvPr>
+            <p:ph type="sldNum" sz="quarter" idx="10"/>
+          </p:nvPr>
+        </p:nvSpPr>
+        <p:spPr/>
+        <p:txBody>
+          <a:bodyPr/>
+          <a:lstStyle/>
+          <a:p>
+            <a:fld id="{165BAAFA-8569-4F3A-B5A8-377F352D7750}" type="slidenum">
+              <a:rPr lang="en-US" smtClean="0"/>
+              <a:t>10</a:t>
+            </a:fld>
+            <a:endParaRPr lang="en-US"/>
+          </a:p>
+        </p:txBody>
+      </p:sp>
+    </p:spTree>
+    <p:extLst>
+      <p:ext uri="{BB962C8B-B14F-4D97-AF65-F5344CB8AC3E}">
+        <p14:creationId xmlns:p14="http://schemas.microsoft.com/office/powerpoint/2010/main" val="4047491336"/>
+      </p:ext>
+    </p:extLst>
+  </p:cSld>
+  <p:clrMapOvr>
+    <a:masterClrMapping/>
+  </p:clrMapOvr>
+</p:notes>
+</file>
+
+<file path=ppt/notesSlides/notesSlide11.xml><?xml version="1.0" encoding="utf-8"?>
+<p:notes xmlns:a="http://schemas.openxmlformats.org/drawingml/2006/main" xmlns:r="http://schemas.openxmlformats.org/officeDocument/2006/relationships" xmlns:p="http://schemas.openxmlformats.org/presentationml/2006/main">
+  <p:cSld>
+    <p:spTree>
+      <p:nvGrpSpPr>
+        <p:cNvPr id="1" name=""/>
+        <p:cNvGrpSpPr/>
+        <p:nvPr/>
+      </p:nvGrpSpPr>
+      <p:grpSpPr>
+        <a:xfrm>
+          <a:off x="0" y="0"/>
+          <a:ext cx="0" cy="0"/>
+          <a:chOff x="0" y="0"/>
+          <a:chExt cx="0" cy="0"/>
+        </a:xfrm>
+      </p:grpSpPr>
+      <p:sp>
+        <p:nvSpPr>
+          <p:cNvPr id="2" name="Slide Image Placeholder 1"/>
+          <p:cNvSpPr>
+            <a:spLocks noGrp="1" noRot="1" noChangeAspect="1"/>
+          </p:cNvSpPr>
+          <p:nvPr>
+            <p:ph type="sldImg"/>
+          </p:nvPr>
+        </p:nvSpPr>
+        <p:spPr/>
+      </p:sp>
+      <p:sp>
+        <p:nvSpPr>
+          <p:cNvPr id="3" name="Notes Placeholder 2"/>
+          <p:cNvSpPr>
+            <a:spLocks noGrp="1"/>
+          </p:cNvSpPr>
+          <p:nvPr>
+            <p:ph type="body" idx="1"/>
+          </p:nvPr>
+        </p:nvSpPr>
+        <p:spPr/>
+        <p:txBody>
+          <a:bodyPr/>
+          <a:lstStyle/>
+          <a:p>
+            <a:r>
+              <a:rPr lang="en-US" dirty="0" smtClean="0"/>
+              <a:t>2 -Lloyd</a:t>
+            </a:r>
+          </a:p>
+          <a:p>
+            <a:r>
+              <a:rPr lang="en-US" dirty="0" smtClean="0"/>
+              <a:t>The </a:t>
+            </a:r>
+            <a:r>
+              <a:rPr lang="en-US" dirty="0" smtClean="0"/>
+              <a:t>storage box prevents the Product from outside hazards. Also, the storage solution helps the product to be transported easily. </a:t>
+            </a:r>
+            <a:endParaRPr lang="en-US" dirty="0"/>
+          </a:p>
+        </p:txBody>
+      </p:sp>
+      <p:sp>
+        <p:nvSpPr>
+          <p:cNvPr id="4" name="Slide Number Placeholder 3"/>
+          <p:cNvSpPr>
+            <a:spLocks noGrp="1"/>
+          </p:cNvSpPr>
+          <p:nvPr>
+            <p:ph type="sldNum" sz="quarter" idx="10"/>
+          </p:nvPr>
+        </p:nvSpPr>
+        <p:spPr/>
+        <p:txBody>
+          <a:bodyPr/>
+          <a:lstStyle/>
+          <a:p>
+            <a:fld id="{165BAAFA-8569-4F3A-B5A8-377F352D7750}" type="slidenum">
+              <a:rPr lang="en-US" smtClean="0"/>
+              <a:t>11</a:t>
+            </a:fld>
+            <a:endParaRPr lang="en-US"/>
+          </a:p>
+        </p:txBody>
+      </p:sp>
+    </p:spTree>
+    <p:extLst>
+      <p:ext uri="{BB962C8B-B14F-4D97-AF65-F5344CB8AC3E}">
+        <p14:creationId xmlns:p14="http://schemas.microsoft.com/office/powerpoint/2010/main" val="661818089"/>
+      </p:ext>
+    </p:extLst>
+  </p:cSld>
+  <p:clrMapOvr>
+    <a:masterClrMapping/>
+  </p:clrMapOvr>
+</p:notes>
+</file>
+
+<file path=ppt/notesSlides/notesSlide12.xml><?xml version="1.0" encoding="utf-8"?>
+<p:notes xmlns:a="http://schemas.openxmlformats.org/drawingml/2006/main" xmlns:r="http://schemas.openxmlformats.org/officeDocument/2006/relationships" xmlns:p="http://schemas.openxmlformats.org/presentationml/2006/main">
+  <p:cSld>
+    <p:spTree>
+      <p:nvGrpSpPr>
+        <p:cNvPr id="1" name=""/>
+        <p:cNvGrpSpPr/>
+        <p:nvPr/>
+      </p:nvGrpSpPr>
+      <p:grpSpPr>
+        <a:xfrm>
+          <a:off x="0" y="0"/>
+          <a:ext cx="0" cy="0"/>
+          <a:chOff x="0" y="0"/>
+          <a:chExt cx="0" cy="0"/>
+        </a:xfrm>
+      </p:grpSpPr>
+      <p:sp>
+        <p:nvSpPr>
+          <p:cNvPr id="2" name="Slide Image Placeholder 1"/>
+          <p:cNvSpPr>
+            <a:spLocks noGrp="1" noRot="1" noChangeAspect="1"/>
+          </p:cNvSpPr>
+          <p:nvPr>
+            <p:ph type="sldImg"/>
+          </p:nvPr>
+        </p:nvSpPr>
+        <p:spPr/>
+      </p:sp>
+      <p:sp>
+        <p:nvSpPr>
+          <p:cNvPr id="3" name="Notes Placeholder 2"/>
+          <p:cNvSpPr>
+            <a:spLocks noGrp="1"/>
+          </p:cNvSpPr>
+          <p:nvPr>
+            <p:ph type="body" idx="1"/>
+          </p:nvPr>
+        </p:nvSpPr>
+        <p:spPr/>
+        <p:txBody>
+          <a:bodyPr/>
+          <a:lstStyle/>
+          <a:p>
+            <a:r>
+              <a:rPr lang="en-US" dirty="0" smtClean="0"/>
+              <a:t>2 -Lloyd</a:t>
+            </a:r>
+            <a:endParaRPr lang="en-US" dirty="0"/>
+          </a:p>
+        </p:txBody>
+      </p:sp>
+      <p:sp>
+        <p:nvSpPr>
+          <p:cNvPr id="4" name="Slide Number Placeholder 3"/>
+          <p:cNvSpPr>
+            <a:spLocks noGrp="1"/>
+          </p:cNvSpPr>
+          <p:nvPr>
+            <p:ph type="sldNum" sz="quarter" idx="10"/>
+          </p:nvPr>
+        </p:nvSpPr>
+        <p:spPr/>
+        <p:txBody>
+          <a:bodyPr/>
+          <a:lstStyle/>
+          <a:p>
+            <a:fld id="{165BAAFA-8569-4F3A-B5A8-377F352D7750}" type="slidenum">
+              <a:rPr lang="en-US" smtClean="0"/>
+              <a:t>12</a:t>
+            </a:fld>
+            <a:endParaRPr lang="en-US"/>
+          </a:p>
+        </p:txBody>
+      </p:sp>
+    </p:spTree>
+    <p:extLst>
+      <p:ext uri="{BB962C8B-B14F-4D97-AF65-F5344CB8AC3E}">
+        <p14:creationId xmlns:p14="http://schemas.microsoft.com/office/powerpoint/2010/main" val="684936629"/>
+      </p:ext>
+    </p:extLst>
+  </p:cSld>
+  <p:clrMapOvr>
+    <a:masterClrMapping/>
+  </p:clrMapOvr>
+</p:notes>
+</file>
+
+<file path=ppt/notesSlides/notesSlide13.xml><?xml version="1.0" encoding="utf-8"?>
+<p:notes xmlns:a="http://schemas.openxmlformats.org/drawingml/2006/main" xmlns:r="http://schemas.openxmlformats.org/officeDocument/2006/relationships" xmlns:p="http://schemas.openxmlformats.org/presentationml/2006/main">
+  <p:cSld>
+    <p:spTree>
+      <p:nvGrpSpPr>
+        <p:cNvPr id="1" name=""/>
+        <p:cNvGrpSpPr/>
+        <p:nvPr/>
+      </p:nvGrpSpPr>
+      <p:grpSpPr>
+        <a:xfrm>
+          <a:off x="0" y="0"/>
+          <a:ext cx="0" cy="0"/>
+          <a:chOff x="0" y="0"/>
+          <a:chExt cx="0" cy="0"/>
+        </a:xfrm>
+      </p:grpSpPr>
+      <p:sp>
+        <p:nvSpPr>
+          <p:cNvPr id="2" name="Slide Image Placeholder 1"/>
+          <p:cNvSpPr>
+            <a:spLocks noGrp="1" noRot="1" noChangeAspect="1"/>
+          </p:cNvSpPr>
+          <p:nvPr>
+            <p:ph type="sldImg"/>
+          </p:nvPr>
+        </p:nvSpPr>
+        <p:spPr/>
+      </p:sp>
+      <p:sp>
+        <p:nvSpPr>
+          <p:cNvPr id="3" name="Notes Placeholder 2"/>
+          <p:cNvSpPr>
+            <a:spLocks noGrp="1"/>
+          </p:cNvSpPr>
+          <p:nvPr>
+            <p:ph type="body" idx="1"/>
+          </p:nvPr>
+        </p:nvSpPr>
+        <p:spPr/>
+        <p:txBody>
+          <a:bodyPr/>
+          <a:lstStyle/>
+          <a:p>
+            <a:r>
+              <a:rPr lang="en-US" dirty="0" smtClean="0"/>
+              <a:t>2 -Lloyd</a:t>
+            </a:r>
+            <a:endParaRPr lang="en-US" dirty="0"/>
+          </a:p>
+        </p:txBody>
+      </p:sp>
+      <p:sp>
+        <p:nvSpPr>
+          <p:cNvPr id="4" name="Slide Number Placeholder 3"/>
+          <p:cNvSpPr>
+            <a:spLocks noGrp="1"/>
+          </p:cNvSpPr>
+          <p:nvPr>
+            <p:ph type="sldNum" sz="quarter" idx="10"/>
+          </p:nvPr>
+        </p:nvSpPr>
+        <p:spPr/>
+        <p:txBody>
+          <a:bodyPr/>
+          <a:lstStyle/>
+          <a:p>
+            <a:fld id="{165BAAFA-8569-4F3A-B5A8-377F352D7750}" type="slidenum">
+              <a:rPr lang="en-US" smtClean="0"/>
+              <a:t>13</a:t>
+            </a:fld>
+            <a:endParaRPr lang="en-US"/>
+          </a:p>
+        </p:txBody>
+      </p:sp>
+    </p:spTree>
+    <p:extLst>
+      <p:ext uri="{BB962C8B-B14F-4D97-AF65-F5344CB8AC3E}">
+        <p14:creationId xmlns:p14="http://schemas.microsoft.com/office/powerpoint/2010/main" val="2356452894"/>
+      </p:ext>
+    </p:extLst>
+  </p:cSld>
+  <p:clrMapOvr>
+    <a:masterClrMapping/>
+  </p:clrMapOvr>
+</p:notes>
+</file>
+
+<file path=ppt/notesSlides/notesSlide14.xml><?xml version="1.0" encoding="utf-8"?>
+<p:notes xmlns:a="http://schemas.openxmlformats.org/drawingml/2006/main" xmlns:r="http://schemas.openxmlformats.org/officeDocument/2006/relationships" xmlns:p="http://schemas.openxmlformats.org/presentationml/2006/main">
+  <p:cSld>
+    <p:spTree>
+      <p:nvGrpSpPr>
+        <p:cNvPr id="1" name=""/>
+        <p:cNvGrpSpPr/>
+        <p:nvPr/>
+      </p:nvGrpSpPr>
+      <p:grpSpPr>
+        <a:xfrm>
+          <a:off x="0" y="0"/>
+          <a:ext cx="0" cy="0"/>
+          <a:chOff x="0" y="0"/>
+          <a:chExt cx="0" cy="0"/>
+        </a:xfrm>
+      </p:grpSpPr>
+      <p:sp>
+        <p:nvSpPr>
+          <p:cNvPr id="2" name="Slide Image Placeholder 1"/>
+          <p:cNvSpPr>
+            <a:spLocks noGrp="1" noRot="1" noChangeAspect="1"/>
+          </p:cNvSpPr>
+          <p:nvPr>
+            <p:ph type="sldImg"/>
+          </p:nvPr>
+        </p:nvSpPr>
+        <p:spPr/>
+      </p:sp>
+      <p:sp>
+        <p:nvSpPr>
+          <p:cNvPr id="3" name="Notes Placeholder 2"/>
+          <p:cNvSpPr>
+            <a:spLocks noGrp="1"/>
+          </p:cNvSpPr>
+          <p:nvPr>
+            <p:ph type="body" idx="1"/>
+          </p:nvPr>
+        </p:nvSpPr>
+        <p:spPr/>
+        <p:txBody>
+          <a:bodyPr/>
+          <a:lstStyle/>
+          <a:p>
+            <a:r>
+              <a:rPr lang="en-US" dirty="0" smtClean="0"/>
+              <a:t>2 -Lloyd</a:t>
+            </a:r>
+            <a:endParaRPr lang="en-US" dirty="0"/>
+          </a:p>
+        </p:txBody>
+      </p:sp>
+      <p:sp>
+        <p:nvSpPr>
+          <p:cNvPr id="4" name="Slide Number Placeholder 3"/>
+          <p:cNvSpPr>
+            <a:spLocks noGrp="1"/>
+          </p:cNvSpPr>
+          <p:nvPr>
+            <p:ph type="sldNum" sz="quarter" idx="10"/>
+          </p:nvPr>
+        </p:nvSpPr>
+        <p:spPr/>
+        <p:txBody>
+          <a:bodyPr/>
+          <a:lstStyle/>
+          <a:p>
+            <a:fld id="{165BAAFA-8569-4F3A-B5A8-377F352D7750}" type="slidenum">
+              <a:rPr lang="en-US" smtClean="0"/>
+              <a:t>14</a:t>
+            </a:fld>
+            <a:endParaRPr lang="en-US"/>
+          </a:p>
+        </p:txBody>
+      </p:sp>
+    </p:spTree>
+    <p:extLst>
+      <p:ext uri="{BB962C8B-B14F-4D97-AF65-F5344CB8AC3E}">
+        <p14:creationId xmlns:p14="http://schemas.microsoft.com/office/powerpoint/2010/main" val="555560567"/>
+      </p:ext>
+    </p:extLst>
+  </p:cSld>
+  <p:clrMapOvr>
+    <a:masterClrMapping/>
+  </p:clrMapOvr>
+</p:notes>
+</file>
+
+<file path=ppt/notesSlides/notesSlide15.xml><?xml version="1.0" encoding="utf-8"?>
+<p:notes xmlns:a="http://schemas.openxmlformats.org/drawingml/2006/main" xmlns:r="http://schemas.openxmlformats.org/officeDocument/2006/relationships" xmlns:p="http://schemas.openxmlformats.org/presentationml/2006/main">
+  <p:cSld>
+    <p:spTree>
+      <p:nvGrpSpPr>
+        <p:cNvPr id="1" name=""/>
+        <p:cNvGrpSpPr/>
+        <p:nvPr/>
+      </p:nvGrpSpPr>
+      <p:grpSpPr>
+        <a:xfrm>
+          <a:off x="0" y="0"/>
+          <a:ext cx="0" cy="0"/>
+          <a:chOff x="0" y="0"/>
+          <a:chExt cx="0" cy="0"/>
+        </a:xfrm>
+      </p:grpSpPr>
+      <p:sp>
+        <p:nvSpPr>
+          <p:cNvPr id="2" name="Slide Image Placeholder 1"/>
+          <p:cNvSpPr>
+            <a:spLocks noGrp="1" noRot="1" noChangeAspect="1"/>
+          </p:cNvSpPr>
+          <p:nvPr>
+            <p:ph type="sldImg"/>
+          </p:nvPr>
+        </p:nvSpPr>
+        <p:spPr/>
+      </p:sp>
+      <p:sp>
+        <p:nvSpPr>
+          <p:cNvPr id="3" name="Notes Placeholder 2"/>
+          <p:cNvSpPr>
+            <a:spLocks noGrp="1"/>
+          </p:cNvSpPr>
+          <p:nvPr>
+            <p:ph type="body" idx="1"/>
+          </p:nvPr>
+        </p:nvSpPr>
+        <p:spPr/>
+        <p:txBody>
+          <a:bodyPr/>
+          <a:lstStyle/>
+          <a:p>
+            <a:r>
+              <a:rPr lang="en-US" dirty="0" smtClean="0"/>
+              <a:t>2 -Lloyd</a:t>
+            </a:r>
+            <a:endParaRPr lang="en-US" dirty="0"/>
+          </a:p>
+        </p:txBody>
+      </p:sp>
+      <p:sp>
+        <p:nvSpPr>
+          <p:cNvPr id="4" name="Slide Number Placeholder 3"/>
+          <p:cNvSpPr>
+            <a:spLocks noGrp="1"/>
+          </p:cNvSpPr>
+          <p:nvPr>
+            <p:ph type="sldNum" sz="quarter" idx="10"/>
+          </p:nvPr>
+        </p:nvSpPr>
+        <p:spPr/>
+        <p:txBody>
+          <a:bodyPr/>
+          <a:lstStyle/>
+          <a:p>
+            <a:fld id="{165BAAFA-8569-4F3A-B5A8-377F352D7750}" type="slidenum">
+              <a:rPr lang="en-US" smtClean="0"/>
+              <a:t>15</a:t>
+            </a:fld>
+            <a:endParaRPr lang="en-US"/>
+          </a:p>
+        </p:txBody>
+      </p:sp>
+    </p:spTree>
+    <p:extLst>
+      <p:ext uri="{BB962C8B-B14F-4D97-AF65-F5344CB8AC3E}">
+        <p14:creationId xmlns:p14="http://schemas.microsoft.com/office/powerpoint/2010/main" val="4117483266"/>
+      </p:ext>
+    </p:extLst>
+  </p:cSld>
+  <p:clrMapOvr>
+    <a:masterClrMapping/>
+  </p:clrMapOvr>
+</p:notes>
+</file>
+
+<file path=ppt/notesSlides/notesSlide16.xml><?xml version="1.0" encoding="utf-8"?>
+<p:notes xmlns:a="http://schemas.openxmlformats.org/drawingml/2006/main" xmlns:r="http://schemas.openxmlformats.org/officeDocument/2006/relationships" xmlns:p="http://schemas.openxmlformats.org/presentationml/2006/main">
+  <p:cSld>
+    <p:spTree>
+      <p:nvGrpSpPr>
+        <p:cNvPr id="1" name=""/>
+        <p:cNvGrpSpPr/>
+        <p:nvPr/>
+      </p:nvGrpSpPr>
+      <p:grpSpPr>
+        <a:xfrm>
+          <a:off x="0" y="0"/>
+          <a:ext cx="0" cy="0"/>
+          <a:chOff x="0" y="0"/>
+          <a:chExt cx="0" cy="0"/>
+        </a:xfrm>
+      </p:grpSpPr>
+      <p:sp>
+        <p:nvSpPr>
+          <p:cNvPr id="2" name="Slide Image Placeholder 1"/>
+          <p:cNvSpPr>
+            <a:spLocks noGrp="1" noRot="1" noChangeAspect="1"/>
+          </p:cNvSpPr>
+          <p:nvPr>
+            <p:ph type="sldImg"/>
+          </p:nvPr>
+        </p:nvSpPr>
+        <p:spPr/>
+      </p:sp>
+      <p:sp>
+        <p:nvSpPr>
+          <p:cNvPr id="3" name="Notes Placeholder 2"/>
+          <p:cNvSpPr>
+            <a:spLocks noGrp="1"/>
+          </p:cNvSpPr>
+          <p:nvPr>
+            <p:ph type="body" idx="1"/>
+          </p:nvPr>
+        </p:nvSpPr>
+        <p:spPr/>
+        <p:txBody>
+          <a:bodyPr/>
+          <a:lstStyle/>
+          <a:p>
+            <a:r>
+              <a:rPr lang="en-US" dirty="0" smtClean="0"/>
+              <a:t>2 -Lloyd</a:t>
+            </a:r>
+            <a:endParaRPr lang="en-US" dirty="0"/>
+          </a:p>
+        </p:txBody>
+      </p:sp>
+      <p:sp>
+        <p:nvSpPr>
+          <p:cNvPr id="4" name="Slide Number Placeholder 3"/>
+          <p:cNvSpPr>
+            <a:spLocks noGrp="1"/>
+          </p:cNvSpPr>
+          <p:nvPr>
+            <p:ph type="sldNum" sz="quarter" idx="10"/>
+          </p:nvPr>
+        </p:nvSpPr>
+        <p:spPr/>
+        <p:txBody>
+          <a:bodyPr/>
+          <a:lstStyle/>
+          <a:p>
+            <a:fld id="{165BAAFA-8569-4F3A-B5A8-377F352D7750}" type="slidenum">
+              <a:rPr lang="en-US" smtClean="0"/>
+              <a:t>16</a:t>
+            </a:fld>
+            <a:endParaRPr lang="en-US"/>
+          </a:p>
+        </p:txBody>
+      </p:sp>
+    </p:spTree>
+    <p:extLst>
+      <p:ext uri="{BB962C8B-B14F-4D97-AF65-F5344CB8AC3E}">
+        <p14:creationId xmlns:p14="http://schemas.microsoft.com/office/powerpoint/2010/main" val="4129932154"/>
+      </p:ext>
+    </p:extLst>
+  </p:cSld>
+  <p:clrMapOvr>
+    <a:masterClrMapping/>
+  </p:clrMapOvr>
+</p:notes>
+</file>
+
+<file path=ppt/notesSlides/notesSlide17.xml><?xml version="1.0" encoding="utf-8"?>
+<p:notes xmlns:a="http://schemas.openxmlformats.org/drawingml/2006/main" xmlns:r="http://schemas.openxmlformats.org/officeDocument/2006/relationships" xmlns:p="http://schemas.openxmlformats.org/presentationml/2006/main">
+  <p:cSld>
+    <p:spTree>
+      <p:nvGrpSpPr>
+        <p:cNvPr id="1" name=""/>
+        <p:cNvGrpSpPr/>
+        <p:nvPr/>
+      </p:nvGrpSpPr>
+      <p:grpSpPr>
+        <a:xfrm>
+          <a:off x="0" y="0"/>
+          <a:ext cx="0" cy="0"/>
+          <a:chOff x="0" y="0"/>
+          <a:chExt cx="0" cy="0"/>
+        </a:xfrm>
+      </p:grpSpPr>
+      <p:sp>
+        <p:nvSpPr>
+          <p:cNvPr id="2" name="Slide Image Placeholder 1"/>
+          <p:cNvSpPr>
+            <a:spLocks noGrp="1" noRot="1" noChangeAspect="1"/>
+          </p:cNvSpPr>
+          <p:nvPr>
+            <p:ph type="sldImg"/>
+          </p:nvPr>
+        </p:nvSpPr>
+        <p:spPr/>
+      </p:sp>
+      <p:sp>
+        <p:nvSpPr>
+          <p:cNvPr id="3" name="Notes Placeholder 2"/>
+          <p:cNvSpPr>
+            <a:spLocks noGrp="1"/>
+          </p:cNvSpPr>
+          <p:nvPr>
+            <p:ph type="body" idx="1"/>
+          </p:nvPr>
+        </p:nvSpPr>
+        <p:spPr/>
+        <p:txBody>
+          <a:bodyPr/>
+          <a:lstStyle/>
+          <a:p>
+            <a:r>
+              <a:rPr lang="en-US" dirty="0" smtClean="0"/>
+              <a:t>2 -Lloyd</a:t>
+            </a:r>
+            <a:endParaRPr lang="en-US" dirty="0"/>
+          </a:p>
+        </p:txBody>
+      </p:sp>
+      <p:sp>
+        <p:nvSpPr>
+          <p:cNvPr id="4" name="Slide Number Placeholder 3"/>
+          <p:cNvSpPr>
+            <a:spLocks noGrp="1"/>
+          </p:cNvSpPr>
+          <p:nvPr>
+            <p:ph type="sldNum" sz="quarter" idx="10"/>
+          </p:nvPr>
+        </p:nvSpPr>
+        <p:spPr/>
+        <p:txBody>
+          <a:bodyPr/>
+          <a:lstStyle/>
+          <a:p>
+            <a:fld id="{165BAAFA-8569-4F3A-B5A8-377F352D7750}" type="slidenum">
+              <a:rPr lang="en-US" smtClean="0"/>
+              <a:t>17</a:t>
+            </a:fld>
+            <a:endParaRPr lang="en-US"/>
+          </a:p>
+        </p:txBody>
+      </p:sp>
+    </p:spTree>
+    <p:extLst>
+      <p:ext uri="{BB962C8B-B14F-4D97-AF65-F5344CB8AC3E}">
+        <p14:creationId xmlns:p14="http://schemas.microsoft.com/office/powerpoint/2010/main" val="1708892065"/>
+      </p:ext>
+    </p:extLst>
+  </p:cSld>
+  <p:clrMapOvr>
+    <a:masterClrMapping/>
+  </p:clrMapOvr>
+</p:notes>
+</file>
+
+<file path=ppt/notesSlides/notesSlide18.xml><?xml version="1.0" encoding="utf-8"?>
+<p:notes xmlns:a="http://schemas.openxmlformats.org/drawingml/2006/main" xmlns:r="http://schemas.openxmlformats.org/officeDocument/2006/relationships" xmlns:p="http://schemas.openxmlformats.org/presentationml/2006/main">
+  <p:cSld>
+    <p:spTree>
+      <p:nvGrpSpPr>
+        <p:cNvPr id="1" name=""/>
+        <p:cNvGrpSpPr/>
+        <p:nvPr/>
+      </p:nvGrpSpPr>
+      <p:grpSpPr>
+        <a:xfrm>
+          <a:off x="0" y="0"/>
+          <a:ext cx="0" cy="0"/>
+          <a:chOff x="0" y="0"/>
+          <a:chExt cx="0" cy="0"/>
+        </a:xfrm>
+      </p:grpSpPr>
+      <p:sp>
+        <p:nvSpPr>
+          <p:cNvPr id="2" name="Slide Image Placeholder 1"/>
+          <p:cNvSpPr>
+            <a:spLocks noGrp="1" noRot="1" noChangeAspect="1"/>
+          </p:cNvSpPr>
+          <p:nvPr>
+            <p:ph type="sldImg"/>
+          </p:nvPr>
+        </p:nvSpPr>
+        <p:spPr/>
+      </p:sp>
+      <p:sp>
+        <p:nvSpPr>
+          <p:cNvPr id="3" name="Notes Placeholder 2"/>
+          <p:cNvSpPr>
+            <a:spLocks noGrp="1"/>
+          </p:cNvSpPr>
+          <p:nvPr>
+            <p:ph type="body" idx="1"/>
+          </p:nvPr>
+        </p:nvSpPr>
+        <p:spPr/>
+        <p:txBody>
+          <a:bodyPr/>
+          <a:lstStyle/>
+          <a:p>
+            <a:r>
+              <a:rPr lang="en-US" dirty="0" smtClean="0"/>
+              <a:t>3 -Tyler</a:t>
+            </a:r>
+            <a:endParaRPr lang="en-US" dirty="0"/>
+          </a:p>
+        </p:txBody>
+      </p:sp>
+      <p:sp>
+        <p:nvSpPr>
+          <p:cNvPr id="4" name="Slide Number Placeholder 3"/>
+          <p:cNvSpPr>
+            <a:spLocks noGrp="1"/>
+          </p:cNvSpPr>
+          <p:nvPr>
+            <p:ph type="sldNum" sz="quarter" idx="10"/>
+          </p:nvPr>
+        </p:nvSpPr>
+        <p:spPr/>
+        <p:txBody>
+          <a:bodyPr/>
+          <a:lstStyle/>
+          <a:p>
+            <a:fld id="{165BAAFA-8569-4F3A-B5A8-377F352D7750}" type="slidenum">
+              <a:rPr lang="en-US" smtClean="0"/>
+              <a:t>18</a:t>
+            </a:fld>
+            <a:endParaRPr lang="en-US"/>
+          </a:p>
+        </p:txBody>
+      </p:sp>
+    </p:spTree>
+    <p:extLst>
+      <p:ext uri="{BB962C8B-B14F-4D97-AF65-F5344CB8AC3E}">
+        <p14:creationId xmlns:p14="http://schemas.microsoft.com/office/powerpoint/2010/main" val="3429756138"/>
+      </p:ext>
+    </p:extLst>
+  </p:cSld>
+  <p:clrMapOvr>
+    <a:masterClrMapping/>
+  </p:clrMapOvr>
+</p:notes>
+</file>
+
+<file path=ppt/notesSlides/notesSlide19.xml><?xml version="1.0" encoding="utf-8"?>
+<p:notes xmlns:a="http://schemas.openxmlformats.org/drawingml/2006/main" xmlns:r="http://schemas.openxmlformats.org/officeDocument/2006/relationships" xmlns:p="http://schemas.openxmlformats.org/presentationml/2006/main">
+  <p:cSld>
+    <p:spTree>
+      <p:nvGrpSpPr>
+        <p:cNvPr id="1" name=""/>
+        <p:cNvGrpSpPr/>
+        <p:nvPr/>
+      </p:nvGrpSpPr>
+      <p:grpSpPr>
+        <a:xfrm>
+          <a:off x="0" y="0"/>
+          <a:ext cx="0" cy="0"/>
+          <a:chOff x="0" y="0"/>
+          <a:chExt cx="0" cy="0"/>
+        </a:xfrm>
+      </p:grpSpPr>
+      <p:sp>
+        <p:nvSpPr>
+          <p:cNvPr id="2" name="Slide Image Placeholder 1"/>
+          <p:cNvSpPr>
+            <a:spLocks noGrp="1" noRot="1" noChangeAspect="1"/>
+          </p:cNvSpPr>
+          <p:nvPr>
+            <p:ph type="sldImg"/>
+          </p:nvPr>
+        </p:nvSpPr>
+        <p:spPr/>
+      </p:sp>
+      <p:sp>
+        <p:nvSpPr>
+          <p:cNvPr id="3" name="Notes Placeholder 2"/>
+          <p:cNvSpPr>
+            <a:spLocks noGrp="1"/>
+          </p:cNvSpPr>
+          <p:nvPr>
+            <p:ph type="body" idx="1"/>
+          </p:nvPr>
+        </p:nvSpPr>
+        <p:spPr/>
+        <p:txBody>
+          <a:bodyPr/>
+          <a:lstStyle/>
+          <a:p>
+            <a:r>
+              <a:rPr lang="en-US" dirty="0" smtClean="0"/>
+              <a:t>3 -Tyler</a:t>
+            </a:r>
+            <a:endParaRPr lang="en-US" dirty="0"/>
+          </a:p>
+        </p:txBody>
+      </p:sp>
+      <p:sp>
+        <p:nvSpPr>
+          <p:cNvPr id="4" name="Slide Number Placeholder 3"/>
+          <p:cNvSpPr>
+            <a:spLocks noGrp="1"/>
+          </p:cNvSpPr>
+          <p:nvPr>
+            <p:ph type="sldNum" sz="quarter" idx="10"/>
+          </p:nvPr>
+        </p:nvSpPr>
+        <p:spPr/>
+        <p:txBody>
+          <a:bodyPr/>
+          <a:lstStyle/>
+          <a:p>
+            <a:fld id="{165BAAFA-8569-4F3A-B5A8-377F352D7750}" type="slidenum">
+              <a:rPr lang="en-US" smtClean="0"/>
+              <a:t>19</a:t>
+            </a:fld>
+            <a:endParaRPr lang="en-US"/>
+          </a:p>
+        </p:txBody>
+      </p:sp>
+    </p:spTree>
+    <p:extLst>
+      <p:ext uri="{BB962C8B-B14F-4D97-AF65-F5344CB8AC3E}">
+        <p14:creationId xmlns:p14="http://schemas.microsoft.com/office/powerpoint/2010/main" val="1804867212"/>
+      </p:ext>
+    </p:extLst>
+  </p:cSld>
+  <p:clrMapOvr>
+    <a:masterClrMapping/>
+  </p:clrMapOvr>
+</p:notes>
+</file>
+
 <file path=ppt/notesSlides/notesSlide2.xml><?xml version="1.0" encoding="utf-8"?>
 <p:notes xmlns:a="http://schemas.openxmlformats.org/drawingml/2006/main" xmlns:r="http://schemas.openxmlformats.org/officeDocument/2006/relationships" xmlns:p="http://schemas.openxmlformats.org/presentationml/2006/main">
   <p:cSld>
@@ -620,6 +1508,10 @@
           <a:bodyPr/>
           <a:lstStyle/>
           <a:p>
+            <a:r>
+              <a:rPr lang="en-US" dirty="0" smtClean="0"/>
+              <a:t>1 -Jeff</a:t>
+            </a:r>
             <a:endParaRPr lang="en-US" dirty="0"/>
           </a:p>
         </p:txBody>
@@ -651,6 +1543,886 @@
     <p:extLst>
       <p:ext uri="{BB962C8B-B14F-4D97-AF65-F5344CB8AC3E}">
         <p14:creationId xmlns:p14="http://schemas.microsoft.com/office/powerpoint/2010/main" val="3296801"/>
+      </p:ext>
+    </p:extLst>
+  </p:cSld>
+  <p:clrMapOvr>
+    <a:masterClrMapping/>
+  </p:clrMapOvr>
+</p:notes>
+</file>
+
+<file path=ppt/notesSlides/notesSlide20.xml><?xml version="1.0" encoding="utf-8"?>
+<p:notes xmlns:a="http://schemas.openxmlformats.org/drawingml/2006/main" xmlns:r="http://schemas.openxmlformats.org/officeDocument/2006/relationships" xmlns:p="http://schemas.openxmlformats.org/presentationml/2006/main">
+  <p:cSld>
+    <p:spTree>
+      <p:nvGrpSpPr>
+        <p:cNvPr id="1" name=""/>
+        <p:cNvGrpSpPr/>
+        <p:nvPr/>
+      </p:nvGrpSpPr>
+      <p:grpSpPr>
+        <a:xfrm>
+          <a:off x="0" y="0"/>
+          <a:ext cx="0" cy="0"/>
+          <a:chOff x="0" y="0"/>
+          <a:chExt cx="0" cy="0"/>
+        </a:xfrm>
+      </p:grpSpPr>
+      <p:sp>
+        <p:nvSpPr>
+          <p:cNvPr id="2" name="Slide Image Placeholder 1"/>
+          <p:cNvSpPr>
+            <a:spLocks noGrp="1" noRot="1" noChangeAspect="1"/>
+          </p:cNvSpPr>
+          <p:nvPr>
+            <p:ph type="sldImg"/>
+          </p:nvPr>
+        </p:nvSpPr>
+        <p:spPr/>
+      </p:sp>
+      <p:sp>
+        <p:nvSpPr>
+          <p:cNvPr id="3" name="Notes Placeholder 2"/>
+          <p:cNvSpPr>
+            <a:spLocks noGrp="1"/>
+          </p:cNvSpPr>
+          <p:nvPr>
+            <p:ph type="body" idx="1"/>
+          </p:nvPr>
+        </p:nvSpPr>
+        <p:spPr/>
+        <p:txBody>
+          <a:bodyPr/>
+          <a:lstStyle/>
+          <a:p>
+            <a:r>
+              <a:rPr lang="en-US" dirty="0" smtClean="0"/>
+              <a:t>3 -Tyler</a:t>
+            </a:r>
+            <a:endParaRPr lang="en-US" dirty="0"/>
+          </a:p>
+        </p:txBody>
+      </p:sp>
+      <p:sp>
+        <p:nvSpPr>
+          <p:cNvPr id="4" name="Slide Number Placeholder 3"/>
+          <p:cNvSpPr>
+            <a:spLocks noGrp="1"/>
+          </p:cNvSpPr>
+          <p:nvPr>
+            <p:ph type="sldNum" sz="quarter" idx="10"/>
+          </p:nvPr>
+        </p:nvSpPr>
+        <p:spPr/>
+        <p:txBody>
+          <a:bodyPr/>
+          <a:lstStyle/>
+          <a:p>
+            <a:fld id="{165BAAFA-8569-4F3A-B5A8-377F352D7750}" type="slidenum">
+              <a:rPr lang="en-US" smtClean="0"/>
+              <a:t>20</a:t>
+            </a:fld>
+            <a:endParaRPr lang="en-US"/>
+          </a:p>
+        </p:txBody>
+      </p:sp>
+    </p:spTree>
+    <p:extLst>
+      <p:ext uri="{BB962C8B-B14F-4D97-AF65-F5344CB8AC3E}">
+        <p14:creationId xmlns:p14="http://schemas.microsoft.com/office/powerpoint/2010/main" val="155127152"/>
+      </p:ext>
+    </p:extLst>
+  </p:cSld>
+  <p:clrMapOvr>
+    <a:masterClrMapping/>
+  </p:clrMapOvr>
+</p:notes>
+</file>
+
+<file path=ppt/notesSlides/notesSlide21.xml><?xml version="1.0" encoding="utf-8"?>
+<p:notes xmlns:a="http://schemas.openxmlformats.org/drawingml/2006/main" xmlns:r="http://schemas.openxmlformats.org/officeDocument/2006/relationships" xmlns:p="http://schemas.openxmlformats.org/presentationml/2006/main">
+  <p:cSld>
+    <p:spTree>
+      <p:nvGrpSpPr>
+        <p:cNvPr id="1" name=""/>
+        <p:cNvGrpSpPr/>
+        <p:nvPr/>
+      </p:nvGrpSpPr>
+      <p:grpSpPr>
+        <a:xfrm>
+          <a:off x="0" y="0"/>
+          <a:ext cx="0" cy="0"/>
+          <a:chOff x="0" y="0"/>
+          <a:chExt cx="0" cy="0"/>
+        </a:xfrm>
+      </p:grpSpPr>
+      <p:sp>
+        <p:nvSpPr>
+          <p:cNvPr id="2" name="Slide Image Placeholder 1"/>
+          <p:cNvSpPr>
+            <a:spLocks noGrp="1" noRot="1" noChangeAspect="1"/>
+          </p:cNvSpPr>
+          <p:nvPr>
+            <p:ph type="sldImg"/>
+          </p:nvPr>
+        </p:nvSpPr>
+        <p:spPr/>
+      </p:sp>
+      <p:sp>
+        <p:nvSpPr>
+          <p:cNvPr id="3" name="Notes Placeholder 2"/>
+          <p:cNvSpPr>
+            <a:spLocks noGrp="1"/>
+          </p:cNvSpPr>
+          <p:nvPr>
+            <p:ph type="body" idx="1"/>
+          </p:nvPr>
+        </p:nvSpPr>
+        <p:spPr/>
+        <p:txBody>
+          <a:bodyPr/>
+          <a:lstStyle/>
+          <a:p>
+            <a:r>
+              <a:rPr lang="en-US" dirty="0" smtClean="0"/>
+              <a:t>3 -Tyler</a:t>
+            </a:r>
+            <a:endParaRPr lang="en-US" dirty="0"/>
+          </a:p>
+        </p:txBody>
+      </p:sp>
+      <p:sp>
+        <p:nvSpPr>
+          <p:cNvPr id="4" name="Slide Number Placeholder 3"/>
+          <p:cNvSpPr>
+            <a:spLocks noGrp="1"/>
+          </p:cNvSpPr>
+          <p:nvPr>
+            <p:ph type="sldNum" sz="quarter" idx="10"/>
+          </p:nvPr>
+        </p:nvSpPr>
+        <p:spPr/>
+        <p:txBody>
+          <a:bodyPr/>
+          <a:lstStyle/>
+          <a:p>
+            <a:fld id="{165BAAFA-8569-4F3A-B5A8-377F352D7750}" type="slidenum">
+              <a:rPr lang="en-US" smtClean="0"/>
+              <a:t>21</a:t>
+            </a:fld>
+            <a:endParaRPr lang="en-US"/>
+          </a:p>
+        </p:txBody>
+      </p:sp>
+    </p:spTree>
+    <p:extLst>
+      <p:ext uri="{BB962C8B-B14F-4D97-AF65-F5344CB8AC3E}">
+        <p14:creationId xmlns:p14="http://schemas.microsoft.com/office/powerpoint/2010/main" val="1877961469"/>
+      </p:ext>
+    </p:extLst>
+  </p:cSld>
+  <p:clrMapOvr>
+    <a:masterClrMapping/>
+  </p:clrMapOvr>
+</p:notes>
+</file>
+
+<file path=ppt/notesSlides/notesSlide22.xml><?xml version="1.0" encoding="utf-8"?>
+<p:notes xmlns:a="http://schemas.openxmlformats.org/drawingml/2006/main" xmlns:r="http://schemas.openxmlformats.org/officeDocument/2006/relationships" xmlns:p="http://schemas.openxmlformats.org/presentationml/2006/main">
+  <p:cSld>
+    <p:spTree>
+      <p:nvGrpSpPr>
+        <p:cNvPr id="1" name=""/>
+        <p:cNvGrpSpPr/>
+        <p:nvPr/>
+      </p:nvGrpSpPr>
+      <p:grpSpPr>
+        <a:xfrm>
+          <a:off x="0" y="0"/>
+          <a:ext cx="0" cy="0"/>
+          <a:chOff x="0" y="0"/>
+          <a:chExt cx="0" cy="0"/>
+        </a:xfrm>
+      </p:grpSpPr>
+      <p:sp>
+        <p:nvSpPr>
+          <p:cNvPr id="2" name="Slide Image Placeholder 1"/>
+          <p:cNvSpPr>
+            <a:spLocks noGrp="1" noRot="1" noChangeAspect="1"/>
+          </p:cNvSpPr>
+          <p:nvPr>
+            <p:ph type="sldImg"/>
+          </p:nvPr>
+        </p:nvSpPr>
+        <p:spPr/>
+      </p:sp>
+      <p:sp>
+        <p:nvSpPr>
+          <p:cNvPr id="3" name="Notes Placeholder 2"/>
+          <p:cNvSpPr>
+            <a:spLocks noGrp="1"/>
+          </p:cNvSpPr>
+          <p:nvPr>
+            <p:ph type="body" idx="1"/>
+          </p:nvPr>
+        </p:nvSpPr>
+        <p:spPr/>
+        <p:txBody>
+          <a:bodyPr/>
+          <a:lstStyle/>
+          <a:p>
+            <a:r>
+              <a:rPr lang="en-US" dirty="0" smtClean="0"/>
+              <a:t>3 -Tyler</a:t>
+            </a:r>
+            <a:endParaRPr lang="en-US" dirty="0"/>
+          </a:p>
+        </p:txBody>
+      </p:sp>
+      <p:sp>
+        <p:nvSpPr>
+          <p:cNvPr id="4" name="Slide Number Placeholder 3"/>
+          <p:cNvSpPr>
+            <a:spLocks noGrp="1"/>
+          </p:cNvSpPr>
+          <p:nvPr>
+            <p:ph type="sldNum" sz="quarter" idx="10"/>
+          </p:nvPr>
+        </p:nvSpPr>
+        <p:spPr/>
+        <p:txBody>
+          <a:bodyPr/>
+          <a:lstStyle/>
+          <a:p>
+            <a:fld id="{165BAAFA-8569-4F3A-B5A8-377F352D7750}" type="slidenum">
+              <a:rPr lang="en-US" smtClean="0"/>
+              <a:t>22</a:t>
+            </a:fld>
+            <a:endParaRPr lang="en-US"/>
+          </a:p>
+        </p:txBody>
+      </p:sp>
+    </p:spTree>
+    <p:extLst>
+      <p:ext uri="{BB962C8B-B14F-4D97-AF65-F5344CB8AC3E}">
+        <p14:creationId xmlns:p14="http://schemas.microsoft.com/office/powerpoint/2010/main" val="592244751"/>
+      </p:ext>
+    </p:extLst>
+  </p:cSld>
+  <p:clrMapOvr>
+    <a:masterClrMapping/>
+  </p:clrMapOvr>
+</p:notes>
+</file>
+
+<file path=ppt/notesSlides/notesSlide23.xml><?xml version="1.0" encoding="utf-8"?>
+<p:notes xmlns:a="http://schemas.openxmlformats.org/drawingml/2006/main" xmlns:r="http://schemas.openxmlformats.org/officeDocument/2006/relationships" xmlns:p="http://schemas.openxmlformats.org/presentationml/2006/main">
+  <p:cSld>
+    <p:spTree>
+      <p:nvGrpSpPr>
+        <p:cNvPr id="1" name=""/>
+        <p:cNvGrpSpPr/>
+        <p:nvPr/>
+      </p:nvGrpSpPr>
+      <p:grpSpPr>
+        <a:xfrm>
+          <a:off x="0" y="0"/>
+          <a:ext cx="0" cy="0"/>
+          <a:chOff x="0" y="0"/>
+          <a:chExt cx="0" cy="0"/>
+        </a:xfrm>
+      </p:grpSpPr>
+      <p:sp>
+        <p:nvSpPr>
+          <p:cNvPr id="2" name="Slide Image Placeholder 1"/>
+          <p:cNvSpPr>
+            <a:spLocks noGrp="1" noRot="1" noChangeAspect="1"/>
+          </p:cNvSpPr>
+          <p:nvPr>
+            <p:ph type="sldImg"/>
+          </p:nvPr>
+        </p:nvSpPr>
+        <p:spPr/>
+      </p:sp>
+      <p:sp>
+        <p:nvSpPr>
+          <p:cNvPr id="3" name="Notes Placeholder 2"/>
+          <p:cNvSpPr>
+            <a:spLocks noGrp="1"/>
+          </p:cNvSpPr>
+          <p:nvPr>
+            <p:ph type="body" idx="1"/>
+          </p:nvPr>
+        </p:nvSpPr>
+        <p:spPr/>
+        <p:txBody>
+          <a:bodyPr/>
+          <a:lstStyle/>
+          <a:p>
+            <a:r>
+              <a:rPr lang="en-US" dirty="0" smtClean="0"/>
+              <a:t>3 -Tyler</a:t>
+            </a:r>
+            <a:endParaRPr lang="en-US" dirty="0"/>
+          </a:p>
+        </p:txBody>
+      </p:sp>
+      <p:sp>
+        <p:nvSpPr>
+          <p:cNvPr id="4" name="Slide Number Placeholder 3"/>
+          <p:cNvSpPr>
+            <a:spLocks noGrp="1"/>
+          </p:cNvSpPr>
+          <p:nvPr>
+            <p:ph type="sldNum" sz="quarter" idx="10"/>
+          </p:nvPr>
+        </p:nvSpPr>
+        <p:spPr/>
+        <p:txBody>
+          <a:bodyPr/>
+          <a:lstStyle/>
+          <a:p>
+            <a:fld id="{165BAAFA-8569-4F3A-B5A8-377F352D7750}" type="slidenum">
+              <a:rPr lang="en-US" smtClean="0"/>
+              <a:t>23</a:t>
+            </a:fld>
+            <a:endParaRPr lang="en-US"/>
+          </a:p>
+        </p:txBody>
+      </p:sp>
+    </p:spTree>
+    <p:extLst>
+      <p:ext uri="{BB962C8B-B14F-4D97-AF65-F5344CB8AC3E}">
+        <p14:creationId xmlns:p14="http://schemas.microsoft.com/office/powerpoint/2010/main" val="1326882901"/>
+      </p:ext>
+    </p:extLst>
+  </p:cSld>
+  <p:clrMapOvr>
+    <a:masterClrMapping/>
+  </p:clrMapOvr>
+</p:notes>
+</file>
+
+<file path=ppt/notesSlides/notesSlide24.xml><?xml version="1.0" encoding="utf-8"?>
+<p:notes xmlns:a="http://schemas.openxmlformats.org/drawingml/2006/main" xmlns:r="http://schemas.openxmlformats.org/officeDocument/2006/relationships" xmlns:p="http://schemas.openxmlformats.org/presentationml/2006/main">
+  <p:cSld>
+    <p:spTree>
+      <p:nvGrpSpPr>
+        <p:cNvPr id="1" name=""/>
+        <p:cNvGrpSpPr/>
+        <p:nvPr/>
+      </p:nvGrpSpPr>
+      <p:grpSpPr>
+        <a:xfrm>
+          <a:off x="0" y="0"/>
+          <a:ext cx="0" cy="0"/>
+          <a:chOff x="0" y="0"/>
+          <a:chExt cx="0" cy="0"/>
+        </a:xfrm>
+      </p:grpSpPr>
+      <p:sp>
+        <p:nvSpPr>
+          <p:cNvPr id="2" name="Slide Image Placeholder 1"/>
+          <p:cNvSpPr>
+            <a:spLocks noGrp="1" noRot="1" noChangeAspect="1"/>
+          </p:cNvSpPr>
+          <p:nvPr>
+            <p:ph type="sldImg"/>
+          </p:nvPr>
+        </p:nvSpPr>
+        <p:spPr/>
+      </p:sp>
+      <p:sp>
+        <p:nvSpPr>
+          <p:cNvPr id="3" name="Notes Placeholder 2"/>
+          <p:cNvSpPr>
+            <a:spLocks noGrp="1"/>
+          </p:cNvSpPr>
+          <p:nvPr>
+            <p:ph type="body" idx="1"/>
+          </p:nvPr>
+        </p:nvSpPr>
+        <p:spPr/>
+        <p:txBody>
+          <a:bodyPr/>
+          <a:lstStyle/>
+          <a:p>
+            <a:r>
+              <a:rPr lang="en-US" dirty="0" smtClean="0"/>
+              <a:t>4 -CM</a:t>
+            </a:r>
+            <a:endParaRPr lang="en-US" dirty="0"/>
+          </a:p>
+        </p:txBody>
+      </p:sp>
+      <p:sp>
+        <p:nvSpPr>
+          <p:cNvPr id="4" name="Slide Number Placeholder 3"/>
+          <p:cNvSpPr>
+            <a:spLocks noGrp="1"/>
+          </p:cNvSpPr>
+          <p:nvPr>
+            <p:ph type="sldNum" sz="quarter" idx="10"/>
+          </p:nvPr>
+        </p:nvSpPr>
+        <p:spPr/>
+        <p:txBody>
+          <a:bodyPr/>
+          <a:lstStyle/>
+          <a:p>
+            <a:fld id="{165BAAFA-8569-4F3A-B5A8-377F352D7750}" type="slidenum">
+              <a:rPr lang="en-US" smtClean="0"/>
+              <a:t>24</a:t>
+            </a:fld>
+            <a:endParaRPr lang="en-US"/>
+          </a:p>
+        </p:txBody>
+      </p:sp>
+    </p:spTree>
+    <p:extLst>
+      <p:ext uri="{BB962C8B-B14F-4D97-AF65-F5344CB8AC3E}">
+        <p14:creationId xmlns:p14="http://schemas.microsoft.com/office/powerpoint/2010/main" val="2614403083"/>
+      </p:ext>
+    </p:extLst>
+  </p:cSld>
+  <p:clrMapOvr>
+    <a:masterClrMapping/>
+  </p:clrMapOvr>
+</p:notes>
+</file>
+
+<file path=ppt/notesSlides/notesSlide25.xml><?xml version="1.0" encoding="utf-8"?>
+<p:notes xmlns:a="http://schemas.openxmlformats.org/drawingml/2006/main" xmlns:r="http://schemas.openxmlformats.org/officeDocument/2006/relationships" xmlns:p="http://schemas.openxmlformats.org/presentationml/2006/main">
+  <p:cSld>
+    <p:spTree>
+      <p:nvGrpSpPr>
+        <p:cNvPr id="1" name=""/>
+        <p:cNvGrpSpPr/>
+        <p:nvPr/>
+      </p:nvGrpSpPr>
+      <p:grpSpPr>
+        <a:xfrm>
+          <a:off x="0" y="0"/>
+          <a:ext cx="0" cy="0"/>
+          <a:chOff x="0" y="0"/>
+          <a:chExt cx="0" cy="0"/>
+        </a:xfrm>
+      </p:grpSpPr>
+      <p:sp>
+        <p:nvSpPr>
+          <p:cNvPr id="2" name="Slide Image Placeholder 1"/>
+          <p:cNvSpPr>
+            <a:spLocks noGrp="1" noRot="1" noChangeAspect="1"/>
+          </p:cNvSpPr>
+          <p:nvPr>
+            <p:ph type="sldImg"/>
+          </p:nvPr>
+        </p:nvSpPr>
+        <p:spPr/>
+      </p:sp>
+      <p:sp>
+        <p:nvSpPr>
+          <p:cNvPr id="3" name="Notes Placeholder 2"/>
+          <p:cNvSpPr>
+            <a:spLocks noGrp="1"/>
+          </p:cNvSpPr>
+          <p:nvPr>
+            <p:ph type="body" idx="1"/>
+          </p:nvPr>
+        </p:nvSpPr>
+        <p:spPr/>
+        <p:txBody>
+          <a:bodyPr/>
+          <a:lstStyle/>
+          <a:p>
+            <a:r>
+              <a:rPr lang="en-US" dirty="0" smtClean="0"/>
+              <a:t>4 -CM</a:t>
+            </a:r>
+            <a:endParaRPr lang="en-US" dirty="0"/>
+          </a:p>
+        </p:txBody>
+      </p:sp>
+      <p:sp>
+        <p:nvSpPr>
+          <p:cNvPr id="4" name="Slide Number Placeholder 3"/>
+          <p:cNvSpPr>
+            <a:spLocks noGrp="1"/>
+          </p:cNvSpPr>
+          <p:nvPr>
+            <p:ph type="sldNum" sz="quarter" idx="10"/>
+          </p:nvPr>
+        </p:nvSpPr>
+        <p:spPr/>
+        <p:txBody>
+          <a:bodyPr/>
+          <a:lstStyle/>
+          <a:p>
+            <a:fld id="{165BAAFA-8569-4F3A-B5A8-377F352D7750}" type="slidenum">
+              <a:rPr lang="en-US" smtClean="0"/>
+              <a:t>25</a:t>
+            </a:fld>
+            <a:endParaRPr lang="en-US"/>
+          </a:p>
+        </p:txBody>
+      </p:sp>
+    </p:spTree>
+    <p:extLst>
+      <p:ext uri="{BB962C8B-B14F-4D97-AF65-F5344CB8AC3E}">
+        <p14:creationId xmlns:p14="http://schemas.microsoft.com/office/powerpoint/2010/main" val="702373161"/>
+      </p:ext>
+    </p:extLst>
+  </p:cSld>
+  <p:clrMapOvr>
+    <a:masterClrMapping/>
+  </p:clrMapOvr>
+</p:notes>
+</file>
+
+<file path=ppt/notesSlides/notesSlide26.xml><?xml version="1.0" encoding="utf-8"?>
+<p:notes xmlns:a="http://schemas.openxmlformats.org/drawingml/2006/main" xmlns:r="http://schemas.openxmlformats.org/officeDocument/2006/relationships" xmlns:p="http://schemas.openxmlformats.org/presentationml/2006/main">
+  <p:cSld>
+    <p:spTree>
+      <p:nvGrpSpPr>
+        <p:cNvPr id="1" name=""/>
+        <p:cNvGrpSpPr/>
+        <p:nvPr/>
+      </p:nvGrpSpPr>
+      <p:grpSpPr>
+        <a:xfrm>
+          <a:off x="0" y="0"/>
+          <a:ext cx="0" cy="0"/>
+          <a:chOff x="0" y="0"/>
+          <a:chExt cx="0" cy="0"/>
+        </a:xfrm>
+      </p:grpSpPr>
+      <p:sp>
+        <p:nvSpPr>
+          <p:cNvPr id="2" name="Slide Image Placeholder 1"/>
+          <p:cNvSpPr>
+            <a:spLocks noGrp="1" noRot="1" noChangeAspect="1"/>
+          </p:cNvSpPr>
+          <p:nvPr>
+            <p:ph type="sldImg"/>
+          </p:nvPr>
+        </p:nvSpPr>
+        <p:spPr/>
+      </p:sp>
+      <p:sp>
+        <p:nvSpPr>
+          <p:cNvPr id="3" name="Notes Placeholder 2"/>
+          <p:cNvSpPr>
+            <a:spLocks noGrp="1"/>
+          </p:cNvSpPr>
+          <p:nvPr>
+            <p:ph type="body" idx="1"/>
+          </p:nvPr>
+        </p:nvSpPr>
+        <p:spPr/>
+        <p:txBody>
+          <a:bodyPr/>
+          <a:lstStyle/>
+          <a:p>
+            <a:r>
+              <a:rPr lang="en-US" dirty="0" smtClean="0"/>
+              <a:t>4 -CM</a:t>
+            </a:r>
+            <a:endParaRPr lang="en-US" dirty="0"/>
+          </a:p>
+        </p:txBody>
+      </p:sp>
+      <p:sp>
+        <p:nvSpPr>
+          <p:cNvPr id="4" name="Slide Number Placeholder 3"/>
+          <p:cNvSpPr>
+            <a:spLocks noGrp="1"/>
+          </p:cNvSpPr>
+          <p:nvPr>
+            <p:ph type="sldNum" sz="quarter" idx="10"/>
+          </p:nvPr>
+        </p:nvSpPr>
+        <p:spPr/>
+        <p:txBody>
+          <a:bodyPr/>
+          <a:lstStyle/>
+          <a:p>
+            <a:fld id="{165BAAFA-8569-4F3A-B5A8-377F352D7750}" type="slidenum">
+              <a:rPr lang="en-US" smtClean="0"/>
+              <a:t>26</a:t>
+            </a:fld>
+            <a:endParaRPr lang="en-US"/>
+          </a:p>
+        </p:txBody>
+      </p:sp>
+    </p:spTree>
+    <p:extLst>
+      <p:ext uri="{BB962C8B-B14F-4D97-AF65-F5344CB8AC3E}">
+        <p14:creationId xmlns:p14="http://schemas.microsoft.com/office/powerpoint/2010/main" val="3387570545"/>
+      </p:ext>
+    </p:extLst>
+  </p:cSld>
+  <p:clrMapOvr>
+    <a:masterClrMapping/>
+  </p:clrMapOvr>
+</p:notes>
+</file>
+
+<file path=ppt/notesSlides/notesSlide27.xml><?xml version="1.0" encoding="utf-8"?>
+<p:notes xmlns:a="http://schemas.openxmlformats.org/drawingml/2006/main" xmlns:r="http://schemas.openxmlformats.org/officeDocument/2006/relationships" xmlns:p="http://schemas.openxmlformats.org/presentationml/2006/main">
+  <p:cSld>
+    <p:spTree>
+      <p:nvGrpSpPr>
+        <p:cNvPr id="1" name=""/>
+        <p:cNvGrpSpPr/>
+        <p:nvPr/>
+      </p:nvGrpSpPr>
+      <p:grpSpPr>
+        <a:xfrm>
+          <a:off x="0" y="0"/>
+          <a:ext cx="0" cy="0"/>
+          <a:chOff x="0" y="0"/>
+          <a:chExt cx="0" cy="0"/>
+        </a:xfrm>
+      </p:grpSpPr>
+      <p:sp>
+        <p:nvSpPr>
+          <p:cNvPr id="2" name="Slide Image Placeholder 1"/>
+          <p:cNvSpPr>
+            <a:spLocks noGrp="1" noRot="1" noChangeAspect="1"/>
+          </p:cNvSpPr>
+          <p:nvPr>
+            <p:ph type="sldImg"/>
+          </p:nvPr>
+        </p:nvSpPr>
+        <p:spPr/>
+      </p:sp>
+      <p:sp>
+        <p:nvSpPr>
+          <p:cNvPr id="3" name="Notes Placeholder 2"/>
+          <p:cNvSpPr>
+            <a:spLocks noGrp="1"/>
+          </p:cNvSpPr>
+          <p:nvPr>
+            <p:ph type="body" idx="1"/>
+          </p:nvPr>
+        </p:nvSpPr>
+        <p:spPr/>
+        <p:txBody>
+          <a:bodyPr/>
+          <a:lstStyle/>
+          <a:p>
+            <a:r>
+              <a:rPr lang="en-US" dirty="0" smtClean="0"/>
+              <a:t>4 -CM</a:t>
+            </a:r>
+            <a:endParaRPr lang="en-US" dirty="0"/>
+          </a:p>
+        </p:txBody>
+      </p:sp>
+      <p:sp>
+        <p:nvSpPr>
+          <p:cNvPr id="4" name="Slide Number Placeholder 3"/>
+          <p:cNvSpPr>
+            <a:spLocks noGrp="1"/>
+          </p:cNvSpPr>
+          <p:nvPr>
+            <p:ph type="sldNum" sz="quarter" idx="10"/>
+          </p:nvPr>
+        </p:nvSpPr>
+        <p:spPr/>
+        <p:txBody>
+          <a:bodyPr/>
+          <a:lstStyle/>
+          <a:p>
+            <a:fld id="{165BAAFA-8569-4F3A-B5A8-377F352D7750}" type="slidenum">
+              <a:rPr lang="en-US" smtClean="0"/>
+              <a:t>27</a:t>
+            </a:fld>
+            <a:endParaRPr lang="en-US"/>
+          </a:p>
+        </p:txBody>
+      </p:sp>
+    </p:spTree>
+    <p:extLst>
+      <p:ext uri="{BB962C8B-B14F-4D97-AF65-F5344CB8AC3E}">
+        <p14:creationId xmlns:p14="http://schemas.microsoft.com/office/powerpoint/2010/main" val="2285766444"/>
+      </p:ext>
+    </p:extLst>
+  </p:cSld>
+  <p:clrMapOvr>
+    <a:masterClrMapping/>
+  </p:clrMapOvr>
+</p:notes>
+</file>
+
+<file path=ppt/notesSlides/notesSlide28.xml><?xml version="1.0" encoding="utf-8"?>
+<p:notes xmlns:a="http://schemas.openxmlformats.org/drawingml/2006/main" xmlns:r="http://schemas.openxmlformats.org/officeDocument/2006/relationships" xmlns:p="http://schemas.openxmlformats.org/presentationml/2006/main">
+  <p:cSld>
+    <p:spTree>
+      <p:nvGrpSpPr>
+        <p:cNvPr id="1" name=""/>
+        <p:cNvGrpSpPr/>
+        <p:nvPr/>
+      </p:nvGrpSpPr>
+      <p:grpSpPr>
+        <a:xfrm>
+          <a:off x="0" y="0"/>
+          <a:ext cx="0" cy="0"/>
+          <a:chOff x="0" y="0"/>
+          <a:chExt cx="0" cy="0"/>
+        </a:xfrm>
+      </p:grpSpPr>
+      <p:sp>
+        <p:nvSpPr>
+          <p:cNvPr id="2" name="Slide Image Placeholder 1"/>
+          <p:cNvSpPr>
+            <a:spLocks noGrp="1" noRot="1" noChangeAspect="1"/>
+          </p:cNvSpPr>
+          <p:nvPr>
+            <p:ph type="sldImg"/>
+          </p:nvPr>
+        </p:nvSpPr>
+        <p:spPr/>
+      </p:sp>
+      <p:sp>
+        <p:nvSpPr>
+          <p:cNvPr id="3" name="Notes Placeholder 2"/>
+          <p:cNvSpPr>
+            <a:spLocks noGrp="1"/>
+          </p:cNvSpPr>
+          <p:nvPr>
+            <p:ph type="body" idx="1"/>
+          </p:nvPr>
+        </p:nvSpPr>
+        <p:spPr/>
+        <p:txBody>
+          <a:bodyPr/>
+          <a:lstStyle/>
+          <a:p>
+            <a:r>
+              <a:rPr lang="en-US" dirty="0" smtClean="0"/>
+              <a:t>4 -CM</a:t>
+            </a:r>
+            <a:endParaRPr lang="en-US" dirty="0"/>
+          </a:p>
+        </p:txBody>
+      </p:sp>
+      <p:sp>
+        <p:nvSpPr>
+          <p:cNvPr id="4" name="Slide Number Placeholder 3"/>
+          <p:cNvSpPr>
+            <a:spLocks noGrp="1"/>
+          </p:cNvSpPr>
+          <p:nvPr>
+            <p:ph type="sldNum" sz="quarter" idx="10"/>
+          </p:nvPr>
+        </p:nvSpPr>
+        <p:spPr/>
+        <p:txBody>
+          <a:bodyPr/>
+          <a:lstStyle/>
+          <a:p>
+            <a:fld id="{165BAAFA-8569-4F3A-B5A8-377F352D7750}" type="slidenum">
+              <a:rPr lang="en-US" smtClean="0"/>
+              <a:t>28</a:t>
+            </a:fld>
+            <a:endParaRPr lang="en-US"/>
+          </a:p>
+        </p:txBody>
+      </p:sp>
+    </p:spTree>
+    <p:extLst>
+      <p:ext uri="{BB962C8B-B14F-4D97-AF65-F5344CB8AC3E}">
+        <p14:creationId xmlns:p14="http://schemas.microsoft.com/office/powerpoint/2010/main" val="1142580297"/>
+      </p:ext>
+    </p:extLst>
+  </p:cSld>
+  <p:clrMapOvr>
+    <a:masterClrMapping/>
+  </p:clrMapOvr>
+</p:notes>
+</file>
+
+<file path=ppt/notesSlides/notesSlide29.xml><?xml version="1.0" encoding="utf-8"?>
+<p:notes xmlns:a="http://schemas.openxmlformats.org/drawingml/2006/main" xmlns:r="http://schemas.openxmlformats.org/officeDocument/2006/relationships" xmlns:p="http://schemas.openxmlformats.org/presentationml/2006/main">
+  <p:cSld>
+    <p:spTree>
+      <p:nvGrpSpPr>
+        <p:cNvPr id="1" name=""/>
+        <p:cNvGrpSpPr/>
+        <p:nvPr/>
+      </p:nvGrpSpPr>
+      <p:grpSpPr>
+        <a:xfrm>
+          <a:off x="0" y="0"/>
+          <a:ext cx="0" cy="0"/>
+          <a:chOff x="0" y="0"/>
+          <a:chExt cx="0" cy="0"/>
+        </a:xfrm>
+      </p:grpSpPr>
+      <p:sp>
+        <p:nvSpPr>
+          <p:cNvPr id="2" name="Slide Image Placeholder 1"/>
+          <p:cNvSpPr>
+            <a:spLocks noGrp="1" noRot="1" noChangeAspect="1"/>
+          </p:cNvSpPr>
+          <p:nvPr>
+            <p:ph type="sldImg"/>
+          </p:nvPr>
+        </p:nvSpPr>
+        <p:spPr/>
+      </p:sp>
+      <p:sp>
+        <p:nvSpPr>
+          <p:cNvPr id="3" name="Notes Placeholder 2"/>
+          <p:cNvSpPr>
+            <a:spLocks noGrp="1"/>
+          </p:cNvSpPr>
+          <p:nvPr>
+            <p:ph type="body" idx="1"/>
+          </p:nvPr>
+        </p:nvSpPr>
+        <p:spPr/>
+        <p:txBody>
+          <a:bodyPr/>
+          <a:lstStyle/>
+          <a:p>
+            <a:r>
+              <a:rPr lang="en-US" dirty="0" smtClean="0"/>
+              <a:t>4 -CM</a:t>
+            </a:r>
+            <a:endParaRPr lang="en-US" dirty="0"/>
+          </a:p>
+        </p:txBody>
+      </p:sp>
+      <p:sp>
+        <p:nvSpPr>
+          <p:cNvPr id="4" name="Slide Number Placeholder 3"/>
+          <p:cNvSpPr>
+            <a:spLocks noGrp="1"/>
+          </p:cNvSpPr>
+          <p:nvPr>
+            <p:ph type="sldNum" sz="quarter" idx="10"/>
+          </p:nvPr>
+        </p:nvSpPr>
+        <p:spPr/>
+        <p:txBody>
+          <a:bodyPr/>
+          <a:lstStyle/>
+          <a:p>
+            <a:fld id="{165BAAFA-8569-4F3A-B5A8-377F352D7750}" type="slidenum">
+              <a:rPr lang="en-US" smtClean="0"/>
+              <a:t>29</a:t>
+            </a:fld>
+            <a:endParaRPr lang="en-US"/>
+          </a:p>
+        </p:txBody>
+      </p:sp>
+    </p:spTree>
+    <p:extLst>
+      <p:ext uri="{BB962C8B-B14F-4D97-AF65-F5344CB8AC3E}">
+        <p14:creationId xmlns:p14="http://schemas.microsoft.com/office/powerpoint/2010/main" val="3887632801"/>
       </p:ext>
     </p:extLst>
   </p:cSld>
@@ -706,7 +2478,7 @@
           <a:p>
             <a:r>
               <a:rPr lang="en-US" dirty="0" smtClean="0"/>
-              <a:t>Lloyd</a:t>
+              <a:t>1 -Jeff</a:t>
             </a:r>
             <a:endParaRPr lang="en-US" dirty="0"/>
           </a:p>
@@ -739,6 +2511,94 @@
     <p:extLst>
       <p:ext uri="{BB962C8B-B14F-4D97-AF65-F5344CB8AC3E}">
         <p14:creationId xmlns:p14="http://schemas.microsoft.com/office/powerpoint/2010/main" val="2946392534"/>
+      </p:ext>
+    </p:extLst>
+  </p:cSld>
+  <p:clrMapOvr>
+    <a:masterClrMapping/>
+  </p:clrMapOvr>
+</p:notes>
+</file>
+
+<file path=ppt/notesSlides/notesSlide30.xml><?xml version="1.0" encoding="utf-8"?>
+<p:notes xmlns:a="http://schemas.openxmlformats.org/drawingml/2006/main" xmlns:r="http://schemas.openxmlformats.org/officeDocument/2006/relationships" xmlns:p="http://schemas.openxmlformats.org/presentationml/2006/main">
+  <p:cSld>
+    <p:spTree>
+      <p:nvGrpSpPr>
+        <p:cNvPr id="1" name=""/>
+        <p:cNvGrpSpPr/>
+        <p:nvPr/>
+      </p:nvGrpSpPr>
+      <p:grpSpPr>
+        <a:xfrm>
+          <a:off x="0" y="0"/>
+          <a:ext cx="0" cy="0"/>
+          <a:chOff x="0" y="0"/>
+          <a:chExt cx="0" cy="0"/>
+        </a:xfrm>
+      </p:grpSpPr>
+      <p:sp>
+        <p:nvSpPr>
+          <p:cNvPr id="2" name="Slide Image Placeholder 1"/>
+          <p:cNvSpPr>
+            <a:spLocks noGrp="1" noRot="1" noChangeAspect="1"/>
+          </p:cNvSpPr>
+          <p:nvPr>
+            <p:ph type="sldImg"/>
+          </p:nvPr>
+        </p:nvSpPr>
+        <p:spPr/>
+      </p:sp>
+      <p:sp>
+        <p:nvSpPr>
+          <p:cNvPr id="3" name="Notes Placeholder 2"/>
+          <p:cNvSpPr>
+            <a:spLocks noGrp="1"/>
+          </p:cNvSpPr>
+          <p:nvPr>
+            <p:ph type="body" idx="1"/>
+          </p:nvPr>
+        </p:nvSpPr>
+        <p:spPr/>
+        <p:txBody>
+          <a:bodyPr/>
+          <a:lstStyle/>
+          <a:p>
+            <a:r>
+              <a:rPr lang="en-US" dirty="0" smtClean="0"/>
+              <a:t>4 -CM</a:t>
+            </a:r>
+            <a:endParaRPr lang="en-US" dirty="0"/>
+          </a:p>
+        </p:txBody>
+      </p:sp>
+      <p:sp>
+        <p:nvSpPr>
+          <p:cNvPr id="4" name="Slide Number Placeholder 3"/>
+          <p:cNvSpPr>
+            <a:spLocks noGrp="1"/>
+          </p:cNvSpPr>
+          <p:nvPr>
+            <p:ph type="sldNum" sz="quarter" idx="10"/>
+          </p:nvPr>
+        </p:nvSpPr>
+        <p:spPr/>
+        <p:txBody>
+          <a:bodyPr/>
+          <a:lstStyle/>
+          <a:p>
+            <a:fld id="{165BAAFA-8569-4F3A-B5A8-377F352D7750}" type="slidenum">
+              <a:rPr lang="en-US" smtClean="0"/>
+              <a:t>30</a:t>
+            </a:fld>
+            <a:endParaRPr lang="en-US"/>
+          </a:p>
+        </p:txBody>
+      </p:sp>
+    </p:spTree>
+    <p:extLst>
+      <p:ext uri="{BB962C8B-B14F-4D97-AF65-F5344CB8AC3E}">
+        <p14:creationId xmlns:p14="http://schemas.microsoft.com/office/powerpoint/2010/main" val="1629454250"/>
       </p:ext>
     </p:extLst>
   </p:cSld>
@@ -794,7 +2654,7 @@
           <a:p>
             <a:r>
               <a:rPr lang="en-US" dirty="0" smtClean="0"/>
-              <a:t>The storage box prevents the Product from outside hazards. Also, the storage solution helps the product to be transported easily. </a:t>
+              <a:t>1 -Jeff</a:t>
             </a:r>
             <a:endParaRPr lang="en-US" dirty="0"/>
           </a:p>
@@ -817,7 +2677,7 @@
           <a:p>
             <a:fld id="{165BAAFA-8569-4F3A-B5A8-377F352D7750}" type="slidenum">
               <a:rPr lang="en-US" smtClean="0"/>
-              <a:t>12</a:t>
+              <a:t>4</a:t>
             </a:fld>
             <a:endParaRPr lang="en-US"/>
           </a:p>
@@ -826,7 +2686,447 @@
     </p:spTree>
     <p:extLst>
       <p:ext uri="{BB962C8B-B14F-4D97-AF65-F5344CB8AC3E}">
-        <p14:creationId xmlns:p14="http://schemas.microsoft.com/office/powerpoint/2010/main" val="661818089"/>
+        <p14:creationId xmlns:p14="http://schemas.microsoft.com/office/powerpoint/2010/main" val="114150137"/>
+      </p:ext>
+    </p:extLst>
+  </p:cSld>
+  <p:clrMapOvr>
+    <a:masterClrMapping/>
+  </p:clrMapOvr>
+</p:notes>
+</file>
+
+<file path=ppt/notesSlides/notesSlide5.xml><?xml version="1.0" encoding="utf-8"?>
+<p:notes xmlns:a="http://schemas.openxmlformats.org/drawingml/2006/main" xmlns:r="http://schemas.openxmlformats.org/officeDocument/2006/relationships" xmlns:p="http://schemas.openxmlformats.org/presentationml/2006/main">
+  <p:cSld>
+    <p:spTree>
+      <p:nvGrpSpPr>
+        <p:cNvPr id="1" name=""/>
+        <p:cNvGrpSpPr/>
+        <p:nvPr/>
+      </p:nvGrpSpPr>
+      <p:grpSpPr>
+        <a:xfrm>
+          <a:off x="0" y="0"/>
+          <a:ext cx="0" cy="0"/>
+          <a:chOff x="0" y="0"/>
+          <a:chExt cx="0" cy="0"/>
+        </a:xfrm>
+      </p:grpSpPr>
+      <p:sp>
+        <p:nvSpPr>
+          <p:cNvPr id="2" name="Slide Image Placeholder 1"/>
+          <p:cNvSpPr>
+            <a:spLocks noGrp="1" noRot="1" noChangeAspect="1"/>
+          </p:cNvSpPr>
+          <p:nvPr>
+            <p:ph type="sldImg"/>
+          </p:nvPr>
+        </p:nvSpPr>
+        <p:spPr/>
+      </p:sp>
+      <p:sp>
+        <p:nvSpPr>
+          <p:cNvPr id="3" name="Notes Placeholder 2"/>
+          <p:cNvSpPr>
+            <a:spLocks noGrp="1"/>
+          </p:cNvSpPr>
+          <p:nvPr>
+            <p:ph type="body" idx="1"/>
+          </p:nvPr>
+        </p:nvSpPr>
+        <p:spPr/>
+        <p:txBody>
+          <a:bodyPr/>
+          <a:lstStyle/>
+          <a:p>
+            <a:r>
+              <a:rPr lang="en-US" dirty="0" smtClean="0"/>
+              <a:t>1 -Jeff</a:t>
+            </a:r>
+            <a:endParaRPr lang="en-US" dirty="0"/>
+          </a:p>
+        </p:txBody>
+      </p:sp>
+      <p:sp>
+        <p:nvSpPr>
+          <p:cNvPr id="4" name="Slide Number Placeholder 3"/>
+          <p:cNvSpPr>
+            <a:spLocks noGrp="1"/>
+          </p:cNvSpPr>
+          <p:nvPr>
+            <p:ph type="sldNum" sz="quarter" idx="10"/>
+          </p:nvPr>
+        </p:nvSpPr>
+        <p:spPr/>
+        <p:txBody>
+          <a:bodyPr/>
+          <a:lstStyle/>
+          <a:p>
+            <a:fld id="{165BAAFA-8569-4F3A-B5A8-377F352D7750}" type="slidenum">
+              <a:rPr lang="en-US" smtClean="0"/>
+              <a:t>5</a:t>
+            </a:fld>
+            <a:endParaRPr lang="en-US"/>
+          </a:p>
+        </p:txBody>
+      </p:sp>
+    </p:spTree>
+    <p:extLst>
+      <p:ext uri="{BB962C8B-B14F-4D97-AF65-F5344CB8AC3E}">
+        <p14:creationId xmlns:p14="http://schemas.microsoft.com/office/powerpoint/2010/main" val="607984746"/>
+      </p:ext>
+    </p:extLst>
+  </p:cSld>
+  <p:clrMapOvr>
+    <a:masterClrMapping/>
+  </p:clrMapOvr>
+</p:notes>
+</file>
+
+<file path=ppt/notesSlides/notesSlide6.xml><?xml version="1.0" encoding="utf-8"?>
+<p:notes xmlns:a="http://schemas.openxmlformats.org/drawingml/2006/main" xmlns:r="http://schemas.openxmlformats.org/officeDocument/2006/relationships" xmlns:p="http://schemas.openxmlformats.org/presentationml/2006/main">
+  <p:cSld>
+    <p:spTree>
+      <p:nvGrpSpPr>
+        <p:cNvPr id="1" name=""/>
+        <p:cNvGrpSpPr/>
+        <p:nvPr/>
+      </p:nvGrpSpPr>
+      <p:grpSpPr>
+        <a:xfrm>
+          <a:off x="0" y="0"/>
+          <a:ext cx="0" cy="0"/>
+          <a:chOff x="0" y="0"/>
+          <a:chExt cx="0" cy="0"/>
+        </a:xfrm>
+      </p:grpSpPr>
+      <p:sp>
+        <p:nvSpPr>
+          <p:cNvPr id="2" name="Slide Image Placeholder 1"/>
+          <p:cNvSpPr>
+            <a:spLocks noGrp="1" noRot="1" noChangeAspect="1"/>
+          </p:cNvSpPr>
+          <p:nvPr>
+            <p:ph type="sldImg"/>
+          </p:nvPr>
+        </p:nvSpPr>
+        <p:spPr/>
+      </p:sp>
+      <p:sp>
+        <p:nvSpPr>
+          <p:cNvPr id="3" name="Notes Placeholder 2"/>
+          <p:cNvSpPr>
+            <a:spLocks noGrp="1"/>
+          </p:cNvSpPr>
+          <p:nvPr>
+            <p:ph type="body" idx="1"/>
+          </p:nvPr>
+        </p:nvSpPr>
+        <p:spPr/>
+        <p:txBody>
+          <a:bodyPr/>
+          <a:lstStyle/>
+          <a:p>
+            <a:r>
+              <a:rPr lang="en-US" dirty="0" smtClean="0"/>
+              <a:t>1 -Jeff</a:t>
+            </a:r>
+            <a:endParaRPr lang="en-US" dirty="0"/>
+          </a:p>
+        </p:txBody>
+      </p:sp>
+      <p:sp>
+        <p:nvSpPr>
+          <p:cNvPr id="4" name="Slide Number Placeholder 3"/>
+          <p:cNvSpPr>
+            <a:spLocks noGrp="1"/>
+          </p:cNvSpPr>
+          <p:nvPr>
+            <p:ph type="sldNum" sz="quarter" idx="10"/>
+          </p:nvPr>
+        </p:nvSpPr>
+        <p:spPr/>
+        <p:txBody>
+          <a:bodyPr/>
+          <a:lstStyle/>
+          <a:p>
+            <a:fld id="{165BAAFA-8569-4F3A-B5A8-377F352D7750}" type="slidenum">
+              <a:rPr lang="en-US" smtClean="0"/>
+              <a:t>6</a:t>
+            </a:fld>
+            <a:endParaRPr lang="en-US"/>
+          </a:p>
+        </p:txBody>
+      </p:sp>
+    </p:spTree>
+    <p:extLst>
+      <p:ext uri="{BB962C8B-B14F-4D97-AF65-F5344CB8AC3E}">
+        <p14:creationId xmlns:p14="http://schemas.microsoft.com/office/powerpoint/2010/main" val="4186292097"/>
+      </p:ext>
+    </p:extLst>
+  </p:cSld>
+  <p:clrMapOvr>
+    <a:masterClrMapping/>
+  </p:clrMapOvr>
+</p:notes>
+</file>
+
+<file path=ppt/notesSlides/notesSlide7.xml><?xml version="1.0" encoding="utf-8"?>
+<p:notes xmlns:a="http://schemas.openxmlformats.org/drawingml/2006/main" xmlns:r="http://schemas.openxmlformats.org/officeDocument/2006/relationships" xmlns:p="http://schemas.openxmlformats.org/presentationml/2006/main">
+  <p:cSld>
+    <p:spTree>
+      <p:nvGrpSpPr>
+        <p:cNvPr id="1" name=""/>
+        <p:cNvGrpSpPr/>
+        <p:nvPr/>
+      </p:nvGrpSpPr>
+      <p:grpSpPr>
+        <a:xfrm>
+          <a:off x="0" y="0"/>
+          <a:ext cx="0" cy="0"/>
+          <a:chOff x="0" y="0"/>
+          <a:chExt cx="0" cy="0"/>
+        </a:xfrm>
+      </p:grpSpPr>
+      <p:sp>
+        <p:nvSpPr>
+          <p:cNvPr id="2" name="Slide Image Placeholder 1"/>
+          <p:cNvSpPr>
+            <a:spLocks noGrp="1" noRot="1" noChangeAspect="1"/>
+          </p:cNvSpPr>
+          <p:nvPr>
+            <p:ph type="sldImg"/>
+          </p:nvPr>
+        </p:nvSpPr>
+        <p:spPr/>
+      </p:sp>
+      <p:sp>
+        <p:nvSpPr>
+          <p:cNvPr id="3" name="Notes Placeholder 2"/>
+          <p:cNvSpPr>
+            <a:spLocks noGrp="1"/>
+          </p:cNvSpPr>
+          <p:nvPr>
+            <p:ph type="body" idx="1"/>
+          </p:nvPr>
+        </p:nvSpPr>
+        <p:spPr/>
+        <p:txBody>
+          <a:bodyPr/>
+          <a:lstStyle/>
+          <a:p>
+            <a:r>
+              <a:rPr lang="en-US" dirty="0" smtClean="0"/>
+              <a:t>1 -Jeff</a:t>
+            </a:r>
+            <a:endParaRPr lang="en-US" dirty="0"/>
+          </a:p>
+        </p:txBody>
+      </p:sp>
+      <p:sp>
+        <p:nvSpPr>
+          <p:cNvPr id="4" name="Slide Number Placeholder 3"/>
+          <p:cNvSpPr>
+            <a:spLocks noGrp="1"/>
+          </p:cNvSpPr>
+          <p:nvPr>
+            <p:ph type="sldNum" sz="quarter" idx="10"/>
+          </p:nvPr>
+        </p:nvSpPr>
+        <p:spPr/>
+        <p:txBody>
+          <a:bodyPr/>
+          <a:lstStyle/>
+          <a:p>
+            <a:fld id="{165BAAFA-8569-4F3A-B5A8-377F352D7750}" type="slidenum">
+              <a:rPr lang="en-US" smtClean="0"/>
+              <a:t>7</a:t>
+            </a:fld>
+            <a:endParaRPr lang="en-US"/>
+          </a:p>
+        </p:txBody>
+      </p:sp>
+    </p:spTree>
+    <p:extLst>
+      <p:ext uri="{BB962C8B-B14F-4D97-AF65-F5344CB8AC3E}">
+        <p14:creationId xmlns:p14="http://schemas.microsoft.com/office/powerpoint/2010/main" val="4035779852"/>
+      </p:ext>
+    </p:extLst>
+  </p:cSld>
+  <p:clrMapOvr>
+    <a:masterClrMapping/>
+  </p:clrMapOvr>
+</p:notes>
+</file>
+
+<file path=ppt/notesSlides/notesSlide8.xml><?xml version="1.0" encoding="utf-8"?>
+<p:notes xmlns:a="http://schemas.openxmlformats.org/drawingml/2006/main" xmlns:r="http://schemas.openxmlformats.org/officeDocument/2006/relationships" xmlns:p="http://schemas.openxmlformats.org/presentationml/2006/main">
+  <p:cSld>
+    <p:spTree>
+      <p:nvGrpSpPr>
+        <p:cNvPr id="1" name=""/>
+        <p:cNvGrpSpPr/>
+        <p:nvPr/>
+      </p:nvGrpSpPr>
+      <p:grpSpPr>
+        <a:xfrm>
+          <a:off x="0" y="0"/>
+          <a:ext cx="0" cy="0"/>
+          <a:chOff x="0" y="0"/>
+          <a:chExt cx="0" cy="0"/>
+        </a:xfrm>
+      </p:grpSpPr>
+      <p:sp>
+        <p:nvSpPr>
+          <p:cNvPr id="2" name="Slide Image Placeholder 1"/>
+          <p:cNvSpPr>
+            <a:spLocks noGrp="1" noRot="1" noChangeAspect="1"/>
+          </p:cNvSpPr>
+          <p:nvPr>
+            <p:ph type="sldImg"/>
+          </p:nvPr>
+        </p:nvSpPr>
+        <p:spPr/>
+      </p:sp>
+      <p:sp>
+        <p:nvSpPr>
+          <p:cNvPr id="3" name="Notes Placeholder 2"/>
+          <p:cNvSpPr>
+            <a:spLocks noGrp="1"/>
+          </p:cNvSpPr>
+          <p:nvPr>
+            <p:ph type="body" idx="1"/>
+          </p:nvPr>
+        </p:nvSpPr>
+        <p:spPr/>
+        <p:txBody>
+          <a:bodyPr/>
+          <a:lstStyle/>
+          <a:p>
+            <a:r>
+              <a:rPr lang="en-US" dirty="0" smtClean="0"/>
+              <a:t>1 -Jeff</a:t>
+            </a:r>
+            <a:endParaRPr lang="en-US" dirty="0"/>
+          </a:p>
+        </p:txBody>
+      </p:sp>
+      <p:sp>
+        <p:nvSpPr>
+          <p:cNvPr id="4" name="Slide Number Placeholder 3"/>
+          <p:cNvSpPr>
+            <a:spLocks noGrp="1"/>
+          </p:cNvSpPr>
+          <p:nvPr>
+            <p:ph type="sldNum" sz="quarter" idx="10"/>
+          </p:nvPr>
+        </p:nvSpPr>
+        <p:spPr/>
+        <p:txBody>
+          <a:bodyPr/>
+          <a:lstStyle/>
+          <a:p>
+            <a:fld id="{165BAAFA-8569-4F3A-B5A8-377F352D7750}" type="slidenum">
+              <a:rPr lang="en-US" smtClean="0"/>
+              <a:t>8</a:t>
+            </a:fld>
+            <a:endParaRPr lang="en-US"/>
+          </a:p>
+        </p:txBody>
+      </p:sp>
+    </p:spTree>
+    <p:extLst>
+      <p:ext uri="{BB962C8B-B14F-4D97-AF65-F5344CB8AC3E}">
+        <p14:creationId xmlns:p14="http://schemas.microsoft.com/office/powerpoint/2010/main" val="1307676993"/>
+      </p:ext>
+    </p:extLst>
+  </p:cSld>
+  <p:clrMapOvr>
+    <a:masterClrMapping/>
+  </p:clrMapOvr>
+</p:notes>
+</file>
+
+<file path=ppt/notesSlides/notesSlide9.xml><?xml version="1.0" encoding="utf-8"?>
+<p:notes xmlns:a="http://schemas.openxmlformats.org/drawingml/2006/main" xmlns:r="http://schemas.openxmlformats.org/officeDocument/2006/relationships" xmlns:p="http://schemas.openxmlformats.org/presentationml/2006/main">
+  <p:cSld>
+    <p:spTree>
+      <p:nvGrpSpPr>
+        <p:cNvPr id="1" name=""/>
+        <p:cNvGrpSpPr/>
+        <p:nvPr/>
+      </p:nvGrpSpPr>
+      <p:grpSpPr>
+        <a:xfrm>
+          <a:off x="0" y="0"/>
+          <a:ext cx="0" cy="0"/>
+          <a:chOff x="0" y="0"/>
+          <a:chExt cx="0" cy="0"/>
+        </a:xfrm>
+      </p:grpSpPr>
+      <p:sp>
+        <p:nvSpPr>
+          <p:cNvPr id="2" name="Slide Image Placeholder 1"/>
+          <p:cNvSpPr>
+            <a:spLocks noGrp="1" noRot="1" noChangeAspect="1"/>
+          </p:cNvSpPr>
+          <p:nvPr>
+            <p:ph type="sldImg"/>
+          </p:nvPr>
+        </p:nvSpPr>
+        <p:spPr/>
+      </p:sp>
+      <p:sp>
+        <p:nvSpPr>
+          <p:cNvPr id="3" name="Notes Placeholder 2"/>
+          <p:cNvSpPr>
+            <a:spLocks noGrp="1"/>
+          </p:cNvSpPr>
+          <p:nvPr>
+            <p:ph type="body" idx="1"/>
+          </p:nvPr>
+        </p:nvSpPr>
+        <p:spPr/>
+        <p:txBody>
+          <a:bodyPr/>
+          <a:lstStyle/>
+          <a:p>
+            <a:r>
+              <a:rPr lang="en-US" dirty="0" smtClean="0"/>
+              <a:t>1 -Jeff</a:t>
+            </a:r>
+            <a:endParaRPr lang="en-US" dirty="0"/>
+          </a:p>
+        </p:txBody>
+      </p:sp>
+      <p:sp>
+        <p:nvSpPr>
+          <p:cNvPr id="4" name="Slide Number Placeholder 3"/>
+          <p:cNvSpPr>
+            <a:spLocks noGrp="1"/>
+          </p:cNvSpPr>
+          <p:nvPr>
+            <p:ph type="sldNum" sz="quarter" idx="10"/>
+          </p:nvPr>
+        </p:nvSpPr>
+        <p:spPr/>
+        <p:txBody>
+          <a:bodyPr/>
+          <a:lstStyle/>
+          <a:p>
+            <a:fld id="{165BAAFA-8569-4F3A-B5A8-377F352D7750}" type="slidenum">
+              <a:rPr lang="en-US" smtClean="0"/>
+              <a:t>9</a:t>
+            </a:fld>
+            <a:endParaRPr lang="en-US"/>
+          </a:p>
+        </p:txBody>
+      </p:sp>
+    </p:spTree>
+    <p:extLst>
+      <p:ext uri="{BB962C8B-B14F-4D97-AF65-F5344CB8AC3E}">
+        <p14:creationId xmlns:p14="http://schemas.microsoft.com/office/powerpoint/2010/main" val="3654239353"/>
       </p:ext>
     </p:extLst>
   </p:cSld>
@@ -4463,146 +6763,6 @@
           <a:p>
             <a:r>
               <a:rPr lang="en-US" dirty="0" smtClean="0"/>
-              <a:t>UI Requirements</a:t>
-            </a:r>
-            <a:endParaRPr lang="en-US" dirty="0"/>
-          </a:p>
-        </p:txBody>
-      </p:sp>
-      <p:sp>
-        <p:nvSpPr>
-          <p:cNvPr id="3" name="Content Placeholder 2"/>
-          <p:cNvSpPr>
-            <a:spLocks noGrp="1"/>
-          </p:cNvSpPr>
-          <p:nvPr>
-            <p:ph idx="1"/>
-          </p:nvPr>
-        </p:nvSpPr>
-        <p:spPr/>
-        <p:txBody>
-          <a:bodyPr/>
-          <a:lstStyle/>
-          <a:p>
-            <a:r>
-              <a:rPr lang="en-US" dirty="0"/>
-              <a:t>The device must turn on/off </a:t>
-            </a:r>
-            <a:r>
-              <a:rPr lang="en-US" dirty="0" smtClean="0"/>
-              <a:t>easily</a:t>
-            </a:r>
-          </a:p>
-          <a:p>
-            <a:r>
-              <a:rPr lang="en-US" dirty="0"/>
-              <a:t>The device shall visually indicate error conditions </a:t>
-            </a:r>
-            <a:endParaRPr lang="en-US" dirty="0" smtClean="0"/>
-          </a:p>
-          <a:p>
-            <a:r>
-              <a:rPr lang="en-US" dirty="0"/>
-              <a:t>The device shall visually indicate when it is operating </a:t>
-            </a:r>
-            <a:r>
-              <a:rPr lang="en-US" dirty="0" smtClean="0"/>
-              <a:t>normally</a:t>
-            </a:r>
-          </a:p>
-          <a:p>
-            <a:r>
-              <a:rPr lang="en-US" dirty="0"/>
-              <a:t>The product shall visually indicate a bump using a beacon light</a:t>
-            </a:r>
-          </a:p>
-          <a:p>
-            <a:r>
-              <a:rPr lang="en-US" dirty="0" smtClean="0"/>
-              <a:t>The </a:t>
-            </a:r>
-            <a:r>
-              <a:rPr lang="en-US" dirty="0"/>
-              <a:t>client application must run on a </a:t>
-            </a:r>
-            <a:r>
-              <a:rPr lang="en-US" dirty="0" smtClean="0"/>
-              <a:t>PC</a:t>
-            </a:r>
-          </a:p>
-          <a:p>
-            <a:r>
-              <a:rPr lang="en-US" dirty="0"/>
-              <a:t>The client application shall display operational </a:t>
-            </a:r>
-            <a:r>
-              <a:rPr lang="en-US" dirty="0" smtClean="0"/>
-              <a:t>data</a:t>
-            </a:r>
-          </a:p>
-          <a:p>
-            <a:r>
-              <a:rPr lang="en-US" dirty="0"/>
-              <a:t>The product shall have a user-friendly client application</a:t>
-            </a:r>
-            <a:endParaRPr lang="en-US" dirty="0"/>
-          </a:p>
-        </p:txBody>
-      </p:sp>
-    </p:spTree>
-    <p:extLst>
-      <p:ext uri="{BB962C8B-B14F-4D97-AF65-F5344CB8AC3E}">
-        <p14:creationId xmlns:p14="http://schemas.microsoft.com/office/powerpoint/2010/main" val="3730297271"/>
-      </p:ext>
-    </p:extLst>
-  </p:cSld>
-  <p:clrMapOvr>
-    <a:masterClrMapping/>
-  </p:clrMapOvr>
-  <p:timing>
-    <p:tnLst>
-      <p:par>
-        <p:cTn id="1" dur="indefinite" restart="never" nodeType="tmRoot"/>
-      </p:par>
-    </p:tnLst>
-  </p:timing>
-</p:sld>
-</file>
-
-<file path=ppt/slides/slide11.xml><?xml version="1.0" encoding="utf-8"?>
-<p:sld xmlns:a="http://schemas.openxmlformats.org/drawingml/2006/main" xmlns:r="http://schemas.openxmlformats.org/officeDocument/2006/relationships" xmlns:p="http://schemas.openxmlformats.org/presentationml/2006/main">
-  <p:cSld>
-    <p:spTree>
-      <p:nvGrpSpPr>
-        <p:cNvPr id="1" name=""/>
-        <p:cNvGrpSpPr/>
-        <p:nvPr/>
-      </p:nvGrpSpPr>
-      <p:grpSpPr>
-        <a:xfrm>
-          <a:off x="0" y="0"/>
-          <a:ext cx="0" cy="0"/>
-          <a:chOff x="0" y="0"/>
-          <a:chExt cx="0" cy="0"/>
-        </a:xfrm>
-      </p:grpSpPr>
-      <p:sp>
-        <p:nvSpPr>
-          <p:cNvPr id="2" name="Title 1"/>
-          <p:cNvSpPr>
-            <a:spLocks noGrp="1"/>
-          </p:cNvSpPr>
-          <p:nvPr>
-            <p:ph type="title"/>
-          </p:nvPr>
-        </p:nvSpPr>
-        <p:spPr/>
-        <p:txBody>
-          <a:bodyPr/>
-          <a:lstStyle/>
-          <a:p>
-            <a:r>
-              <a:rPr lang="en-US" dirty="0" smtClean="0"/>
               <a:t>Inputs and Outputs</a:t>
             </a:r>
             <a:endParaRPr lang="en-US" dirty="0"/>
@@ -4626,7 +6786,7 @@
         </p:nvGraphicFramePr>
         <p:xfrm>
           <a:off x="1295400" y="762000"/>
-          <a:ext cx="6537960" cy="1598041"/>
+          <a:ext cx="6537960" cy="1682496"/>
         </p:xfrm>
         <a:graphic>
           <a:graphicData uri="http://schemas.openxmlformats.org/drawingml/2006/table">
@@ -5383,7 +7543,7 @@
           <p:nvPr/>
         </p:nvPicPr>
         <p:blipFill>
-          <a:blip r:embed="rId2">
+          <a:blip r:embed="rId3">
             <a:extLst>
               <a:ext uri="{28A0092B-C50C-407E-A947-70E740481C1C}">
                 <a14:useLocalDpi xmlns:a14="http://schemas.microsoft.com/office/drawing/2010/main" val="0"/>
@@ -5448,6 +7608,115 @@
 </p:sld>
 </file>
 
+<file path=ppt/slides/slide11.xml><?xml version="1.0" encoding="utf-8"?>
+<p:sld xmlns:a="http://schemas.openxmlformats.org/drawingml/2006/main" xmlns:r="http://schemas.openxmlformats.org/officeDocument/2006/relationships" xmlns:p="http://schemas.openxmlformats.org/presentationml/2006/main">
+  <p:cSld>
+    <p:spTree>
+      <p:nvGrpSpPr>
+        <p:cNvPr id="1" name=""/>
+        <p:cNvGrpSpPr/>
+        <p:nvPr/>
+      </p:nvGrpSpPr>
+      <p:grpSpPr>
+        <a:xfrm>
+          <a:off x="0" y="0"/>
+          <a:ext cx="0" cy="0"/>
+          <a:chOff x="0" y="0"/>
+          <a:chExt cx="0" cy="0"/>
+        </a:xfrm>
+      </p:grpSpPr>
+      <p:sp>
+        <p:nvSpPr>
+          <p:cNvPr id="2" name="Title 1"/>
+          <p:cNvSpPr>
+            <a:spLocks noGrp="1"/>
+          </p:cNvSpPr>
+          <p:nvPr>
+            <p:ph type="title"/>
+          </p:nvPr>
+        </p:nvSpPr>
+        <p:spPr/>
+        <p:txBody>
+          <a:bodyPr>
+            <a:normAutofit fontScale="90000"/>
+          </a:bodyPr>
+          <a:lstStyle/>
+          <a:p>
+            <a:r>
+              <a:rPr lang="en-US" dirty="0" smtClean="0"/>
+              <a:t>Packaging Requirements</a:t>
+            </a:r>
+            <a:endParaRPr lang="en-US" dirty="0"/>
+          </a:p>
+        </p:txBody>
+      </p:sp>
+      <p:sp>
+        <p:nvSpPr>
+          <p:cNvPr id="3" name="Content Placeholder 2"/>
+          <p:cNvSpPr>
+            <a:spLocks noGrp="1"/>
+          </p:cNvSpPr>
+          <p:nvPr>
+            <p:ph idx="1"/>
+          </p:nvPr>
+        </p:nvSpPr>
+        <p:spPr/>
+        <p:txBody>
+          <a:bodyPr/>
+          <a:lstStyle/>
+          <a:p>
+            <a:r>
+              <a:rPr lang="x-none"/>
+              <a:t>The Sliding Profiler </a:t>
+            </a:r>
+            <a:r>
+              <a:rPr lang="en-US" dirty="0"/>
+              <a:t>shall</a:t>
+            </a:r>
+            <a:r>
+              <a:rPr lang="x-none"/>
+              <a:t> arrive completely assembled</a:t>
+            </a:r>
+            <a:endParaRPr lang="en-US" b="1" dirty="0"/>
+          </a:p>
+          <a:p>
+            <a:r>
+              <a:rPr lang="en-US" dirty="0"/>
+              <a:t>Software shall be customer </a:t>
+            </a:r>
+            <a:r>
+              <a:rPr lang="en-US" dirty="0" smtClean="0"/>
+              <a:t>installable</a:t>
+            </a:r>
+          </a:p>
+          <a:p>
+            <a:r>
+              <a:rPr lang="en-US" dirty="0"/>
+              <a:t>The product shall come with a storage solution</a:t>
+            </a:r>
+          </a:p>
+        </p:txBody>
+      </p:sp>
+    </p:spTree>
+    <p:extLst>
+      <p:ext uri="{BB962C8B-B14F-4D97-AF65-F5344CB8AC3E}">
+        <p14:creationId xmlns:p14="http://schemas.microsoft.com/office/powerpoint/2010/main" val="3274400432"/>
+      </p:ext>
+    </p:extLst>
+  </p:cSld>
+  <p:clrMapOvr>
+    <a:masterClrMapping/>
+  </p:clrMapOvr>
+  <p:timing>
+    <p:tnLst>
+      <p:par>
+        <p:cTn id="1" dur="indefinite" restart="never" nodeType="tmRoot"/>
+      </p:par>
+    </p:tnLst>
+  </p:timing>
+</p:sld>
+</file>
+
 <file path=ppt/slides/slide12.xml><?xml version="1.0" encoding="utf-8"?>
 <p:sld xmlns:a="http://schemas.openxmlformats.org/drawingml/2006/main" xmlns:r="http://schemas.openxmlformats.org/officeDocument/2006/relationships" xmlns:p="http://schemas.openxmlformats.org/presentationml/2006/main">
   <p:cSld>
@@ -5475,7 +7744,12 @@
             <p:ph type="title"/>
           </p:nvPr>
         </p:nvSpPr>
-        <p:spPr/>
+        <p:spPr>
+          <a:xfrm>
+            <a:off x="762000" y="4572000"/>
+            <a:ext cx="7467600" cy="1600200"/>
+          </a:xfrm>
+        </p:spPr>
         <p:txBody>
           <a:bodyPr>
             <a:normAutofit fontScale="90000"/>
@@ -5484,7 +7758,7 @@
           <a:p>
             <a:r>
               <a:rPr lang="en-US" dirty="0" smtClean="0"/>
-              <a:t>Packaging Requirements</a:t>
+              <a:t>Performance Requirements</a:t>
             </a:r>
             <a:endParaRPr lang="en-US" dirty="0"/>
           </a:p>
@@ -5506,33 +7780,78 @@
           <a:lstStyle/>
           <a:p>
             <a:r>
-              <a:rPr lang="x-none"/>
-              <a:t>The Sliding Profiler </a:t>
-            </a:r>
-            <a:r>
               <a:rPr lang="en-US" dirty="0"/>
-              <a:t>shall</a:t>
-            </a:r>
-            <a:r>
-              <a:rPr lang="x-none"/>
-              <a:t> arrive completely assembled</a:t>
-            </a:r>
-            <a:endParaRPr lang="en-US" b="1" dirty="0"/>
+              <a:t>The device shall perform in </a:t>
+            </a:r>
+            <a:r>
+              <a:rPr lang="en-US" dirty="0" smtClean="0"/>
+              <a:t>real-time</a:t>
+            </a:r>
           </a:p>
           <a:p>
             <a:r>
               <a:rPr lang="en-US" dirty="0"/>
-              <a:t>Software shall be customer </a:t>
+              <a:t>The device power source shall be provided </a:t>
             </a:r>
             <a:r>
               <a:rPr lang="en-US" dirty="0" smtClean="0"/>
-              <a:t>installable</a:t>
+              <a:t>externally</a:t>
             </a:r>
           </a:p>
           <a:p>
             <a:r>
               <a:rPr lang="en-US" dirty="0"/>
-              <a:t>The product shall come with a storage solution</a:t>
+              <a:t>The product shall not disturb the wet </a:t>
+            </a:r>
+            <a:r>
+              <a:rPr lang="en-US" dirty="0" smtClean="0"/>
+              <a:t>concrete</a:t>
+            </a:r>
+          </a:p>
+          <a:p>
+            <a:r>
+              <a:rPr lang="en-US" dirty="0"/>
+              <a:t>The slider shall not accumulate </a:t>
+            </a:r>
+            <a:r>
+              <a:rPr lang="en-US" dirty="0" smtClean="0"/>
+              <a:t>cement</a:t>
+            </a:r>
+          </a:p>
+          <a:p>
+            <a:r>
+              <a:rPr lang="en-US" dirty="0"/>
+              <a:t>The system shall store operational </a:t>
+            </a:r>
+            <a:r>
+              <a:rPr lang="en-US" dirty="0" smtClean="0"/>
+              <a:t>data</a:t>
+            </a:r>
+          </a:p>
+          <a:p>
+            <a:r>
+              <a:rPr lang="en-US" dirty="0"/>
+              <a:t>The stored data shall be accessible by </a:t>
+            </a:r>
+            <a:r>
+              <a:rPr lang="en-US" dirty="0" smtClean="0"/>
+              <a:t>user</a:t>
+            </a:r>
+          </a:p>
+          <a:p>
+            <a:r>
+              <a:rPr lang="en-US" dirty="0"/>
+              <a:t>The product shall operate in extreme </a:t>
+            </a:r>
+            <a:r>
+              <a:rPr lang="en-US" dirty="0" smtClean="0"/>
+              <a:t>temperatures</a:t>
+            </a:r>
+          </a:p>
+          <a:p>
+            <a:r>
+              <a:rPr lang="en-US" dirty="0"/>
+              <a:t>The client application shall calibrate sensors</a:t>
             </a:r>
           </a:p>
         </p:txBody>
@@ -5540,7 +7859,7 @@
     </p:spTree>
     <p:extLst>
       <p:ext uri="{BB962C8B-B14F-4D97-AF65-F5344CB8AC3E}">
-        <p14:creationId xmlns:p14="http://schemas.microsoft.com/office/powerpoint/2010/main" val="3274400432"/>
+        <p14:creationId xmlns:p14="http://schemas.microsoft.com/office/powerpoint/2010/main" val="2099136109"/>
       </p:ext>
     </p:extLst>
   </p:cSld>
@@ -5584,21 +7903,14 @@
             <p:ph type="title"/>
           </p:nvPr>
         </p:nvSpPr>
-        <p:spPr>
-          <a:xfrm>
-            <a:off x="762000" y="4572000"/>
-            <a:ext cx="7467600" cy="1600200"/>
-          </a:xfrm>
-        </p:spPr>
-        <p:txBody>
-          <a:bodyPr>
-            <a:normAutofit fontScale="90000"/>
-          </a:bodyPr>
+        <p:spPr/>
+        <p:txBody>
+          <a:bodyPr/>
           <a:lstStyle/>
           <a:p>
             <a:r>
               <a:rPr lang="en-US" dirty="0" smtClean="0"/>
-              <a:t>Performance Requirements</a:t>
+              <a:t>Safety Requirements</a:t>
             </a:r>
             <a:endParaRPr lang="en-US" dirty="0"/>
           </a:p>
@@ -5621,86 +7933,35 @@
           <a:p>
             <a:r>
               <a:rPr lang="en-US" dirty="0"/>
-              <a:t>The device shall perform in </a:t>
+              <a:t>The product shall have a power source </a:t>
             </a:r>
             <a:r>
               <a:rPr lang="en-US" dirty="0" smtClean="0"/>
-              <a:t>real-time</a:t>
+              <a:t>interruption</a:t>
             </a:r>
           </a:p>
           <a:p>
             <a:r>
               <a:rPr lang="en-US" dirty="0"/>
-              <a:t>The device power source shall be provided </a:t>
+              <a:t>The product shall have no sharp </a:t>
             </a:r>
             <a:r>
               <a:rPr lang="en-US" dirty="0" smtClean="0"/>
-              <a:t>externally</a:t>
+              <a:t>edges</a:t>
             </a:r>
           </a:p>
           <a:p>
             <a:r>
               <a:rPr lang="en-US" dirty="0"/>
-              <a:t>The product shall not disturb the wet </a:t>
-            </a:r>
-            <a:r>
-              <a:rPr lang="en-US" dirty="0" smtClean="0"/>
-              <a:t>concrete</a:t>
-            </a:r>
-          </a:p>
-          <a:p>
-            <a:r>
-              <a:rPr lang="en-US" dirty="0"/>
-              <a:t>The slider shall not accumulate </a:t>
-            </a:r>
-            <a:r>
-              <a:rPr lang="en-US" dirty="0" smtClean="0"/>
-              <a:t>cement</a:t>
-            </a:r>
-          </a:p>
-          <a:p>
-            <a:r>
-              <a:rPr lang="en-US" dirty="0"/>
-              <a:t>The system shall store operational </a:t>
-            </a:r>
-            <a:r>
-              <a:rPr lang="en-US" dirty="0" smtClean="0"/>
-              <a:t>data</a:t>
-            </a:r>
-          </a:p>
-          <a:p>
-            <a:r>
-              <a:rPr lang="en-US" dirty="0"/>
-              <a:t>The stored data shall be accessible by </a:t>
-            </a:r>
-            <a:r>
-              <a:rPr lang="en-US" dirty="0" smtClean="0"/>
-              <a:t>user</a:t>
-            </a:r>
-          </a:p>
-          <a:p>
-            <a:r>
-              <a:rPr lang="en-US" dirty="0"/>
-              <a:t>The product shall operate in extreme </a:t>
-            </a:r>
-            <a:r>
-              <a:rPr lang="en-US" dirty="0" smtClean="0"/>
-              <a:t>temperatures</a:t>
-            </a:r>
-          </a:p>
-          <a:p>
-            <a:r>
-              <a:rPr lang="en-US" dirty="0"/>
-              <a:t>The client application shall calibrate sensors</a:t>
-            </a:r>
-            <a:endParaRPr lang="en-US" dirty="0"/>
+              <a:t>The product shall have an electric shock protection</a:t>
+            </a:r>
           </a:p>
         </p:txBody>
       </p:sp>
     </p:spTree>
     <p:extLst>
       <p:ext uri="{BB962C8B-B14F-4D97-AF65-F5344CB8AC3E}">
-        <p14:creationId xmlns:p14="http://schemas.microsoft.com/office/powerpoint/2010/main" val="2099136109"/>
+        <p14:creationId xmlns:p14="http://schemas.microsoft.com/office/powerpoint/2010/main" val="3094799400"/>
       </p:ext>
     </p:extLst>
   </p:cSld>
@@ -5741,37 +8002,83 @@
             <a:spLocks noGrp="1"/>
           </p:cNvSpPr>
           <p:nvPr>
-            <p:ph type="ctrTitle"/>
-          </p:nvPr>
-        </p:nvSpPr>
-        <p:spPr>
-          <a:xfrm>
-            <a:off x="762000" y="4648200"/>
-            <a:ext cx="7543800" cy="1524000"/>
-          </a:xfrm>
-        </p:spPr>
-        <p:txBody>
-          <a:bodyPr/>
+            <p:ph type="title"/>
+          </p:nvPr>
+        </p:nvSpPr>
+        <p:spPr/>
+        <p:txBody>
+          <a:bodyPr>
+            <a:normAutofit fontScale="90000"/>
+          </a:bodyPr>
           <a:lstStyle/>
           <a:p>
             <a:r>
               <a:rPr lang="en-US" dirty="0" smtClean="0"/>
-              <a:t>Other Requirements</a:t>
+              <a:t>Maintenance and Support Requirements</a:t>
             </a:r>
             <a:endParaRPr lang="en-US" dirty="0"/>
+          </a:p>
+        </p:txBody>
+      </p:sp>
+      <p:sp>
+        <p:nvSpPr>
+          <p:cNvPr id="3" name="Content Placeholder 2"/>
+          <p:cNvSpPr>
+            <a:spLocks noGrp="1"/>
+          </p:cNvSpPr>
+          <p:nvPr>
+            <p:ph idx="1"/>
+          </p:nvPr>
+        </p:nvSpPr>
+        <p:spPr/>
+        <p:txBody>
+          <a:bodyPr/>
+          <a:lstStyle/>
+          <a:p>
+            <a:r>
+              <a:rPr lang="en-US" dirty="0"/>
+              <a:t>The product shall be easy to </a:t>
+            </a:r>
+            <a:r>
+              <a:rPr lang="en-US" dirty="0" smtClean="0"/>
+              <a:t>clean</a:t>
+            </a:r>
+          </a:p>
+          <a:p>
+            <a:r>
+              <a:rPr lang="en-US" dirty="0"/>
+              <a:t>The product shall be returned to the supplier after a critical </a:t>
+            </a:r>
+            <a:r>
+              <a:rPr lang="en-US" dirty="0" smtClean="0"/>
+              <a:t>malfunction</a:t>
+            </a:r>
+          </a:p>
+          <a:p>
+            <a:r>
+              <a:rPr lang="en-US" dirty="0"/>
+              <a:t>The product shall come with a support manual</a:t>
+            </a:r>
           </a:p>
         </p:txBody>
       </p:sp>
     </p:spTree>
     <p:extLst>
       <p:ext uri="{BB962C8B-B14F-4D97-AF65-F5344CB8AC3E}">
-        <p14:creationId xmlns:p14="http://schemas.microsoft.com/office/powerpoint/2010/main" val="702263692"/>
+        <p14:creationId xmlns:p14="http://schemas.microsoft.com/office/powerpoint/2010/main" val="1907341581"/>
       </p:ext>
     </p:extLst>
   </p:cSld>
   <p:clrMapOvr>
     <a:masterClrMapping/>
   </p:clrMapOvr>
+  <p:timing>
+    <p:tnLst>
+      <p:par>
+        <p:cTn id="1" dur="indefinite" restart="never" nodeType="tmRoot"/>
+      </p:par>
+    </p:tnLst>
+  </p:timing>
 </p:sld>
 </file>
 
@@ -5799,60 +8106,22 @@
             <a:spLocks noGrp="1"/>
           </p:cNvSpPr>
           <p:nvPr>
-            <p:ph type="title"/>
-          </p:nvPr>
-        </p:nvSpPr>
-        <p:spPr/>
+            <p:ph type="ctrTitle"/>
+          </p:nvPr>
+        </p:nvSpPr>
+        <p:spPr>
+          <a:xfrm>
+            <a:off x="762000" y="4648200"/>
+            <a:ext cx="8382000" cy="1524000"/>
+          </a:xfrm>
+        </p:spPr>
         <p:txBody>
           <a:bodyPr/>
           <a:lstStyle/>
           <a:p>
             <a:r>
               <a:rPr lang="en-US" dirty="0" smtClean="0"/>
-              <a:t>Safety Requirements</a:t>
-            </a:r>
-            <a:endParaRPr lang="en-US" dirty="0"/>
-          </a:p>
-        </p:txBody>
-      </p:sp>
-      <p:sp>
-        <p:nvSpPr>
-          <p:cNvPr id="3" name="Content Placeholder 2"/>
-          <p:cNvSpPr>
-            <a:spLocks noGrp="1"/>
-          </p:cNvSpPr>
-          <p:nvPr>
-            <p:ph idx="1"/>
-          </p:nvPr>
-        </p:nvSpPr>
-        <p:spPr/>
-        <p:txBody>
-          <a:bodyPr/>
-          <a:lstStyle/>
-          <a:p>
-            <a:r>
-              <a:rPr lang="en-US" dirty="0"/>
-              <a:t>The product shall have a power source </a:t>
-            </a:r>
-            <a:r>
-              <a:rPr lang="en-US" dirty="0" smtClean="0"/>
-              <a:t>interruption</a:t>
-            </a:r>
-          </a:p>
-          <a:p>
-            <a:r>
-              <a:rPr lang="en-US" dirty="0"/>
-              <a:t>The product shall have no sharp </a:t>
-            </a:r>
-            <a:r>
-              <a:rPr lang="en-US" dirty="0" smtClean="0"/>
-              <a:t>edges</a:t>
-            </a:r>
-          </a:p>
-          <a:p>
-            <a:r>
-              <a:rPr lang="en-US" dirty="0"/>
-              <a:t>The product shall have an electric shock protection</a:t>
+              <a:t>Other Customer Requirements</a:t>
             </a:r>
             <a:endParaRPr lang="en-US" dirty="0"/>
           </a:p>
@@ -5861,7 +8130,7 @@
     </p:spTree>
     <p:extLst>
       <p:ext uri="{BB962C8B-B14F-4D97-AF65-F5344CB8AC3E}">
-        <p14:creationId xmlns:p14="http://schemas.microsoft.com/office/powerpoint/2010/main" val="3094799400"/>
+        <p14:creationId xmlns:p14="http://schemas.microsoft.com/office/powerpoint/2010/main" val="2010460709"/>
       </p:ext>
     </p:extLst>
   </p:cSld>
@@ -5905,68 +8174,368 @@
             <p:ph type="title"/>
           </p:nvPr>
         </p:nvSpPr>
-        <p:spPr/>
+        <p:spPr>
+          <a:xfrm>
+            <a:off x="762000" y="4876800"/>
+            <a:ext cx="7848600" cy="1295400"/>
+          </a:xfrm>
+        </p:spPr>
         <p:txBody>
           <a:bodyPr>
-            <a:normAutofit fontScale="90000"/>
+            <a:normAutofit/>
           </a:bodyPr>
           <a:lstStyle/>
           <a:p>
             <a:r>
               <a:rPr lang="en-US" dirty="0" smtClean="0"/>
-              <a:t>Maintenance and Support Requirements</a:t>
+              <a:t>High Priority Requirements</a:t>
             </a:r>
             <a:endParaRPr lang="en-US" dirty="0"/>
           </a:p>
         </p:txBody>
       </p:sp>
-      <p:sp>
-        <p:nvSpPr>
-          <p:cNvPr id="3" name="Content Placeholder 2"/>
-          <p:cNvSpPr>
-            <a:spLocks noGrp="1"/>
-          </p:cNvSpPr>
+      <p:graphicFrame>
+        <p:nvGraphicFramePr>
+          <p:cNvPr id="7" name="Content Placeholder 6"/>
+          <p:cNvGraphicFramePr>
+            <a:graphicFrameLocks noGrp="1"/>
+          </p:cNvGraphicFramePr>
           <p:nvPr>
             <p:ph idx="1"/>
-          </p:nvPr>
-        </p:nvSpPr>
-        <p:spPr/>
-        <p:txBody>
-          <a:bodyPr/>
-          <a:lstStyle/>
-          <a:p>
-            <a:r>
-              <a:rPr lang="en-US" dirty="0"/>
-              <a:t>The product shall be easy to </a:t>
-            </a:r>
-            <a:r>
-              <a:rPr lang="en-US" dirty="0" smtClean="0"/>
-              <a:t>clean</a:t>
-            </a:r>
-          </a:p>
-          <a:p>
-            <a:r>
-              <a:rPr lang="en-US" dirty="0"/>
-              <a:t>The product shall be returned to the supplier after a critical </a:t>
-            </a:r>
-            <a:r>
-              <a:rPr lang="en-US" dirty="0" smtClean="0"/>
-              <a:t>malfunction</a:t>
-            </a:r>
-          </a:p>
-          <a:p>
-            <a:r>
-              <a:rPr lang="en-US" dirty="0"/>
-              <a:t>The product shall come with a support manual</a:t>
-            </a:r>
-            <a:endParaRPr lang="en-US" dirty="0"/>
-          </a:p>
-        </p:txBody>
-      </p:sp>
+            <p:extLst>
+              <p:ext uri="{D42A27DB-BD31-4B8C-83A1-F6EECF244321}">
+                <p14:modId xmlns:p14="http://schemas.microsoft.com/office/powerpoint/2010/main" val="170582757"/>
+              </p:ext>
+            </p:extLst>
+          </p:nvPr>
+        </p:nvGraphicFramePr>
+        <p:xfrm>
+          <a:off x="270164" y="1447800"/>
+          <a:ext cx="8416636" cy="2805549"/>
+        </p:xfrm>
+        <a:graphic>
+          <a:graphicData uri="http://schemas.openxmlformats.org/drawingml/2006/table">
+            <a:tbl>
+              <a:tblPr firstRow="1" firstCol="1" bandRow="1">
+                <a:tableStyleId>{5C22544A-7EE6-4342-B048-85BDC9FD1C3A}</a:tableStyleId>
+              </a:tblPr>
+              <a:tblGrid>
+                <a:gridCol w="8416636"/>
+              </a:tblGrid>
+              <a:tr h="561109">
+                <a:tc>
+                  <a:txBody>
+                    <a:bodyPr/>
+                    <a:lstStyle/>
+                    <a:p>
+                      <a:pPr marL="285750" marR="0" indent="-285750">
+                        <a:spcBef>
+                          <a:spcPts val="600"/>
+                        </a:spcBef>
+                        <a:spcAft>
+                          <a:spcPts val="0"/>
+                        </a:spcAft>
+                        <a:buFont typeface="Wingdings" pitchFamily="2" charset="2"/>
+                        <a:buChar char="Ø"/>
+                      </a:pPr>
+                      <a:r>
+                        <a:rPr lang="en-US" sz="1800" dirty="0">
+                          <a:effectLst/>
+                        </a:rPr>
+                        <a:t>The Device shall be able to measure the internal temperature of the electronics housing.</a:t>
+                      </a:r>
+                      <a:endParaRPr lang="en-US" sz="1800" dirty="0">
+                        <a:effectLst/>
+                        <a:latin typeface="Times New Roman"/>
+                        <a:ea typeface="Times New Roman"/>
+                      </a:endParaRPr>
+                    </a:p>
+                  </a:txBody>
+                  <a:tcPr marL="126250" marR="126250" marT="0" marB="0"/>
+                </a:tc>
+              </a:tr>
+              <a:tr h="280555">
+                <a:tc>
+                  <a:txBody>
+                    <a:bodyPr/>
+                    <a:lstStyle/>
+                    <a:p>
+                      <a:pPr marL="285750" marR="0" indent="-285750">
+                        <a:spcBef>
+                          <a:spcPts val="600"/>
+                        </a:spcBef>
+                        <a:spcAft>
+                          <a:spcPts val="0"/>
+                        </a:spcAft>
+                        <a:buFont typeface="Wingdings" pitchFamily="2" charset="2"/>
+                        <a:buChar char="Ø"/>
+                      </a:pPr>
+                      <a:r>
+                        <a:rPr lang="en-US" sz="1800" dirty="0">
+                          <a:effectLst/>
+                        </a:rPr>
+                        <a:t>The Device shall visually indicate when it is operating.</a:t>
+                      </a:r>
+                      <a:endParaRPr lang="en-US" sz="1800" dirty="0">
+                        <a:effectLst/>
+                        <a:latin typeface="Times New Roman"/>
+                        <a:ea typeface="Times New Roman"/>
+                      </a:endParaRPr>
+                    </a:p>
+                  </a:txBody>
+                  <a:tcPr marL="126250" marR="126250" marT="0" marB="0"/>
+                </a:tc>
+              </a:tr>
+              <a:tr h="280555">
+                <a:tc>
+                  <a:txBody>
+                    <a:bodyPr/>
+                    <a:lstStyle/>
+                    <a:p>
+                      <a:pPr marL="285750" marR="0" indent="-285750">
+                        <a:spcBef>
+                          <a:spcPts val="600"/>
+                        </a:spcBef>
+                        <a:spcAft>
+                          <a:spcPts val="0"/>
+                        </a:spcAft>
+                        <a:buFont typeface="Wingdings" pitchFamily="2" charset="2"/>
+                        <a:buChar char="Ø"/>
+                      </a:pPr>
+                      <a:r>
+                        <a:rPr lang="en-US" sz="1800" dirty="0">
+                          <a:effectLst/>
+                        </a:rPr>
+                        <a:t>The Device shall visually indicate error conditions.</a:t>
+                      </a:r>
+                      <a:endParaRPr lang="en-US" sz="1800" dirty="0">
+                        <a:effectLst/>
+                        <a:latin typeface="Times New Roman"/>
+                        <a:ea typeface="Times New Roman"/>
+                      </a:endParaRPr>
+                    </a:p>
+                  </a:txBody>
+                  <a:tcPr marL="126250" marR="126250" marT="0" marB="0"/>
+                </a:tc>
+              </a:tr>
+              <a:tr h="280555">
+                <a:tc>
+                  <a:txBody>
+                    <a:bodyPr/>
+                    <a:lstStyle/>
+                    <a:p>
+                      <a:pPr marL="285750" marR="0" indent="-285750">
+                        <a:spcBef>
+                          <a:spcPts val="600"/>
+                        </a:spcBef>
+                        <a:spcAft>
+                          <a:spcPts val="0"/>
+                        </a:spcAft>
+                        <a:buFont typeface="Wingdings" pitchFamily="2" charset="2"/>
+                        <a:buChar char="Ø"/>
+                      </a:pPr>
+                      <a:r>
+                        <a:rPr lang="en-US" sz="1800" dirty="0">
+                          <a:effectLst/>
+                        </a:rPr>
+                        <a:t>The Device shall use an embedded </a:t>
+                      </a:r>
+                      <a:r>
+                        <a:rPr lang="en-US" sz="1800" dirty="0" smtClean="0">
+                          <a:effectLst/>
+                        </a:rPr>
+                        <a:t>PIC microcontroller w/</a:t>
+                      </a:r>
+                      <a:r>
+                        <a:rPr lang="en-US" sz="1800" baseline="0" dirty="0" smtClean="0">
+                          <a:effectLst/>
+                        </a:rPr>
+                        <a:t> networking</a:t>
+                      </a:r>
+                      <a:r>
+                        <a:rPr lang="en-US" sz="1800" dirty="0" smtClean="0">
+                          <a:effectLst/>
+                        </a:rPr>
+                        <a:t>.</a:t>
+                      </a:r>
+                      <a:endParaRPr lang="en-US" sz="1800" dirty="0">
+                        <a:effectLst/>
+                        <a:latin typeface="Times New Roman"/>
+                        <a:ea typeface="Times New Roman"/>
+                      </a:endParaRPr>
+                    </a:p>
+                  </a:txBody>
+                  <a:tcPr marL="126250" marR="126250" marT="0" marB="0"/>
+                </a:tc>
+              </a:tr>
+              <a:tr h="280555">
+                <a:tc>
+                  <a:txBody>
+                    <a:bodyPr/>
+                    <a:lstStyle/>
+                    <a:p>
+                      <a:pPr marL="285750" marR="0" indent="-285750">
+                        <a:spcBef>
+                          <a:spcPts val="600"/>
+                        </a:spcBef>
+                        <a:spcAft>
+                          <a:spcPts val="0"/>
+                        </a:spcAft>
+                        <a:buFont typeface="Wingdings" pitchFamily="2" charset="2"/>
+                        <a:buChar char="Ø"/>
+                      </a:pPr>
+                      <a:r>
+                        <a:rPr lang="en-US" sz="1800">
+                          <a:effectLst/>
+                        </a:rPr>
+                        <a:t>Configuration processes shall be obscured from the end-user.</a:t>
+                      </a:r>
+                      <a:endParaRPr lang="en-US" sz="1800">
+                        <a:effectLst/>
+                        <a:latin typeface="Times New Roman"/>
+                        <a:ea typeface="Times New Roman"/>
+                      </a:endParaRPr>
+                    </a:p>
+                  </a:txBody>
+                  <a:tcPr marL="126250" marR="126250" marT="0" marB="0"/>
+                </a:tc>
+              </a:tr>
+              <a:tr h="280555">
+                <a:tc>
+                  <a:txBody>
+                    <a:bodyPr/>
+                    <a:lstStyle/>
+                    <a:p>
+                      <a:pPr marL="285750" marR="0" indent="-285750">
+                        <a:spcBef>
+                          <a:spcPts val="600"/>
+                        </a:spcBef>
+                        <a:spcAft>
+                          <a:spcPts val="0"/>
+                        </a:spcAft>
+                        <a:buFont typeface="Wingdings" pitchFamily="2" charset="2"/>
+                        <a:buChar char="Ø"/>
+                      </a:pPr>
+                      <a:r>
+                        <a:rPr lang="en-US" sz="1800">
+                          <a:effectLst/>
+                        </a:rPr>
+                        <a:t>The Device must turn on/off easily.</a:t>
+                      </a:r>
+                      <a:endParaRPr lang="en-US" sz="1800">
+                        <a:effectLst/>
+                        <a:latin typeface="Times New Roman"/>
+                        <a:ea typeface="Times New Roman"/>
+                      </a:endParaRPr>
+                    </a:p>
+                  </a:txBody>
+                  <a:tcPr marL="126250" marR="126250" marT="0" marB="0"/>
+                </a:tc>
+              </a:tr>
+              <a:tr h="280555">
+                <a:tc>
+                  <a:txBody>
+                    <a:bodyPr/>
+                    <a:lstStyle/>
+                    <a:p>
+                      <a:pPr marL="285750" marR="0" indent="-285750">
+                        <a:spcBef>
+                          <a:spcPts val="600"/>
+                        </a:spcBef>
+                        <a:spcAft>
+                          <a:spcPts val="0"/>
+                        </a:spcAft>
+                        <a:buFont typeface="Wingdings" pitchFamily="2" charset="2"/>
+                        <a:buChar char="Ø"/>
+                      </a:pPr>
+                      <a:r>
+                        <a:rPr lang="en-US" sz="1800">
+                          <a:effectLst/>
+                        </a:rPr>
+                        <a:t>The Device shall store operational data.</a:t>
+                      </a:r>
+                      <a:endParaRPr lang="en-US" sz="1800">
+                        <a:effectLst/>
+                        <a:latin typeface="Times New Roman"/>
+                        <a:ea typeface="Times New Roman"/>
+                      </a:endParaRPr>
+                    </a:p>
+                  </a:txBody>
+                  <a:tcPr marL="126250" marR="126250" marT="0" marB="0"/>
+                </a:tc>
+              </a:tr>
+              <a:tr h="280555">
+                <a:tc>
+                  <a:txBody>
+                    <a:bodyPr/>
+                    <a:lstStyle/>
+                    <a:p>
+                      <a:pPr marL="285750" marR="0" indent="-285750">
+                        <a:spcBef>
+                          <a:spcPts val="600"/>
+                        </a:spcBef>
+                        <a:spcAft>
+                          <a:spcPts val="0"/>
+                        </a:spcAft>
+                        <a:buFont typeface="Wingdings" pitchFamily="2" charset="2"/>
+                        <a:buChar char="Ø"/>
+                      </a:pPr>
+                      <a:r>
+                        <a:rPr lang="en-US" sz="1800">
+                          <a:effectLst/>
+                        </a:rPr>
+                        <a:t>The Product shall have a user-friendly client application.</a:t>
+                      </a:r>
+                      <a:endParaRPr lang="en-US" sz="1800">
+                        <a:effectLst/>
+                        <a:latin typeface="Times New Roman"/>
+                        <a:ea typeface="Times New Roman"/>
+                      </a:endParaRPr>
+                    </a:p>
+                  </a:txBody>
+                  <a:tcPr marL="126250" marR="126250" marT="0" marB="0"/>
+                </a:tc>
+              </a:tr>
+              <a:tr h="280555">
+                <a:tc>
+                  <a:txBody>
+                    <a:bodyPr/>
+                    <a:lstStyle/>
+                    <a:p>
+                      <a:pPr marL="285750" marR="0" indent="-285750">
+                        <a:spcBef>
+                          <a:spcPts val="600"/>
+                        </a:spcBef>
+                        <a:spcAft>
+                          <a:spcPts val="0"/>
+                        </a:spcAft>
+                        <a:buFont typeface="Wingdings" pitchFamily="2" charset="2"/>
+                        <a:buChar char="Ø"/>
+                      </a:pPr>
+                      <a:r>
+                        <a:rPr lang="en-US" sz="1800" dirty="0">
+                          <a:effectLst/>
+                        </a:rPr>
+                        <a:t>The client application must run on a PC.</a:t>
+                      </a:r>
+                      <a:endParaRPr lang="en-US" sz="1800" dirty="0">
+                        <a:effectLst/>
+                        <a:latin typeface="Times New Roman"/>
+                        <a:ea typeface="Times New Roman"/>
+                      </a:endParaRPr>
+                    </a:p>
+                  </a:txBody>
+                  <a:tcPr marL="126250" marR="126250" marT="0" marB="0"/>
+                </a:tc>
+              </a:tr>
+            </a:tbl>
+          </a:graphicData>
+        </a:graphic>
+      </p:graphicFrame>
     </p:spTree>
     <p:extLst>
       <p:ext uri="{BB962C8B-B14F-4D97-AF65-F5344CB8AC3E}">
-        <p14:creationId xmlns:p14="http://schemas.microsoft.com/office/powerpoint/2010/main" val="1907341581"/>
+        <p14:creationId xmlns:p14="http://schemas.microsoft.com/office/powerpoint/2010/main" val="1354307376"/>
       </p:ext>
     </p:extLst>
   </p:cSld>
@@ -6012,74 +8581,259 @@
         </p:nvSpPr>
         <p:spPr/>
         <p:txBody>
-          <a:bodyPr/>
+          <a:bodyPr>
+            <a:normAutofit fontScale="90000"/>
+          </a:bodyPr>
           <a:lstStyle/>
           <a:p>
             <a:r>
               <a:rPr lang="en-US" dirty="0" smtClean="0"/>
-              <a:t>Acceptance Criteria</a:t>
+              <a:t>Medium/Low Priority Requirements</a:t>
             </a:r>
             <a:endParaRPr lang="en-US" dirty="0"/>
           </a:p>
         </p:txBody>
       </p:sp>
-      <p:sp>
-        <p:nvSpPr>
-          <p:cNvPr id="3" name="Content Placeholder 2"/>
-          <p:cNvSpPr>
-            <a:spLocks noGrp="1"/>
-          </p:cNvSpPr>
+      <p:graphicFrame>
+        <p:nvGraphicFramePr>
+          <p:cNvPr id="4" name="Content Placeholder 3"/>
+          <p:cNvGraphicFramePr>
+            <a:graphicFrameLocks noGrp="1"/>
+          </p:cNvGraphicFramePr>
           <p:nvPr>
             <p:ph idx="1"/>
-          </p:nvPr>
-        </p:nvSpPr>
-        <p:spPr/>
-        <p:txBody>
-          <a:bodyPr>
-            <a:normAutofit/>
-          </a:bodyPr>
-          <a:lstStyle/>
-          <a:p>
-            <a:r>
-              <a:rPr lang="en-US" dirty="0"/>
-              <a:t>Before the Sliding Profiler can be fully accepted, each feature and function required by the sponsor must be demonstrated and or inspected. </a:t>
-            </a:r>
-            <a:endParaRPr lang="en-US" dirty="0" smtClean="0"/>
-          </a:p>
-          <a:p>
-            <a:endParaRPr lang="en-US" dirty="0"/>
-          </a:p>
-          <a:p>
-            <a:r>
-              <a:rPr lang="en-US" dirty="0" smtClean="0"/>
-              <a:t>Example: Verify </a:t>
-            </a:r>
-            <a:r>
-              <a:rPr lang="en-US" dirty="0"/>
-              <a:t>the device visually signals when a bump is detected by </a:t>
-            </a:r>
-            <a:r>
-              <a:rPr lang="en-US" dirty="0" smtClean="0"/>
-              <a:t>light</a:t>
-            </a:r>
-          </a:p>
-          <a:p>
-            <a:pPr lvl="1"/>
-            <a:r>
-              <a:rPr lang="en-US" dirty="0"/>
-              <a:t>Verification Procedure:  The sponsor will verify the device signals by light when a bump is detected through a live demonstration under a controlled environment to produce a specific result</a:t>
-            </a:r>
-            <a:r>
-              <a:rPr lang="en-US" dirty="0" smtClean="0"/>
-              <a:t>.</a:t>
-            </a:r>
-          </a:p>
-        </p:txBody>
-      </p:sp>
+            <p:extLst>
+              <p:ext uri="{D42A27DB-BD31-4B8C-83A1-F6EECF244321}">
+                <p14:modId xmlns:p14="http://schemas.microsoft.com/office/powerpoint/2010/main" val="742856413"/>
+              </p:ext>
+            </p:extLst>
+          </p:nvPr>
+        </p:nvGraphicFramePr>
+        <p:xfrm>
+          <a:off x="838200" y="1066800"/>
+          <a:ext cx="6248400" cy="2606040"/>
+        </p:xfrm>
+        <a:graphic>
+          <a:graphicData uri="http://schemas.openxmlformats.org/drawingml/2006/table">
+            <a:tbl>
+              <a:tblPr firstRow="1" firstCol="1" bandRow="1">
+                <a:tableStyleId>{5C22544A-7EE6-4342-B048-85BDC9FD1C3A}</a:tableStyleId>
+              </a:tblPr>
+              <a:tblGrid>
+                <a:gridCol w="6248400"/>
+              </a:tblGrid>
+              <a:tr h="411480">
+                <a:tc>
+                  <a:txBody>
+                    <a:bodyPr/>
+                    <a:lstStyle/>
+                    <a:p>
+                      <a:pPr marL="285750" marR="0" indent="-285750">
+                        <a:spcBef>
+                          <a:spcPts val="600"/>
+                        </a:spcBef>
+                        <a:spcAft>
+                          <a:spcPts val="0"/>
+                        </a:spcAft>
+                        <a:buFont typeface="Wingdings" pitchFamily="2" charset="2"/>
+                        <a:buChar char="Ø"/>
+                      </a:pPr>
+                      <a:r>
+                        <a:rPr lang="en-US" sz="1800" dirty="0">
+                          <a:effectLst/>
+                        </a:rPr>
+                        <a:t>The Product shall come with a storage solution.</a:t>
+                      </a:r>
+                      <a:endParaRPr lang="en-US" sz="1800" dirty="0">
+                        <a:effectLst/>
+                        <a:latin typeface="Times New Roman"/>
+                        <a:ea typeface="Times New Roman"/>
+                      </a:endParaRPr>
+                    </a:p>
+                  </a:txBody>
+                  <a:tcPr marL="68580" marR="68580" marT="0" marB="0"/>
+                </a:tc>
+              </a:tr>
+              <a:tr h="411480">
+                <a:tc>
+                  <a:txBody>
+                    <a:bodyPr/>
+                    <a:lstStyle/>
+                    <a:p>
+                      <a:pPr marL="285750" marR="0" indent="-285750">
+                        <a:spcBef>
+                          <a:spcPts val="600"/>
+                        </a:spcBef>
+                        <a:spcAft>
+                          <a:spcPts val="0"/>
+                        </a:spcAft>
+                        <a:buFont typeface="Wingdings" pitchFamily="2" charset="2"/>
+                        <a:buChar char="Ø"/>
+                      </a:pPr>
+                      <a:r>
+                        <a:rPr lang="en-US" sz="1800">
+                          <a:effectLst/>
+                        </a:rPr>
+                        <a:t>The Electronics shall be detachable from the Platform.</a:t>
+                      </a:r>
+                      <a:endParaRPr lang="en-US" sz="1800">
+                        <a:effectLst/>
+                        <a:latin typeface="Times New Roman"/>
+                        <a:ea typeface="Times New Roman"/>
+                      </a:endParaRPr>
+                    </a:p>
+                  </a:txBody>
+                  <a:tcPr marL="68580" marR="68580" marT="0" marB="0"/>
+                </a:tc>
+              </a:tr>
+              <a:tr h="411480">
+                <a:tc>
+                  <a:txBody>
+                    <a:bodyPr/>
+                    <a:lstStyle/>
+                    <a:p>
+                      <a:pPr marL="285750" marR="0" indent="-285750">
+                        <a:spcBef>
+                          <a:spcPts val="600"/>
+                        </a:spcBef>
+                        <a:spcAft>
+                          <a:spcPts val="0"/>
+                        </a:spcAft>
+                        <a:buFont typeface="Wingdings" pitchFamily="2" charset="2"/>
+                        <a:buChar char="Ø"/>
+                      </a:pPr>
+                      <a:r>
+                        <a:rPr lang="en-US" sz="1800">
+                          <a:effectLst/>
+                        </a:rPr>
+                        <a:t>The Device shall transfer operational data to the client application in real-time.</a:t>
+                      </a:r>
+                      <a:endParaRPr lang="en-US" sz="1800">
+                        <a:effectLst/>
+                        <a:latin typeface="Times New Roman"/>
+                        <a:ea typeface="Times New Roman"/>
+                      </a:endParaRPr>
+                    </a:p>
+                  </a:txBody>
+                  <a:tcPr marL="68580" marR="68580" marT="0" marB="0"/>
+                </a:tc>
+              </a:tr>
+              <a:tr h="411480">
+                <a:tc>
+                  <a:txBody>
+                    <a:bodyPr/>
+                    <a:lstStyle/>
+                    <a:p>
+                      <a:pPr marL="285750" marR="0" indent="-285750">
+                        <a:spcBef>
+                          <a:spcPts val="600"/>
+                        </a:spcBef>
+                        <a:spcAft>
+                          <a:spcPts val="0"/>
+                        </a:spcAft>
+                        <a:buFont typeface="Wingdings" pitchFamily="2" charset="2"/>
+                        <a:buChar char="Ø"/>
+                      </a:pPr>
+                      <a:r>
+                        <a:rPr lang="en-US" sz="1800">
+                          <a:effectLst/>
+                        </a:rPr>
+                        <a:t>The client application shall display operational data.</a:t>
+                      </a:r>
+                      <a:endParaRPr lang="en-US" sz="1800">
+                        <a:effectLst/>
+                        <a:latin typeface="Times New Roman"/>
+                        <a:ea typeface="Times New Roman"/>
+                      </a:endParaRPr>
+                    </a:p>
+                  </a:txBody>
+                  <a:tcPr marL="68580" marR="68580" marT="0" marB="0"/>
+                </a:tc>
+              </a:tr>
+              <a:tr h="411480">
+                <a:tc>
+                  <a:txBody>
+                    <a:bodyPr/>
+                    <a:lstStyle/>
+                    <a:p>
+                      <a:pPr marL="285750" marR="0" indent="-285750">
+                        <a:spcBef>
+                          <a:spcPts val="600"/>
+                        </a:spcBef>
+                        <a:spcAft>
+                          <a:spcPts val="0"/>
+                        </a:spcAft>
+                        <a:buFont typeface="Wingdings" pitchFamily="2" charset="2"/>
+                        <a:buChar char="Ø"/>
+                      </a:pPr>
+                      <a:r>
+                        <a:rPr lang="en-US" sz="1800" dirty="0">
+                          <a:effectLst/>
+                        </a:rPr>
+                        <a:t>The client application shall read stored data</a:t>
+                      </a:r>
+                      <a:r>
+                        <a:rPr lang="en-US" sz="1800" dirty="0" smtClean="0">
+                          <a:effectLst/>
+                        </a:rPr>
+                        <a:t>.</a:t>
+                      </a:r>
+                      <a:endParaRPr lang="en-US" sz="1800" dirty="0">
+                        <a:effectLst/>
+                        <a:latin typeface="Times New Roman"/>
+                        <a:ea typeface="Times New Roman"/>
+                      </a:endParaRPr>
+                    </a:p>
+                  </a:txBody>
+                  <a:tcPr marL="68580" marR="68580" marT="0" marB="0"/>
+                </a:tc>
+              </a:tr>
+              <a:tr h="411480">
+                <a:tc>
+                  <a:txBody>
+                    <a:bodyPr/>
+                    <a:lstStyle/>
+                    <a:p>
+                      <a:pPr marL="285750" marR="0" indent="-285750">
+                        <a:spcBef>
+                          <a:spcPts val="600"/>
+                        </a:spcBef>
+                        <a:spcAft>
+                          <a:spcPts val="0"/>
+                        </a:spcAft>
+                        <a:buFont typeface="Wingdings" pitchFamily="2" charset="2"/>
+                        <a:buChar char="Ø"/>
+                      </a:pPr>
+                      <a:r>
+                        <a:rPr lang="en-US" sz="1800" b="1" kern="1200" dirty="0" smtClean="0">
+                          <a:solidFill>
+                            <a:schemeClr val="lt1"/>
+                          </a:solidFill>
+                          <a:effectLst/>
+                          <a:latin typeface="+mn-lt"/>
+                          <a:ea typeface="+mn-ea"/>
+                          <a:cs typeface="+mn-cs"/>
+                        </a:rPr>
+                        <a:t>The product shall have GPS to track the bump location.</a:t>
+                      </a:r>
+                      <a:endParaRPr lang="en-US" sz="1800" dirty="0">
+                        <a:effectLst/>
+                        <a:latin typeface="Times New Roman"/>
+                        <a:ea typeface="Times New Roman"/>
+                      </a:endParaRPr>
+                    </a:p>
+                  </a:txBody>
+                  <a:tcPr marL="68580" marR="68580" marT="0" marB="0"/>
+                </a:tc>
+              </a:tr>
+            </a:tbl>
+          </a:graphicData>
+        </a:graphic>
+      </p:graphicFrame>
     </p:spTree>
     <p:extLst>
       <p:ext uri="{BB962C8B-B14F-4D97-AF65-F5344CB8AC3E}">
-        <p14:creationId xmlns:p14="http://schemas.microsoft.com/office/powerpoint/2010/main" val="3231995147"/>
+        <p14:creationId xmlns:p14="http://schemas.microsoft.com/office/powerpoint/2010/main" val="2001495243"/>
       </p:ext>
     </p:extLst>
   </p:cSld>
@@ -6113,6 +8867,119 @@
             <a:spLocks noGrp="1"/>
           </p:cNvSpPr>
           <p:nvPr>
+            <p:ph type="title"/>
+          </p:nvPr>
+        </p:nvSpPr>
+        <p:spPr/>
+        <p:txBody>
+          <a:bodyPr/>
+          <a:lstStyle/>
+          <a:p>
+            <a:r>
+              <a:rPr lang="en-US" dirty="0" smtClean="0"/>
+              <a:t>Acceptance Criteria</a:t>
+            </a:r>
+            <a:endParaRPr lang="en-US" dirty="0"/>
+          </a:p>
+        </p:txBody>
+      </p:sp>
+      <p:sp>
+        <p:nvSpPr>
+          <p:cNvPr id="3" name="Content Placeholder 2"/>
+          <p:cNvSpPr>
+            <a:spLocks noGrp="1"/>
+          </p:cNvSpPr>
+          <p:nvPr>
+            <p:ph idx="1"/>
+          </p:nvPr>
+        </p:nvSpPr>
+        <p:spPr/>
+        <p:txBody>
+          <a:bodyPr>
+            <a:normAutofit/>
+          </a:bodyPr>
+          <a:lstStyle/>
+          <a:p>
+            <a:r>
+              <a:rPr lang="en-US" dirty="0"/>
+              <a:t>Before the Sliding Profiler can be fully accepted, each feature and function required by the sponsor must be demonstrated and or inspected. </a:t>
+            </a:r>
+            <a:endParaRPr lang="en-US" dirty="0" smtClean="0"/>
+          </a:p>
+          <a:p>
+            <a:endParaRPr lang="en-US" dirty="0"/>
+          </a:p>
+          <a:p>
+            <a:r>
+              <a:rPr lang="en-US" dirty="0" smtClean="0"/>
+              <a:t>Example: Verify </a:t>
+            </a:r>
+            <a:r>
+              <a:rPr lang="en-US" dirty="0"/>
+              <a:t>the device visually signals when a bump is detected by </a:t>
+            </a:r>
+            <a:r>
+              <a:rPr lang="en-US" dirty="0" smtClean="0"/>
+              <a:t>light</a:t>
+            </a:r>
+          </a:p>
+          <a:p>
+            <a:pPr lvl="1"/>
+            <a:r>
+              <a:rPr lang="en-US" dirty="0"/>
+              <a:t>Verification Procedure:  The sponsor will verify the device signals by light when a bump is detected through a live demonstration under a controlled environment to produce a specific result</a:t>
+            </a:r>
+            <a:r>
+              <a:rPr lang="en-US" dirty="0" smtClean="0"/>
+              <a:t>.</a:t>
+            </a:r>
+          </a:p>
+        </p:txBody>
+      </p:sp>
+    </p:spTree>
+    <p:extLst>
+      <p:ext uri="{BB962C8B-B14F-4D97-AF65-F5344CB8AC3E}">
+        <p14:creationId xmlns:p14="http://schemas.microsoft.com/office/powerpoint/2010/main" val="3231995147"/>
+      </p:ext>
+    </p:extLst>
+  </p:cSld>
+  <p:clrMapOvr>
+    <a:masterClrMapping/>
+  </p:clrMapOvr>
+  <p:timing>
+    <p:tnLst>
+      <p:par>
+        <p:cTn id="1" dur="indefinite" restart="never" nodeType="tmRoot"/>
+      </p:par>
+    </p:tnLst>
+  </p:timing>
+</p:sld>
+</file>
+
+<file path=ppt/slides/slide19.xml><?xml version="1.0" encoding="utf-8"?>
+<p:sld xmlns:a="http://schemas.openxmlformats.org/drawingml/2006/main" xmlns:r="http://schemas.openxmlformats.org/officeDocument/2006/relationships" xmlns:p="http://schemas.openxmlformats.org/presentationml/2006/main">
+  <p:cSld>
+    <p:spTree>
+      <p:nvGrpSpPr>
+        <p:cNvPr id="1" name=""/>
+        <p:cNvGrpSpPr/>
+        <p:nvPr/>
+      </p:nvGrpSpPr>
+      <p:grpSpPr>
+        <a:xfrm>
+          <a:off x="0" y="0"/>
+          <a:ext cx="0" cy="0"/>
+          <a:chOff x="0" y="0"/>
+          <a:chExt cx="0" cy="0"/>
+        </a:xfrm>
+      </p:grpSpPr>
+      <p:sp>
+        <p:nvSpPr>
+          <p:cNvPr id="2" name="Title 1"/>
+          <p:cNvSpPr>
+            <a:spLocks noGrp="1"/>
+          </p:cNvSpPr>
+          <p:nvPr>
             <p:ph type="ctrTitle"/>
           </p:nvPr>
         </p:nvSpPr>
@@ -6144,10 +9011,82 @@
   <p:clrMapOvr>
     <a:masterClrMapping/>
   </p:clrMapOvr>
+  <p:timing>
+    <p:tnLst>
+      <p:par>
+        <p:cTn id="1" dur="indefinite" restart="never" nodeType="tmRoot"/>
+      </p:par>
+    </p:tnLst>
+  </p:timing>
 </p:sld>
 </file>
 
-<file path=ppt/slides/slide19.xml><?xml version="1.0" encoding="utf-8"?>
+<file path=ppt/slides/slide2.xml><?xml version="1.0" encoding="utf-8"?>
+<p:sld xmlns:a="http://schemas.openxmlformats.org/drawingml/2006/main" xmlns:r="http://schemas.openxmlformats.org/officeDocument/2006/relationships" xmlns:p="http://schemas.openxmlformats.org/presentationml/2006/main">
+  <p:cSld>
+    <p:spTree>
+      <p:nvGrpSpPr>
+        <p:cNvPr id="1" name=""/>
+        <p:cNvGrpSpPr/>
+        <p:nvPr/>
+      </p:nvGrpSpPr>
+      <p:grpSpPr>
+        <a:xfrm>
+          <a:off x="0" y="0"/>
+          <a:ext cx="0" cy="0"/>
+          <a:chOff x="0" y="0"/>
+          <a:chExt cx="0" cy="0"/>
+        </a:xfrm>
+      </p:grpSpPr>
+      <p:sp>
+        <p:nvSpPr>
+          <p:cNvPr id="2" name="Title 1"/>
+          <p:cNvSpPr>
+            <a:spLocks noGrp="1"/>
+          </p:cNvSpPr>
+          <p:nvPr>
+            <p:ph type="ctrTitle"/>
+          </p:nvPr>
+        </p:nvSpPr>
+        <p:spPr>
+          <a:xfrm>
+            <a:off x="762000" y="4724400"/>
+            <a:ext cx="7543800" cy="1524000"/>
+          </a:xfrm>
+        </p:spPr>
+        <p:txBody>
+          <a:bodyPr/>
+          <a:lstStyle/>
+          <a:p>
+            <a:r>
+              <a:rPr lang="en-US" sz="7200" dirty="0" smtClean="0"/>
+              <a:t>Product Concept</a:t>
+            </a:r>
+            <a:endParaRPr lang="en-US" sz="7200" dirty="0"/>
+          </a:p>
+        </p:txBody>
+      </p:sp>
+    </p:spTree>
+    <p:extLst>
+      <p:ext uri="{BB962C8B-B14F-4D97-AF65-F5344CB8AC3E}">
+        <p14:creationId xmlns:p14="http://schemas.microsoft.com/office/powerpoint/2010/main" val="2802254707"/>
+      </p:ext>
+    </p:extLst>
+  </p:cSld>
+  <p:clrMapOvr>
+    <a:masterClrMapping/>
+  </p:clrMapOvr>
+  <p:timing>
+    <p:tnLst>
+      <p:par>
+        <p:cTn id="1" dur="indefinite" restart="never" nodeType="tmRoot"/>
+      </p:par>
+    </p:tnLst>
+  </p:timing>
+</p:sld>
+</file>
+
+<file path=ppt/slides/slide20.xml><?xml version="1.0" encoding="utf-8"?>
 <p:sld xmlns:a="http://schemas.openxmlformats.org/drawingml/2006/main" xmlns:r="http://schemas.openxmlformats.org/officeDocument/2006/relationships" xmlns:p="http://schemas.openxmlformats.org/presentationml/2006/main">
   <p:cSld>
     <p:spTree>
@@ -6175,7 +9114,7 @@
           </p:nvPr>
         </p:nvPicPr>
         <p:blipFill>
-          <a:blip r:embed="rId2">
+          <a:blip r:embed="rId3">
             <a:extLst>
               <a:ext uri="{28A0092B-C50C-407E-A947-70E740481C1C}">
                 <a14:useLocalDpi xmlns:a14="http://schemas.microsoft.com/office/drawing/2010/main" val="0"/>
@@ -6240,10 +9179,17 @@
   <p:clrMapOvr>
     <a:masterClrMapping/>
   </p:clrMapOvr>
+  <p:timing>
+    <p:tnLst>
+      <p:par>
+        <p:cTn id="1" dur="indefinite" restart="never" nodeType="tmRoot"/>
+      </p:par>
+    </p:tnLst>
+  </p:timing>
 </p:sld>
 </file>
 
-<file path=ppt/slides/slide2.xml><?xml version="1.0" encoding="utf-8"?>
+<file path=ppt/slides/slide21.xml><?xml version="1.0" encoding="utf-8"?>
 <p:sld xmlns:a="http://schemas.openxmlformats.org/drawingml/2006/main" xmlns:r="http://schemas.openxmlformats.org/officeDocument/2006/relationships" xmlns:p="http://schemas.openxmlformats.org/presentationml/2006/main">
   <p:cSld>
     <p:spTree>
@@ -6267,71 +9213,6 @@
             <a:spLocks noGrp="1"/>
           </p:cNvSpPr>
           <p:nvPr>
-            <p:ph type="ctrTitle"/>
-          </p:nvPr>
-        </p:nvSpPr>
-        <p:spPr>
-          <a:xfrm>
-            <a:off x="762000" y="4724400"/>
-            <a:ext cx="7543800" cy="1524000"/>
-          </a:xfrm>
-        </p:spPr>
-        <p:txBody>
-          <a:bodyPr/>
-          <a:lstStyle/>
-          <a:p>
-            <a:r>
-              <a:rPr lang="en-US" sz="7200" dirty="0" smtClean="0"/>
-              <a:t>Product Concept</a:t>
-            </a:r>
-            <a:endParaRPr lang="en-US" sz="7200" dirty="0"/>
-          </a:p>
-        </p:txBody>
-      </p:sp>
-    </p:spTree>
-    <p:extLst>
-      <p:ext uri="{BB962C8B-B14F-4D97-AF65-F5344CB8AC3E}">
-        <p14:creationId xmlns:p14="http://schemas.microsoft.com/office/powerpoint/2010/main" val="2802254707"/>
-      </p:ext>
-    </p:extLst>
-  </p:cSld>
-  <p:clrMapOvr>
-    <a:masterClrMapping/>
-  </p:clrMapOvr>
-  <p:timing>
-    <p:tnLst>
-      <p:par>
-        <p:cTn id="1" dur="indefinite" restart="never" nodeType="tmRoot"/>
-      </p:par>
-    </p:tnLst>
-  </p:timing>
-</p:sld>
-</file>
-
-<file path=ppt/slides/slide20.xml><?xml version="1.0" encoding="utf-8"?>
-<p:sld xmlns:a="http://schemas.openxmlformats.org/drawingml/2006/main" xmlns:r="http://schemas.openxmlformats.org/officeDocument/2006/relationships" xmlns:p="http://schemas.openxmlformats.org/presentationml/2006/main">
-  <p:cSld>
-    <p:spTree>
-      <p:nvGrpSpPr>
-        <p:cNvPr id="1" name=""/>
-        <p:cNvGrpSpPr/>
-        <p:nvPr/>
-      </p:nvGrpSpPr>
-      <p:grpSpPr>
-        <a:xfrm>
-          <a:off x="0" y="0"/>
-          <a:ext cx="0" cy="0"/>
-          <a:chOff x="0" y="0"/>
-          <a:chExt cx="0" cy="0"/>
-        </a:xfrm>
-      </p:grpSpPr>
-      <p:sp>
-        <p:nvSpPr>
-          <p:cNvPr id="2" name="Title 1"/>
-          <p:cNvSpPr>
-            <a:spLocks noGrp="1"/>
-          </p:cNvSpPr>
-          <p:nvPr>
             <p:ph type="title"/>
           </p:nvPr>
         </p:nvSpPr>
@@ -6359,7 +9240,7 @@
           </p:nvPr>
         </p:nvPicPr>
         <p:blipFill>
-          <a:blip r:embed="rId2">
+          <a:blip r:embed="rId3">
             <a:extLst>
               <a:ext uri="{28A0092B-C50C-407E-A947-70E740481C1C}">
                 <a14:useLocalDpi xmlns:a14="http://schemas.microsoft.com/office/drawing/2010/main" val="0"/>
@@ -6424,10 +9305,17 @@
   <p:clrMapOvr>
     <a:masterClrMapping/>
   </p:clrMapOvr>
+  <p:timing>
+    <p:tnLst>
+      <p:par>
+        <p:cTn id="1" dur="indefinite" restart="never" nodeType="tmRoot"/>
+      </p:par>
+    </p:tnLst>
+  </p:timing>
 </p:sld>
 </file>
 
-<file path=ppt/slides/slide21.xml><?xml version="1.0" encoding="utf-8"?>
+<file path=ppt/slides/slide22.xml><?xml version="1.0" encoding="utf-8"?>
 <p:sld xmlns:a="http://schemas.openxmlformats.org/drawingml/2006/main" xmlns:r="http://schemas.openxmlformats.org/officeDocument/2006/relationships" xmlns:p="http://schemas.openxmlformats.org/presentationml/2006/main">
   <p:cSld>
     <p:spTree>
@@ -6478,7 +9366,7 @@
           </p:nvPr>
         </p:nvPicPr>
         <p:blipFill>
-          <a:blip r:embed="rId2">
+          <a:blip r:embed="rId3">
             <a:extLst>
               <a:ext uri="{28A0092B-C50C-407E-A947-70E740481C1C}">
                 <a14:useLocalDpi xmlns:a14="http://schemas.microsoft.com/office/drawing/2010/main" val="0"/>
@@ -6546,7 +9434,7 @@
 </p:sld>
 </file>
 
-<file path=ppt/slides/slide22.xml><?xml version="1.0" encoding="utf-8"?>
+<file path=ppt/slides/slide23.xml><?xml version="1.0" encoding="utf-8"?>
 <p:sld xmlns:a="http://schemas.openxmlformats.org/drawingml/2006/main" xmlns:r="http://schemas.openxmlformats.org/officeDocument/2006/relationships" xmlns:p="http://schemas.openxmlformats.org/presentationml/2006/main">
   <p:cSld>
     <p:spTree>
@@ -6597,7 +9485,7 @@
           </p:nvPr>
         </p:nvPicPr>
         <p:blipFill>
-          <a:blip r:embed="rId2">
+          <a:blip r:embed="rId3">
             <a:extLst>
               <a:ext uri="{28A0092B-C50C-407E-A947-70E740481C1C}">
                 <a14:useLocalDpi xmlns:a14="http://schemas.microsoft.com/office/drawing/2010/main" val="0"/>
@@ -6665,64 +9553,6 @@
 </p:sld>
 </file>
 
-<file path=ppt/slides/slide23.xml><?xml version="1.0" encoding="utf-8"?>
-<p:sld xmlns:a="http://schemas.openxmlformats.org/drawingml/2006/main" xmlns:r="http://schemas.openxmlformats.org/officeDocument/2006/relationships" xmlns:p="http://schemas.openxmlformats.org/presentationml/2006/main">
-  <p:cSld>
-    <p:spTree>
-      <p:nvGrpSpPr>
-        <p:cNvPr id="1" name=""/>
-        <p:cNvGrpSpPr/>
-        <p:nvPr/>
-      </p:nvGrpSpPr>
-      <p:grpSpPr>
-        <a:xfrm>
-          <a:off x="0" y="0"/>
-          <a:ext cx="0" cy="0"/>
-          <a:chOff x="0" y="0"/>
-          <a:chExt cx="0" cy="0"/>
-        </a:xfrm>
-      </p:grpSpPr>
-      <p:sp>
-        <p:nvSpPr>
-          <p:cNvPr id="2" name="Title 1"/>
-          <p:cNvSpPr>
-            <a:spLocks noGrp="1"/>
-          </p:cNvSpPr>
-          <p:nvPr>
-            <p:ph type="ctrTitle"/>
-          </p:nvPr>
-        </p:nvSpPr>
-        <p:spPr>
-          <a:xfrm>
-            <a:off x="762000" y="4724400"/>
-            <a:ext cx="7543800" cy="1524000"/>
-          </a:xfrm>
-        </p:spPr>
-        <p:txBody>
-          <a:bodyPr/>
-          <a:lstStyle/>
-          <a:p>
-            <a:r>
-              <a:rPr lang="en-US" dirty="0" smtClean="0"/>
-              <a:t>Feasibility Assessment</a:t>
-            </a:r>
-            <a:endParaRPr lang="en-US" dirty="0"/>
-          </a:p>
-        </p:txBody>
-      </p:sp>
-    </p:spTree>
-    <p:extLst>
-      <p:ext uri="{BB962C8B-B14F-4D97-AF65-F5344CB8AC3E}">
-        <p14:creationId xmlns:p14="http://schemas.microsoft.com/office/powerpoint/2010/main" val="4294787869"/>
-      </p:ext>
-    </p:extLst>
-  </p:cSld>
-  <p:clrMapOvr>
-    <a:masterClrMapping/>
-  </p:clrMapOvr>
-</p:sld>
-</file>
-
 <file path=ppt/slides/slide24.xml><?xml version="1.0" encoding="utf-8"?>
 <p:sld xmlns:a="http://schemas.openxmlformats.org/drawingml/2006/main" xmlns:r="http://schemas.openxmlformats.org/officeDocument/2006/relationships" xmlns:p="http://schemas.openxmlformats.org/presentationml/2006/main">
   <p:cSld>
@@ -6747,53 +9577,31 @@
             <a:spLocks noGrp="1"/>
           </p:cNvSpPr>
           <p:nvPr>
-            <p:ph type="title"/>
-          </p:nvPr>
-        </p:nvSpPr>
-        <p:spPr/>
+            <p:ph type="ctrTitle"/>
+          </p:nvPr>
+        </p:nvSpPr>
+        <p:spPr>
+          <a:xfrm>
+            <a:off x="762000" y="4724400"/>
+            <a:ext cx="7543800" cy="1524000"/>
+          </a:xfrm>
+        </p:spPr>
         <p:txBody>
           <a:bodyPr/>
           <a:lstStyle/>
           <a:p>
             <a:r>
               <a:rPr lang="en-US" dirty="0" smtClean="0"/>
-              <a:t>Scope Analysis</a:t>
+              <a:t>Feasibility Assessment</a:t>
             </a:r>
             <a:endParaRPr lang="en-US" dirty="0"/>
-          </a:p>
-        </p:txBody>
-      </p:sp>
-      <p:sp>
-        <p:nvSpPr>
-          <p:cNvPr id="3" name="Content Placeholder 2"/>
-          <p:cNvSpPr>
-            <a:spLocks noGrp="1"/>
-          </p:cNvSpPr>
-          <p:nvPr>
-            <p:ph idx="1"/>
-          </p:nvPr>
-        </p:nvSpPr>
-        <p:spPr/>
-        <p:txBody>
-          <a:bodyPr/>
-          <a:lstStyle/>
-          <a:p>
-            <a:r>
-              <a:rPr lang="en-US" dirty="0" smtClean="0"/>
-              <a:t>Scope Analysis: The </a:t>
-            </a:r>
-            <a:r>
-              <a:rPr lang="en-US" dirty="0"/>
-              <a:t>scope of work for all critical requirements is reasonable, and prototyping of these by the deadline date appears feasible. </a:t>
-            </a:r>
-            <a:endParaRPr lang="en-US" dirty="0" smtClean="0"/>
           </a:p>
         </p:txBody>
       </p:sp>
     </p:spTree>
     <p:extLst>
       <p:ext uri="{BB962C8B-B14F-4D97-AF65-F5344CB8AC3E}">
-        <p14:creationId xmlns:p14="http://schemas.microsoft.com/office/powerpoint/2010/main" val="1909883330"/>
+        <p14:creationId xmlns:p14="http://schemas.microsoft.com/office/powerpoint/2010/main" val="4294787869"/>
       </p:ext>
     </p:extLst>
   </p:cSld>
@@ -6837,7 +9645,7 @@
           <a:p>
             <a:r>
               <a:rPr lang="en-US" dirty="0" smtClean="0"/>
-              <a:t>Research</a:t>
+              <a:t>Scope Analysis</a:t>
             </a:r>
             <a:endParaRPr lang="en-US" dirty="0"/>
           </a:p>
@@ -6860,51 +9668,20 @@
           <a:p>
             <a:r>
               <a:rPr lang="en-US" dirty="0" smtClean="0"/>
-              <a:t>Looked </a:t>
+              <a:t>Scope Analysis: The </a:t>
             </a:r>
             <a:r>
               <a:rPr lang="en-US" dirty="0"/>
-              <a:t>at two previous projects on Sliding Profilers. Our sponsor, Dr. Walker, pointed out their </a:t>
-            </a:r>
-            <a:r>
-              <a:rPr lang="en-US" dirty="0" smtClean="0"/>
-              <a:t>mistakes.</a:t>
-            </a:r>
-          </a:p>
-          <a:p>
-            <a:r>
-              <a:rPr lang="en-US" dirty="0" smtClean="0"/>
-              <a:t>Bump detection algorithm</a:t>
-            </a:r>
-          </a:p>
-          <a:p>
-            <a:r>
-              <a:rPr lang="en-US" dirty="0" smtClean="0"/>
-              <a:t>Weight to surface area ratio</a:t>
-            </a:r>
-          </a:p>
-          <a:p>
-            <a:r>
-              <a:rPr lang="en-US" dirty="0" smtClean="0"/>
-              <a:t>Data acquisition and SP program procedure</a:t>
-            </a:r>
-          </a:p>
-          <a:p>
-            <a:r>
-              <a:rPr lang="en-US" dirty="0" smtClean="0"/>
-              <a:t>SP data server and client module</a:t>
-            </a:r>
-            <a:endParaRPr lang="en-US" dirty="0"/>
-          </a:p>
-          <a:p>
-            <a:endParaRPr lang="en-US" dirty="0"/>
+              <a:t>scope of work for all critical requirements is reasonable, and prototyping of these by the deadline date appears feasible. </a:t>
+            </a:r>
+            <a:endParaRPr lang="en-US" dirty="0" smtClean="0"/>
           </a:p>
         </p:txBody>
       </p:sp>
     </p:spTree>
     <p:extLst>
       <p:ext uri="{BB962C8B-B14F-4D97-AF65-F5344CB8AC3E}">
-        <p14:creationId xmlns:p14="http://schemas.microsoft.com/office/powerpoint/2010/main" val="993485715"/>
+        <p14:creationId xmlns:p14="http://schemas.microsoft.com/office/powerpoint/2010/main" val="1909883330"/>
       </p:ext>
     </p:extLst>
   </p:cSld>
@@ -6948,6 +9725,117 @@
           <a:p>
             <a:r>
               <a:rPr lang="en-US" dirty="0" smtClean="0"/>
+              <a:t>Research</a:t>
+            </a:r>
+            <a:endParaRPr lang="en-US" dirty="0"/>
+          </a:p>
+        </p:txBody>
+      </p:sp>
+      <p:sp>
+        <p:nvSpPr>
+          <p:cNvPr id="3" name="Content Placeholder 2"/>
+          <p:cNvSpPr>
+            <a:spLocks noGrp="1"/>
+          </p:cNvSpPr>
+          <p:nvPr>
+            <p:ph idx="1"/>
+          </p:nvPr>
+        </p:nvSpPr>
+        <p:spPr/>
+        <p:txBody>
+          <a:bodyPr/>
+          <a:lstStyle/>
+          <a:p>
+            <a:r>
+              <a:rPr lang="en-US" dirty="0" smtClean="0"/>
+              <a:t>Looked </a:t>
+            </a:r>
+            <a:r>
+              <a:rPr lang="en-US" dirty="0"/>
+              <a:t>at two previous projects on Sliding Profilers. Our sponsor, Dr. Walker, pointed out their </a:t>
+            </a:r>
+            <a:r>
+              <a:rPr lang="en-US" dirty="0" smtClean="0"/>
+              <a:t>mistakes.</a:t>
+            </a:r>
+          </a:p>
+          <a:p>
+            <a:r>
+              <a:rPr lang="en-US" dirty="0" smtClean="0"/>
+              <a:t>Bump detection algorithm</a:t>
+            </a:r>
+          </a:p>
+          <a:p>
+            <a:r>
+              <a:rPr lang="en-US" dirty="0" smtClean="0"/>
+              <a:t>Weight to surface area ratio</a:t>
+            </a:r>
+          </a:p>
+          <a:p>
+            <a:r>
+              <a:rPr lang="en-US" dirty="0" smtClean="0"/>
+              <a:t>Data acquisition and SP program procedure</a:t>
+            </a:r>
+          </a:p>
+          <a:p>
+            <a:r>
+              <a:rPr lang="en-US" dirty="0" smtClean="0"/>
+              <a:t>SP data server and client module</a:t>
+            </a:r>
+            <a:endParaRPr lang="en-US" dirty="0"/>
+          </a:p>
+          <a:p>
+            <a:endParaRPr lang="en-US" dirty="0"/>
+          </a:p>
+        </p:txBody>
+      </p:sp>
+    </p:spTree>
+    <p:extLst>
+      <p:ext uri="{BB962C8B-B14F-4D97-AF65-F5344CB8AC3E}">
+        <p14:creationId xmlns:p14="http://schemas.microsoft.com/office/powerpoint/2010/main" val="993485715"/>
+      </p:ext>
+    </p:extLst>
+  </p:cSld>
+  <p:clrMapOvr>
+    <a:masterClrMapping/>
+  </p:clrMapOvr>
+</p:sld>
+</file>
+
+<file path=ppt/slides/slide27.xml><?xml version="1.0" encoding="utf-8"?>
+<p:sld xmlns:a="http://schemas.openxmlformats.org/drawingml/2006/main" xmlns:r="http://schemas.openxmlformats.org/officeDocument/2006/relationships" xmlns:p="http://schemas.openxmlformats.org/presentationml/2006/main">
+  <p:cSld>
+    <p:spTree>
+      <p:nvGrpSpPr>
+        <p:cNvPr id="1" name=""/>
+        <p:cNvGrpSpPr/>
+        <p:nvPr/>
+      </p:nvGrpSpPr>
+      <p:grpSpPr>
+        <a:xfrm>
+          <a:off x="0" y="0"/>
+          <a:ext cx="0" cy="0"/>
+          <a:chOff x="0" y="0"/>
+          <a:chExt cx="0" cy="0"/>
+        </a:xfrm>
+      </p:grpSpPr>
+      <p:sp>
+        <p:nvSpPr>
+          <p:cNvPr id="2" name="Title 1"/>
+          <p:cNvSpPr>
+            <a:spLocks noGrp="1"/>
+          </p:cNvSpPr>
+          <p:nvPr>
+            <p:ph type="title"/>
+          </p:nvPr>
+        </p:nvSpPr>
+        <p:spPr/>
+        <p:txBody>
+          <a:bodyPr/>
+          <a:lstStyle/>
+          <a:p>
+            <a:r>
+              <a:rPr lang="en-US" dirty="0" smtClean="0"/>
               <a:t>Technical Analysis</a:t>
             </a:r>
             <a:endParaRPr lang="en-US" dirty="0"/>
@@ -7029,7 +9917,7 @@
 </p:sld>
 </file>
 
-<file path=ppt/slides/slide27.xml><?xml version="1.0" encoding="utf-8"?>
+<file path=ppt/slides/slide28.xml><?xml version="1.0" encoding="utf-8"?>
 <p:sld xmlns:a="http://schemas.openxmlformats.org/drawingml/2006/main" xmlns:r="http://schemas.openxmlformats.org/officeDocument/2006/relationships" xmlns:p="http://schemas.openxmlformats.org/presentationml/2006/main">
   <p:cSld>
     <p:spTree>
@@ -7852,147 +10740,6 @@
 </p:sld>
 </file>
 
-<file path=ppt/slides/slide28.xml><?xml version="1.0" encoding="utf-8"?>
-<p:sld xmlns:a="http://schemas.openxmlformats.org/drawingml/2006/main" xmlns:r="http://schemas.openxmlformats.org/officeDocument/2006/relationships" xmlns:p="http://schemas.openxmlformats.org/presentationml/2006/main">
-  <p:cSld>
-    <p:spTree>
-      <p:nvGrpSpPr>
-        <p:cNvPr id="1" name=""/>
-        <p:cNvGrpSpPr/>
-        <p:nvPr/>
-      </p:nvGrpSpPr>
-      <p:grpSpPr>
-        <a:xfrm>
-          <a:off x="0" y="0"/>
-          <a:ext cx="0" cy="0"/>
-          <a:chOff x="0" y="0"/>
-          <a:chExt cx="0" cy="0"/>
-        </a:xfrm>
-      </p:grpSpPr>
-      <p:sp>
-        <p:nvSpPr>
-          <p:cNvPr id="2" name="Title 1"/>
-          <p:cNvSpPr>
-            <a:spLocks noGrp="1"/>
-          </p:cNvSpPr>
-          <p:nvPr>
-            <p:ph type="title"/>
-          </p:nvPr>
-        </p:nvSpPr>
-        <p:spPr/>
-        <p:txBody>
-          <a:bodyPr/>
-          <a:lstStyle/>
-          <a:p>
-            <a:r>
-              <a:rPr lang="en-US" dirty="0" smtClean="0"/>
-              <a:t>Resource Analysis</a:t>
-            </a:r>
-            <a:endParaRPr lang="en-US" dirty="0"/>
-          </a:p>
-        </p:txBody>
-      </p:sp>
-      <p:sp>
-        <p:nvSpPr>
-          <p:cNvPr id="3" name="Content Placeholder 2"/>
-          <p:cNvSpPr>
-            <a:spLocks noGrp="1"/>
-          </p:cNvSpPr>
-          <p:nvPr>
-            <p:ph idx="1"/>
-          </p:nvPr>
-        </p:nvSpPr>
-        <p:spPr/>
-        <p:txBody>
-          <a:bodyPr/>
-          <a:lstStyle/>
-          <a:p>
-            <a:r>
-              <a:rPr lang="en-US" dirty="0" smtClean="0"/>
-              <a:t>Team Structure</a:t>
-            </a:r>
-          </a:p>
-          <a:p>
-            <a:pPr lvl="1"/>
-            <a:r>
-              <a:rPr lang="en-US" dirty="0" smtClean="0"/>
-              <a:t>Two </a:t>
-            </a:r>
-            <a:r>
-              <a:rPr lang="en-US" dirty="0" err="1" smtClean="0"/>
-              <a:t>CpE</a:t>
-            </a:r>
-            <a:r>
-              <a:rPr lang="en-US" dirty="0" smtClean="0"/>
-              <a:t> and two CS students</a:t>
-            </a:r>
-            <a:endParaRPr lang="en-US" dirty="0"/>
-          </a:p>
-          <a:p>
-            <a:r>
-              <a:rPr lang="en-US" dirty="0" smtClean="0"/>
-              <a:t>Resource Allocation</a:t>
-            </a:r>
-          </a:p>
-          <a:p>
-            <a:pPr lvl="1"/>
-            <a:r>
-              <a:rPr lang="en-US" dirty="0" smtClean="0"/>
-              <a:t>Hardware Design - Two </a:t>
-            </a:r>
-            <a:r>
-              <a:rPr lang="en-US" dirty="0" err="1" smtClean="0"/>
-              <a:t>CpE</a:t>
-            </a:r>
-            <a:endParaRPr lang="en-US" dirty="0" smtClean="0"/>
-          </a:p>
-          <a:p>
-            <a:pPr lvl="1"/>
-            <a:r>
-              <a:rPr lang="en-US" dirty="0" smtClean="0"/>
-              <a:t>Algorithms - Two CS</a:t>
-            </a:r>
-          </a:p>
-          <a:p>
-            <a:pPr lvl="1"/>
-            <a:r>
-              <a:rPr lang="en-US" dirty="0" smtClean="0"/>
-              <a:t>Client Application - All Members</a:t>
-            </a:r>
-          </a:p>
-          <a:p>
-            <a:pPr lvl="1"/>
-            <a:r>
-              <a:rPr lang="en-US" dirty="0" smtClean="0"/>
-              <a:t>Server-Client Application - All Members</a:t>
-            </a:r>
-          </a:p>
-          <a:p>
-            <a:pPr lvl="1"/>
-            <a:r>
-              <a:rPr lang="en-US" dirty="0" smtClean="0"/>
-              <a:t>Platform Design - All Members + Sponsor</a:t>
-            </a:r>
-          </a:p>
-          <a:p>
-            <a:pPr lvl="2"/>
-            <a:endParaRPr lang="en-US" dirty="0" smtClean="0"/>
-          </a:p>
-        </p:txBody>
-      </p:sp>
-    </p:spTree>
-    <p:extLst>
-      <p:ext uri="{BB962C8B-B14F-4D97-AF65-F5344CB8AC3E}">
-        <p14:creationId xmlns:p14="http://schemas.microsoft.com/office/powerpoint/2010/main" val="3859889784"/>
-      </p:ext>
-    </p:extLst>
-  </p:cSld>
-  <p:clrMapOvr>
-    <a:masterClrMapping/>
-  </p:clrMapOvr>
-</p:sld>
-</file>
-
 <file path=ppt/slides/slide29.xml><?xml version="1.0" encoding="utf-8"?>
 <p:sld xmlns:a="http://schemas.openxmlformats.org/drawingml/2006/main" xmlns:r="http://schemas.openxmlformats.org/officeDocument/2006/relationships" xmlns:p="http://schemas.openxmlformats.org/presentationml/2006/main">
   <p:cSld>
@@ -8027,7 +10774,7 @@
           <a:p>
             <a:r>
               <a:rPr lang="en-US" dirty="0" smtClean="0"/>
-              <a:t>Schedule Analysis</a:t>
+              <a:t>Resource Analysis</a:t>
             </a:r>
             <a:endParaRPr lang="en-US" dirty="0"/>
           </a:p>
@@ -8045,169 +10792,86 @@
         </p:nvSpPr>
         <p:spPr/>
         <p:txBody>
-          <a:bodyPr>
-            <a:normAutofit fontScale="85000" lnSpcReduction="20000"/>
-          </a:bodyPr>
-          <a:lstStyle/>
-          <a:p>
-            <a:r>
-              <a:rPr lang="en-US" b="1" dirty="0"/>
-              <a:t>Comparison of various estimation methods</a:t>
+          <a:bodyPr/>
+          <a:lstStyle/>
+          <a:p>
+            <a:r>
+              <a:rPr lang="en-US" dirty="0" smtClean="0"/>
+              <a:t>Team Structure</a:t>
+            </a:r>
+          </a:p>
+          <a:p>
+            <a:pPr lvl="1"/>
+            <a:r>
+              <a:rPr lang="en-US" dirty="0" smtClean="0"/>
+              <a:t>Two </a:t>
+            </a:r>
+            <a:r>
+              <a:rPr lang="en-US" dirty="0" err="1" smtClean="0"/>
+              <a:t>CpE</a:t>
+            </a:r>
+            <a:r>
+              <a:rPr lang="en-US" dirty="0" smtClean="0"/>
+              <a:t> and two CS students</a:t>
             </a:r>
             <a:endParaRPr lang="en-US" dirty="0"/>
           </a:p>
           <a:p>
-            <a:pPr marL="0" indent="0">
-              <a:buNone/>
-            </a:pPr>
-            <a:r>
-              <a:rPr lang="en-US" dirty="0"/>
-              <a:t>				</a:t>
-            </a:r>
-            <a:r>
-              <a:rPr lang="en-US" b="1" u="sng" dirty="0"/>
-              <a:t>Aggressive</a:t>
-            </a:r>
-            <a:r>
-              <a:rPr lang="en-US" dirty="0"/>
-              <a:t>	</a:t>
-            </a:r>
-            <a:r>
-              <a:rPr lang="en-US" b="1" u="sng" dirty="0"/>
-              <a:t>Conservative</a:t>
-            </a:r>
-            <a:endParaRPr lang="en-US" dirty="0"/>
-          </a:p>
-          <a:p>
-            <a:r>
-              <a:rPr lang="en-US" dirty="0"/>
-              <a:t>Size and Productivity		6 months	</a:t>
-            </a:r>
             <a:r>
               <a:rPr lang="en-US" dirty="0" smtClean="0"/>
-              <a:t>	8 </a:t>
-            </a:r>
-            <a:r>
-              <a:rPr lang="en-US" dirty="0"/>
-              <a:t>months</a:t>
-            </a:r>
-          </a:p>
-          <a:p>
-            <a:r>
-              <a:rPr lang="en-US" dirty="0"/>
-              <a:t>McConnell Tables		7 months	</a:t>
-            </a:r>
+              <a:t>Resource Allocation</a:t>
+            </a:r>
+          </a:p>
+          <a:p>
+            <a:pPr lvl="1"/>
             <a:r>
               <a:rPr lang="en-US" dirty="0" smtClean="0"/>
-              <a:t>	9 </a:t>
-            </a:r>
-            <a:r>
-              <a:rPr lang="en-US" dirty="0"/>
-              <a:t>months	</a:t>
-            </a:r>
-          </a:p>
-          <a:p>
-            <a:r>
-              <a:rPr lang="en-US" dirty="0"/>
-              <a:t>Rule of Thumb		</a:t>
-            </a:r>
+              <a:t>Hardware Design - Two </a:t>
+            </a:r>
+            <a:r>
+              <a:rPr lang="en-US" dirty="0" err="1" smtClean="0"/>
+              <a:t>CpE</a:t>
+            </a:r>
+            <a:endParaRPr lang="en-US" dirty="0" smtClean="0"/>
+          </a:p>
+          <a:p>
+            <a:pPr lvl="1"/>
             <a:r>
               <a:rPr lang="en-US" dirty="0" smtClean="0"/>
-              <a:t>	8 </a:t>
-            </a:r>
-            <a:r>
-              <a:rPr lang="en-US" dirty="0"/>
-              <a:t>months	</a:t>
-            </a:r>
+              <a:t>Algorithms - Two CS</a:t>
+            </a:r>
+          </a:p>
+          <a:p>
+            <a:pPr lvl="1"/>
             <a:r>
               <a:rPr lang="en-US" dirty="0" smtClean="0"/>
-              <a:t>	9 </a:t>
-            </a:r>
-            <a:r>
-              <a:rPr lang="en-US" dirty="0"/>
-              <a:t>months</a:t>
-            </a:r>
-          </a:p>
-          <a:p>
-            <a:r>
-              <a:rPr lang="en-US" dirty="0" err="1"/>
-              <a:t>CoCoMo</a:t>
-            </a:r>
-            <a:r>
-              <a:rPr lang="en-US" dirty="0"/>
-              <a:t>			8 months	</a:t>
-            </a:r>
+              <a:t>Client Application - All Members</a:t>
+            </a:r>
+          </a:p>
+          <a:p>
+            <a:pPr lvl="1"/>
             <a:r>
               <a:rPr lang="en-US" dirty="0" smtClean="0"/>
-              <a:t>	9 </a:t>
-            </a:r>
-            <a:r>
-              <a:rPr lang="en-US" dirty="0"/>
-              <a:t>months</a:t>
-            </a:r>
-          </a:p>
-          <a:p>
-            <a:r>
-              <a:rPr lang="en-US" dirty="0"/>
-              <a:t>Function Points/Jones’s	</a:t>
-            </a:r>
+              <a:t>Server-Client Application - All Members</a:t>
+            </a:r>
+          </a:p>
+          <a:p>
+            <a:pPr lvl="1"/>
             <a:r>
               <a:rPr lang="en-US" dirty="0" smtClean="0"/>
-              <a:t>	Not </a:t>
-            </a:r>
-            <a:r>
-              <a:rPr lang="en-US" dirty="0"/>
-              <a:t>Used</a:t>
-            </a:r>
-          </a:p>
-          <a:p>
+              <a:t>Platform Design - All Members + Sponsor</a:t>
+            </a:r>
+          </a:p>
+          <a:p>
+            <a:pPr lvl="2"/>
             <a:endParaRPr lang="en-US" dirty="0" smtClean="0"/>
-          </a:p>
-          <a:p>
-            <a:r>
-              <a:rPr lang="en-US" b="1" dirty="0" smtClean="0"/>
-              <a:t>Sanity </a:t>
-            </a:r>
-            <a:r>
-              <a:rPr lang="en-US" b="1" dirty="0"/>
-              <a:t>Test (Weiss &amp; </a:t>
-            </a:r>
-            <a:r>
-              <a:rPr lang="en-US" b="1" dirty="0" err="1"/>
-              <a:t>Wysocki</a:t>
-            </a:r>
-            <a:r>
-              <a:rPr lang="en-US" b="1" dirty="0"/>
-              <a:t>, 1992) </a:t>
-            </a:r>
-            <a:endParaRPr lang="en-US" dirty="0"/>
-          </a:p>
-          <a:p>
-            <a:r>
-              <a:rPr lang="en-US" dirty="0"/>
-              <a:t>E = (O + 4M + P) / 6, where O = optimistic, M = Nominal, P = Pessimistic</a:t>
-            </a:r>
-          </a:p>
-          <a:p>
-            <a:r>
-              <a:rPr lang="en-US" dirty="0"/>
-              <a:t>Therefore, our E = (6 + 32 + 9) / 6 =  47/6  = </a:t>
-            </a:r>
-            <a:r>
-              <a:rPr lang="en-US" b="1" dirty="0"/>
-              <a:t>7.8 months</a:t>
-            </a:r>
-            <a:endParaRPr lang="en-US" dirty="0"/>
-          </a:p>
-          <a:p>
-            <a:endParaRPr lang="en-US" dirty="0"/>
           </a:p>
         </p:txBody>
       </p:sp>
     </p:spTree>
     <p:extLst>
       <p:ext uri="{BB962C8B-B14F-4D97-AF65-F5344CB8AC3E}">
-        <p14:creationId xmlns:p14="http://schemas.microsoft.com/office/powerpoint/2010/main" val="3515775751"/>
+        <p14:creationId xmlns:p14="http://schemas.microsoft.com/office/powerpoint/2010/main" val="3859889784"/>
       </p:ext>
     </p:extLst>
   </p:cSld>
@@ -8444,23 +11108,189 @@
             <a:spLocks noGrp="1"/>
           </p:cNvSpPr>
           <p:nvPr>
-            <p:ph type="ctrTitle"/>
-          </p:nvPr>
-        </p:nvSpPr>
-        <p:spPr>
-          <a:xfrm>
-            <a:off x="762000" y="4648200"/>
-            <a:ext cx="8382000" cy="1524000"/>
-          </a:xfrm>
-        </p:spPr>
+            <p:ph type="title"/>
+          </p:nvPr>
+        </p:nvSpPr>
+        <p:spPr/>
         <p:txBody>
           <a:bodyPr/>
           <a:lstStyle/>
           <a:p>
             <a:r>
               <a:rPr lang="en-US" dirty="0" smtClean="0"/>
-              <a:t>Other Customer Requirements</a:t>
-            </a:r>
+              <a:t>Schedule Analysis</a:t>
+            </a:r>
+            <a:endParaRPr lang="en-US" dirty="0"/>
+          </a:p>
+        </p:txBody>
+      </p:sp>
+      <p:sp>
+        <p:nvSpPr>
+          <p:cNvPr id="3" name="Content Placeholder 2"/>
+          <p:cNvSpPr>
+            <a:spLocks noGrp="1"/>
+          </p:cNvSpPr>
+          <p:nvPr>
+            <p:ph idx="1"/>
+          </p:nvPr>
+        </p:nvSpPr>
+        <p:spPr/>
+        <p:txBody>
+          <a:bodyPr>
+            <a:normAutofit fontScale="85000" lnSpcReduction="20000"/>
+          </a:bodyPr>
+          <a:lstStyle/>
+          <a:p>
+            <a:r>
+              <a:rPr lang="en-US" b="1" dirty="0"/>
+              <a:t>Comparison of various estimation methods</a:t>
+            </a:r>
+            <a:endParaRPr lang="en-US" dirty="0"/>
+          </a:p>
+          <a:p>
+            <a:pPr marL="0" indent="0">
+              <a:buNone/>
+            </a:pPr>
+            <a:r>
+              <a:rPr lang="en-US" dirty="0"/>
+              <a:t>				</a:t>
+            </a:r>
+            <a:r>
+              <a:rPr lang="en-US" b="1" u="sng" dirty="0"/>
+              <a:t>Aggressive</a:t>
+            </a:r>
+            <a:r>
+              <a:rPr lang="en-US" dirty="0"/>
+              <a:t>	</a:t>
+            </a:r>
+            <a:r>
+              <a:rPr lang="en-US" b="1" u="sng" dirty="0"/>
+              <a:t>Conservative</a:t>
+            </a:r>
+            <a:endParaRPr lang="en-US" dirty="0"/>
+          </a:p>
+          <a:p>
+            <a:r>
+              <a:rPr lang="en-US" dirty="0"/>
+              <a:t>Size and Productivity		6 months	</a:t>
+            </a:r>
+            <a:r>
+              <a:rPr lang="en-US" dirty="0" smtClean="0"/>
+              <a:t>	8 </a:t>
+            </a:r>
+            <a:r>
+              <a:rPr lang="en-US" dirty="0"/>
+              <a:t>months</a:t>
+            </a:r>
+          </a:p>
+          <a:p>
+            <a:r>
+              <a:rPr lang="en-US" dirty="0"/>
+              <a:t>McConnell Tables		7 months	</a:t>
+            </a:r>
+            <a:r>
+              <a:rPr lang="en-US" dirty="0" smtClean="0"/>
+              <a:t>	9 </a:t>
+            </a:r>
+            <a:r>
+              <a:rPr lang="en-US" dirty="0"/>
+              <a:t>months	</a:t>
+            </a:r>
+          </a:p>
+          <a:p>
+            <a:r>
+              <a:rPr lang="en-US" dirty="0"/>
+              <a:t>Rule of Thumb		</a:t>
+            </a:r>
+            <a:r>
+              <a:rPr lang="en-US" dirty="0" smtClean="0"/>
+              <a:t>	8 </a:t>
+            </a:r>
+            <a:r>
+              <a:rPr lang="en-US" dirty="0"/>
+              <a:t>months	</a:t>
+            </a:r>
+            <a:r>
+              <a:rPr lang="en-US" dirty="0" smtClean="0"/>
+              <a:t>	9 </a:t>
+            </a:r>
+            <a:r>
+              <a:rPr lang="en-US" dirty="0"/>
+              <a:t>months</a:t>
+            </a:r>
+          </a:p>
+          <a:p>
+            <a:r>
+              <a:rPr lang="en-US" dirty="0" err="1"/>
+              <a:t>CoCoMo</a:t>
+            </a:r>
+            <a:r>
+              <a:rPr lang="en-US" dirty="0"/>
+              <a:t>			8 months	</a:t>
+            </a:r>
+            <a:r>
+              <a:rPr lang="en-US" dirty="0" smtClean="0"/>
+              <a:t>	9 </a:t>
+            </a:r>
+            <a:r>
+              <a:rPr lang="en-US" dirty="0"/>
+              <a:t>months</a:t>
+            </a:r>
+          </a:p>
+          <a:p>
+            <a:r>
+              <a:rPr lang="en-US" dirty="0"/>
+              <a:t>Function Points/Jones’s	</a:t>
+            </a:r>
+            <a:r>
+              <a:rPr lang="en-US" dirty="0" smtClean="0"/>
+              <a:t>	Not </a:t>
+            </a:r>
+            <a:r>
+              <a:rPr lang="en-US" dirty="0"/>
+              <a:t>Used</a:t>
+            </a:r>
+          </a:p>
+          <a:p>
+            <a:endParaRPr lang="en-US" dirty="0" smtClean="0"/>
+          </a:p>
+          <a:p>
+            <a:r>
+              <a:rPr lang="en-US" b="1" dirty="0" smtClean="0"/>
+              <a:t>Sanity </a:t>
+            </a:r>
+            <a:r>
+              <a:rPr lang="en-US" b="1" dirty="0"/>
+              <a:t>Test (Weiss &amp; </a:t>
+            </a:r>
+            <a:r>
+              <a:rPr lang="en-US" b="1" dirty="0" err="1"/>
+              <a:t>Wysocki</a:t>
+            </a:r>
+            <a:r>
+              <a:rPr lang="en-US" b="1" dirty="0"/>
+              <a:t>, 1992) </a:t>
+            </a:r>
+            <a:endParaRPr lang="en-US" dirty="0"/>
+          </a:p>
+          <a:p>
+            <a:r>
+              <a:rPr lang="en-US" dirty="0"/>
+              <a:t>E = (O + 4M + P) / 6, where O = optimistic, M = Nominal, P = Pessimistic</a:t>
+            </a:r>
+          </a:p>
+          <a:p>
+            <a:r>
+              <a:rPr lang="en-US" dirty="0"/>
+              <a:t>Therefore, our E = (6 + 32 + 9) / 6 =  47/6  = </a:t>
+            </a:r>
+            <a:r>
+              <a:rPr lang="en-US" b="1" dirty="0"/>
+              <a:t>7.8 months</a:t>
+            </a:r>
+            <a:endParaRPr lang="en-US" dirty="0"/>
+          </a:p>
+          <a:p>
             <a:endParaRPr lang="en-US" dirty="0"/>
           </a:p>
         </p:txBody>
@@ -8468,710 +11298,7 @@
     </p:spTree>
     <p:extLst>
       <p:ext uri="{BB962C8B-B14F-4D97-AF65-F5344CB8AC3E}">
-        <p14:creationId xmlns:p14="http://schemas.microsoft.com/office/powerpoint/2010/main" val="2010460709"/>
-      </p:ext>
-    </p:extLst>
-  </p:cSld>
-  <p:clrMapOvr>
-    <a:masterClrMapping/>
-  </p:clrMapOvr>
-  <p:timing>
-    <p:tnLst>
-      <p:par>
-        <p:cTn id="1" dur="indefinite" restart="never" nodeType="tmRoot"/>
-      </p:par>
-    </p:tnLst>
-  </p:timing>
-</p:sld>
-</file>
-
-<file path=ppt/slides/slide31.xml><?xml version="1.0" encoding="utf-8"?>
-<p:sld xmlns:a="http://schemas.openxmlformats.org/drawingml/2006/main" xmlns:r="http://schemas.openxmlformats.org/officeDocument/2006/relationships" xmlns:p="http://schemas.openxmlformats.org/presentationml/2006/main">
-  <p:cSld>
-    <p:spTree>
-      <p:nvGrpSpPr>
-        <p:cNvPr id="1" name=""/>
-        <p:cNvGrpSpPr/>
-        <p:nvPr/>
-      </p:nvGrpSpPr>
-      <p:grpSpPr>
-        <a:xfrm>
-          <a:off x="0" y="0"/>
-          <a:ext cx="0" cy="0"/>
-          <a:chOff x="0" y="0"/>
-          <a:chExt cx="0" cy="0"/>
-        </a:xfrm>
-      </p:grpSpPr>
-      <p:sp>
-        <p:nvSpPr>
-          <p:cNvPr id="2" name="Title 1"/>
-          <p:cNvSpPr>
-            <a:spLocks noGrp="1"/>
-          </p:cNvSpPr>
-          <p:nvPr>
-            <p:ph type="title"/>
-          </p:nvPr>
-        </p:nvSpPr>
-        <p:spPr>
-          <a:xfrm>
-            <a:off x="762000" y="4876800"/>
-            <a:ext cx="7848600" cy="1295400"/>
-          </a:xfrm>
-        </p:spPr>
-        <p:txBody>
-          <a:bodyPr>
-            <a:normAutofit/>
-          </a:bodyPr>
-          <a:lstStyle/>
-          <a:p>
-            <a:r>
-              <a:rPr lang="en-US" dirty="0" smtClean="0"/>
-              <a:t>High Priority Requirements</a:t>
-            </a:r>
-            <a:endParaRPr lang="en-US" dirty="0"/>
-          </a:p>
-        </p:txBody>
-      </p:sp>
-      <p:graphicFrame>
-        <p:nvGraphicFramePr>
-          <p:cNvPr id="7" name="Content Placeholder 6"/>
-          <p:cNvGraphicFramePr>
-            <a:graphicFrameLocks noGrp="1"/>
-          </p:cNvGraphicFramePr>
-          <p:nvPr>
-            <p:ph idx="1"/>
-            <p:extLst>
-              <p:ext uri="{D42A27DB-BD31-4B8C-83A1-F6EECF244321}">
-                <p14:modId xmlns:p14="http://schemas.microsoft.com/office/powerpoint/2010/main" val="170582757"/>
-              </p:ext>
-            </p:extLst>
-          </p:nvPr>
-        </p:nvGraphicFramePr>
-        <p:xfrm>
-          <a:off x="270164" y="1447800"/>
-          <a:ext cx="8416636" cy="2805549"/>
-        </p:xfrm>
-        <a:graphic>
-          <a:graphicData uri="http://schemas.openxmlformats.org/drawingml/2006/table">
-            <a:tbl>
-              <a:tblPr firstRow="1" firstCol="1" bandRow="1">
-                <a:tableStyleId>{5C22544A-7EE6-4342-B048-85BDC9FD1C3A}</a:tableStyleId>
-              </a:tblPr>
-              <a:tblGrid>
-                <a:gridCol w="8416636"/>
-              </a:tblGrid>
-              <a:tr h="561109">
-                <a:tc>
-                  <a:txBody>
-                    <a:bodyPr/>
-                    <a:lstStyle/>
-                    <a:p>
-                      <a:pPr marL="285750" marR="0" indent="-285750">
-                        <a:spcBef>
-                          <a:spcPts val="600"/>
-                        </a:spcBef>
-                        <a:spcAft>
-                          <a:spcPts val="0"/>
-                        </a:spcAft>
-                        <a:buFont typeface="Wingdings" pitchFamily="2" charset="2"/>
-                        <a:buChar char="Ø"/>
-                      </a:pPr>
-                      <a:r>
-                        <a:rPr lang="en-US" sz="1800" dirty="0">
-                          <a:effectLst/>
-                        </a:rPr>
-                        <a:t>The Device shall be able to measure the internal temperature of the electronics housing.</a:t>
-                      </a:r>
-                      <a:endParaRPr lang="en-US" sz="1800" dirty="0">
-                        <a:effectLst/>
-                        <a:latin typeface="Times New Roman"/>
-                        <a:ea typeface="Times New Roman"/>
-                      </a:endParaRPr>
-                    </a:p>
-                  </a:txBody>
-                  <a:tcPr marL="126250" marR="126250" marT="0" marB="0"/>
-                </a:tc>
-              </a:tr>
-              <a:tr h="280555">
-                <a:tc>
-                  <a:txBody>
-                    <a:bodyPr/>
-                    <a:lstStyle/>
-                    <a:p>
-                      <a:pPr marL="285750" marR="0" indent="-285750">
-                        <a:spcBef>
-                          <a:spcPts val="600"/>
-                        </a:spcBef>
-                        <a:spcAft>
-                          <a:spcPts val="0"/>
-                        </a:spcAft>
-                        <a:buFont typeface="Wingdings" pitchFamily="2" charset="2"/>
-                        <a:buChar char="Ø"/>
-                      </a:pPr>
-                      <a:r>
-                        <a:rPr lang="en-US" sz="1800" dirty="0">
-                          <a:effectLst/>
-                        </a:rPr>
-                        <a:t>The Device shall visually indicate when it is operating.</a:t>
-                      </a:r>
-                      <a:endParaRPr lang="en-US" sz="1800" dirty="0">
-                        <a:effectLst/>
-                        <a:latin typeface="Times New Roman"/>
-                        <a:ea typeface="Times New Roman"/>
-                      </a:endParaRPr>
-                    </a:p>
-                  </a:txBody>
-                  <a:tcPr marL="126250" marR="126250" marT="0" marB="0"/>
-                </a:tc>
-              </a:tr>
-              <a:tr h="280555">
-                <a:tc>
-                  <a:txBody>
-                    <a:bodyPr/>
-                    <a:lstStyle/>
-                    <a:p>
-                      <a:pPr marL="285750" marR="0" indent="-285750">
-                        <a:spcBef>
-                          <a:spcPts val="600"/>
-                        </a:spcBef>
-                        <a:spcAft>
-                          <a:spcPts val="0"/>
-                        </a:spcAft>
-                        <a:buFont typeface="Wingdings" pitchFamily="2" charset="2"/>
-                        <a:buChar char="Ø"/>
-                      </a:pPr>
-                      <a:r>
-                        <a:rPr lang="en-US" sz="1800" dirty="0">
-                          <a:effectLst/>
-                        </a:rPr>
-                        <a:t>The Device shall visually indicate error conditions.</a:t>
-                      </a:r>
-                      <a:endParaRPr lang="en-US" sz="1800" dirty="0">
-                        <a:effectLst/>
-                        <a:latin typeface="Times New Roman"/>
-                        <a:ea typeface="Times New Roman"/>
-                      </a:endParaRPr>
-                    </a:p>
-                  </a:txBody>
-                  <a:tcPr marL="126250" marR="126250" marT="0" marB="0"/>
-                </a:tc>
-              </a:tr>
-              <a:tr h="280555">
-                <a:tc>
-                  <a:txBody>
-                    <a:bodyPr/>
-                    <a:lstStyle/>
-                    <a:p>
-                      <a:pPr marL="285750" marR="0" indent="-285750">
-                        <a:spcBef>
-                          <a:spcPts val="600"/>
-                        </a:spcBef>
-                        <a:spcAft>
-                          <a:spcPts val="0"/>
-                        </a:spcAft>
-                        <a:buFont typeface="Wingdings" pitchFamily="2" charset="2"/>
-                        <a:buChar char="Ø"/>
-                      </a:pPr>
-                      <a:r>
-                        <a:rPr lang="en-US" sz="1800" dirty="0">
-                          <a:effectLst/>
-                        </a:rPr>
-                        <a:t>The Device shall use an embedded </a:t>
-                      </a:r>
-                      <a:r>
-                        <a:rPr lang="en-US" sz="1800" dirty="0" smtClean="0">
-                          <a:effectLst/>
-                        </a:rPr>
-                        <a:t>PIC microcontroller w/</a:t>
-                      </a:r>
-                      <a:r>
-                        <a:rPr lang="en-US" sz="1800" baseline="0" dirty="0" smtClean="0">
-                          <a:effectLst/>
-                        </a:rPr>
-                        <a:t> networking</a:t>
-                      </a:r>
-                      <a:r>
-                        <a:rPr lang="en-US" sz="1800" dirty="0" smtClean="0">
-                          <a:effectLst/>
-                        </a:rPr>
-                        <a:t>.</a:t>
-                      </a:r>
-                      <a:endParaRPr lang="en-US" sz="1800" dirty="0">
-                        <a:effectLst/>
-                        <a:latin typeface="Times New Roman"/>
-                        <a:ea typeface="Times New Roman"/>
-                      </a:endParaRPr>
-                    </a:p>
-                  </a:txBody>
-                  <a:tcPr marL="126250" marR="126250" marT="0" marB="0"/>
-                </a:tc>
-              </a:tr>
-              <a:tr h="280555">
-                <a:tc>
-                  <a:txBody>
-                    <a:bodyPr/>
-                    <a:lstStyle/>
-                    <a:p>
-                      <a:pPr marL="285750" marR="0" indent="-285750">
-                        <a:spcBef>
-                          <a:spcPts val="600"/>
-                        </a:spcBef>
-                        <a:spcAft>
-                          <a:spcPts val="0"/>
-                        </a:spcAft>
-                        <a:buFont typeface="Wingdings" pitchFamily="2" charset="2"/>
-                        <a:buChar char="Ø"/>
-                      </a:pPr>
-                      <a:r>
-                        <a:rPr lang="en-US" sz="1800">
-                          <a:effectLst/>
-                        </a:rPr>
-                        <a:t>Configuration processes shall be obscured from the end-user.</a:t>
-                      </a:r>
-                      <a:endParaRPr lang="en-US" sz="1800">
-                        <a:effectLst/>
-                        <a:latin typeface="Times New Roman"/>
-                        <a:ea typeface="Times New Roman"/>
-                      </a:endParaRPr>
-                    </a:p>
-                  </a:txBody>
-                  <a:tcPr marL="126250" marR="126250" marT="0" marB="0"/>
-                </a:tc>
-              </a:tr>
-              <a:tr h="280555">
-                <a:tc>
-                  <a:txBody>
-                    <a:bodyPr/>
-                    <a:lstStyle/>
-                    <a:p>
-                      <a:pPr marL="285750" marR="0" indent="-285750">
-                        <a:spcBef>
-                          <a:spcPts val="600"/>
-                        </a:spcBef>
-                        <a:spcAft>
-                          <a:spcPts val="0"/>
-                        </a:spcAft>
-                        <a:buFont typeface="Wingdings" pitchFamily="2" charset="2"/>
-                        <a:buChar char="Ø"/>
-                      </a:pPr>
-                      <a:r>
-                        <a:rPr lang="en-US" sz="1800">
-                          <a:effectLst/>
-                        </a:rPr>
-                        <a:t>The Device must turn on/off easily.</a:t>
-                      </a:r>
-                      <a:endParaRPr lang="en-US" sz="1800">
-                        <a:effectLst/>
-                        <a:latin typeface="Times New Roman"/>
-                        <a:ea typeface="Times New Roman"/>
-                      </a:endParaRPr>
-                    </a:p>
-                  </a:txBody>
-                  <a:tcPr marL="126250" marR="126250" marT="0" marB="0"/>
-                </a:tc>
-              </a:tr>
-              <a:tr h="280555">
-                <a:tc>
-                  <a:txBody>
-                    <a:bodyPr/>
-                    <a:lstStyle/>
-                    <a:p>
-                      <a:pPr marL="285750" marR="0" indent="-285750">
-                        <a:spcBef>
-                          <a:spcPts val="600"/>
-                        </a:spcBef>
-                        <a:spcAft>
-                          <a:spcPts val="0"/>
-                        </a:spcAft>
-                        <a:buFont typeface="Wingdings" pitchFamily="2" charset="2"/>
-                        <a:buChar char="Ø"/>
-                      </a:pPr>
-                      <a:r>
-                        <a:rPr lang="en-US" sz="1800">
-                          <a:effectLst/>
-                        </a:rPr>
-                        <a:t>The Device shall store operational data.</a:t>
-                      </a:r>
-                      <a:endParaRPr lang="en-US" sz="1800">
-                        <a:effectLst/>
-                        <a:latin typeface="Times New Roman"/>
-                        <a:ea typeface="Times New Roman"/>
-                      </a:endParaRPr>
-                    </a:p>
-                  </a:txBody>
-                  <a:tcPr marL="126250" marR="126250" marT="0" marB="0"/>
-                </a:tc>
-              </a:tr>
-              <a:tr h="280555">
-                <a:tc>
-                  <a:txBody>
-                    <a:bodyPr/>
-                    <a:lstStyle/>
-                    <a:p>
-                      <a:pPr marL="285750" marR="0" indent="-285750">
-                        <a:spcBef>
-                          <a:spcPts val="600"/>
-                        </a:spcBef>
-                        <a:spcAft>
-                          <a:spcPts val="0"/>
-                        </a:spcAft>
-                        <a:buFont typeface="Wingdings" pitchFamily="2" charset="2"/>
-                        <a:buChar char="Ø"/>
-                      </a:pPr>
-                      <a:r>
-                        <a:rPr lang="en-US" sz="1800">
-                          <a:effectLst/>
-                        </a:rPr>
-                        <a:t>The Product shall have a user-friendly client application.</a:t>
-                      </a:r>
-                      <a:endParaRPr lang="en-US" sz="1800">
-                        <a:effectLst/>
-                        <a:latin typeface="Times New Roman"/>
-                        <a:ea typeface="Times New Roman"/>
-                      </a:endParaRPr>
-                    </a:p>
-                  </a:txBody>
-                  <a:tcPr marL="126250" marR="126250" marT="0" marB="0"/>
-                </a:tc>
-              </a:tr>
-              <a:tr h="280555">
-                <a:tc>
-                  <a:txBody>
-                    <a:bodyPr/>
-                    <a:lstStyle/>
-                    <a:p>
-                      <a:pPr marL="285750" marR="0" indent="-285750">
-                        <a:spcBef>
-                          <a:spcPts val="600"/>
-                        </a:spcBef>
-                        <a:spcAft>
-                          <a:spcPts val="0"/>
-                        </a:spcAft>
-                        <a:buFont typeface="Wingdings" pitchFamily="2" charset="2"/>
-                        <a:buChar char="Ø"/>
-                      </a:pPr>
-                      <a:r>
-                        <a:rPr lang="en-US" sz="1800" dirty="0">
-                          <a:effectLst/>
-                        </a:rPr>
-                        <a:t>The client application must run on a PC.</a:t>
-                      </a:r>
-                      <a:endParaRPr lang="en-US" sz="1800" dirty="0">
-                        <a:effectLst/>
-                        <a:latin typeface="Times New Roman"/>
-                        <a:ea typeface="Times New Roman"/>
-                      </a:endParaRPr>
-                    </a:p>
-                  </a:txBody>
-                  <a:tcPr marL="126250" marR="126250" marT="0" marB="0"/>
-                </a:tc>
-              </a:tr>
-            </a:tbl>
-          </a:graphicData>
-        </a:graphic>
-      </p:graphicFrame>
-    </p:spTree>
-    <p:extLst>
-      <p:ext uri="{BB962C8B-B14F-4D97-AF65-F5344CB8AC3E}">
-        <p14:creationId xmlns:p14="http://schemas.microsoft.com/office/powerpoint/2010/main" val="1354307376"/>
-      </p:ext>
-    </p:extLst>
-  </p:cSld>
-  <p:clrMapOvr>
-    <a:masterClrMapping/>
-  </p:clrMapOvr>
-  <p:timing>
-    <p:tnLst>
-      <p:par>
-        <p:cTn id="1" dur="indefinite" restart="never" nodeType="tmRoot"/>
-      </p:par>
-    </p:tnLst>
-  </p:timing>
-</p:sld>
-</file>
-
-<file path=ppt/slides/slide32.xml><?xml version="1.0" encoding="utf-8"?>
-<p:sld xmlns:a="http://schemas.openxmlformats.org/drawingml/2006/main" xmlns:r="http://schemas.openxmlformats.org/officeDocument/2006/relationships" xmlns:p="http://schemas.openxmlformats.org/presentationml/2006/main">
-  <p:cSld>
-    <p:spTree>
-      <p:nvGrpSpPr>
-        <p:cNvPr id="1" name=""/>
-        <p:cNvGrpSpPr/>
-        <p:nvPr/>
-      </p:nvGrpSpPr>
-      <p:grpSpPr>
-        <a:xfrm>
-          <a:off x="0" y="0"/>
-          <a:ext cx="0" cy="0"/>
-          <a:chOff x="0" y="0"/>
-          <a:chExt cx="0" cy="0"/>
-        </a:xfrm>
-      </p:grpSpPr>
-      <p:sp>
-        <p:nvSpPr>
-          <p:cNvPr id="2" name="Title 1"/>
-          <p:cNvSpPr>
-            <a:spLocks noGrp="1"/>
-          </p:cNvSpPr>
-          <p:nvPr>
-            <p:ph type="title"/>
-          </p:nvPr>
-        </p:nvSpPr>
-        <p:spPr/>
-        <p:txBody>
-          <a:bodyPr>
-            <a:normAutofit fontScale="90000"/>
-          </a:bodyPr>
-          <a:lstStyle/>
-          <a:p>
-            <a:r>
-              <a:rPr lang="en-US" dirty="0" smtClean="0"/>
-              <a:t>Medium/Low Priority Requirements</a:t>
-            </a:r>
-            <a:endParaRPr lang="en-US" dirty="0"/>
-          </a:p>
-        </p:txBody>
-      </p:sp>
-      <p:graphicFrame>
-        <p:nvGraphicFramePr>
-          <p:cNvPr id="4" name="Content Placeholder 3"/>
-          <p:cNvGraphicFramePr>
-            <a:graphicFrameLocks noGrp="1"/>
-          </p:cNvGraphicFramePr>
-          <p:nvPr>
-            <p:ph idx="1"/>
-            <p:extLst>
-              <p:ext uri="{D42A27DB-BD31-4B8C-83A1-F6EECF244321}">
-                <p14:modId xmlns:p14="http://schemas.microsoft.com/office/powerpoint/2010/main" val="742856413"/>
-              </p:ext>
-            </p:extLst>
-          </p:nvPr>
-        </p:nvGraphicFramePr>
-        <p:xfrm>
-          <a:off x="838200" y="1066800"/>
-          <a:ext cx="6248400" cy="2606040"/>
-        </p:xfrm>
-        <a:graphic>
-          <a:graphicData uri="http://schemas.openxmlformats.org/drawingml/2006/table">
-            <a:tbl>
-              <a:tblPr firstRow="1" firstCol="1" bandRow="1">
-                <a:tableStyleId>{5C22544A-7EE6-4342-B048-85BDC9FD1C3A}</a:tableStyleId>
-              </a:tblPr>
-              <a:tblGrid>
-                <a:gridCol w="6248400"/>
-              </a:tblGrid>
-              <a:tr h="411480">
-                <a:tc>
-                  <a:txBody>
-                    <a:bodyPr/>
-                    <a:lstStyle/>
-                    <a:p>
-                      <a:pPr marL="285750" marR="0" indent="-285750">
-                        <a:spcBef>
-                          <a:spcPts val="600"/>
-                        </a:spcBef>
-                        <a:spcAft>
-                          <a:spcPts val="0"/>
-                        </a:spcAft>
-                        <a:buFont typeface="Wingdings" pitchFamily="2" charset="2"/>
-                        <a:buChar char="Ø"/>
-                      </a:pPr>
-                      <a:r>
-                        <a:rPr lang="en-US" sz="1800" dirty="0">
-                          <a:effectLst/>
-                        </a:rPr>
-                        <a:t>The Product shall come with a storage solution.</a:t>
-                      </a:r>
-                      <a:endParaRPr lang="en-US" sz="1800" dirty="0">
-                        <a:effectLst/>
-                        <a:latin typeface="Times New Roman"/>
-                        <a:ea typeface="Times New Roman"/>
-                      </a:endParaRPr>
-                    </a:p>
-                  </a:txBody>
-                  <a:tcPr marL="68580" marR="68580" marT="0" marB="0"/>
-                </a:tc>
-              </a:tr>
-              <a:tr h="411480">
-                <a:tc>
-                  <a:txBody>
-                    <a:bodyPr/>
-                    <a:lstStyle/>
-                    <a:p>
-                      <a:pPr marL="285750" marR="0" indent="-285750">
-                        <a:spcBef>
-                          <a:spcPts val="600"/>
-                        </a:spcBef>
-                        <a:spcAft>
-                          <a:spcPts val="0"/>
-                        </a:spcAft>
-                        <a:buFont typeface="Wingdings" pitchFamily="2" charset="2"/>
-                        <a:buChar char="Ø"/>
-                      </a:pPr>
-                      <a:r>
-                        <a:rPr lang="en-US" sz="1800">
-                          <a:effectLst/>
-                        </a:rPr>
-                        <a:t>The Electronics shall be detachable from the Platform.</a:t>
-                      </a:r>
-                      <a:endParaRPr lang="en-US" sz="1800">
-                        <a:effectLst/>
-                        <a:latin typeface="Times New Roman"/>
-                        <a:ea typeface="Times New Roman"/>
-                      </a:endParaRPr>
-                    </a:p>
-                  </a:txBody>
-                  <a:tcPr marL="68580" marR="68580" marT="0" marB="0"/>
-                </a:tc>
-              </a:tr>
-              <a:tr h="411480">
-                <a:tc>
-                  <a:txBody>
-                    <a:bodyPr/>
-                    <a:lstStyle/>
-                    <a:p>
-                      <a:pPr marL="285750" marR="0" indent="-285750">
-                        <a:spcBef>
-                          <a:spcPts val="600"/>
-                        </a:spcBef>
-                        <a:spcAft>
-                          <a:spcPts val="0"/>
-                        </a:spcAft>
-                        <a:buFont typeface="Wingdings" pitchFamily="2" charset="2"/>
-                        <a:buChar char="Ø"/>
-                      </a:pPr>
-                      <a:r>
-                        <a:rPr lang="en-US" sz="1800">
-                          <a:effectLst/>
-                        </a:rPr>
-                        <a:t>The Device shall transfer operational data to the client application in real-time.</a:t>
-                      </a:r>
-                      <a:endParaRPr lang="en-US" sz="1800">
-                        <a:effectLst/>
-                        <a:latin typeface="Times New Roman"/>
-                        <a:ea typeface="Times New Roman"/>
-                      </a:endParaRPr>
-                    </a:p>
-                  </a:txBody>
-                  <a:tcPr marL="68580" marR="68580" marT="0" marB="0"/>
-                </a:tc>
-              </a:tr>
-              <a:tr h="411480">
-                <a:tc>
-                  <a:txBody>
-                    <a:bodyPr/>
-                    <a:lstStyle/>
-                    <a:p>
-                      <a:pPr marL="285750" marR="0" indent="-285750">
-                        <a:spcBef>
-                          <a:spcPts val="600"/>
-                        </a:spcBef>
-                        <a:spcAft>
-                          <a:spcPts val="0"/>
-                        </a:spcAft>
-                        <a:buFont typeface="Wingdings" pitchFamily="2" charset="2"/>
-                        <a:buChar char="Ø"/>
-                      </a:pPr>
-                      <a:r>
-                        <a:rPr lang="en-US" sz="1800">
-                          <a:effectLst/>
-                        </a:rPr>
-                        <a:t>The client application shall display operational data.</a:t>
-                      </a:r>
-                      <a:endParaRPr lang="en-US" sz="1800">
-                        <a:effectLst/>
-                        <a:latin typeface="Times New Roman"/>
-                        <a:ea typeface="Times New Roman"/>
-                      </a:endParaRPr>
-                    </a:p>
-                  </a:txBody>
-                  <a:tcPr marL="68580" marR="68580" marT="0" marB="0"/>
-                </a:tc>
-              </a:tr>
-              <a:tr h="411480">
-                <a:tc>
-                  <a:txBody>
-                    <a:bodyPr/>
-                    <a:lstStyle/>
-                    <a:p>
-                      <a:pPr marL="285750" marR="0" indent="-285750">
-                        <a:spcBef>
-                          <a:spcPts val="600"/>
-                        </a:spcBef>
-                        <a:spcAft>
-                          <a:spcPts val="0"/>
-                        </a:spcAft>
-                        <a:buFont typeface="Wingdings" pitchFamily="2" charset="2"/>
-                        <a:buChar char="Ø"/>
-                      </a:pPr>
-                      <a:r>
-                        <a:rPr lang="en-US" sz="1800" dirty="0">
-                          <a:effectLst/>
-                        </a:rPr>
-                        <a:t>The client application shall read stored data</a:t>
-                      </a:r>
-                      <a:r>
-                        <a:rPr lang="en-US" sz="1800" dirty="0" smtClean="0">
-                          <a:effectLst/>
-                        </a:rPr>
-                        <a:t>.</a:t>
-                      </a:r>
-                      <a:endParaRPr lang="en-US" sz="1800" dirty="0">
-                        <a:effectLst/>
-                        <a:latin typeface="Times New Roman"/>
-                        <a:ea typeface="Times New Roman"/>
-                      </a:endParaRPr>
-                    </a:p>
-                  </a:txBody>
-                  <a:tcPr marL="68580" marR="68580" marT="0" marB="0"/>
-                </a:tc>
-              </a:tr>
-              <a:tr h="411480">
-                <a:tc>
-                  <a:txBody>
-                    <a:bodyPr/>
-                    <a:lstStyle/>
-                    <a:p>
-                      <a:pPr marL="285750" marR="0" indent="-285750">
-                        <a:spcBef>
-                          <a:spcPts val="600"/>
-                        </a:spcBef>
-                        <a:spcAft>
-                          <a:spcPts val="0"/>
-                        </a:spcAft>
-                        <a:buFont typeface="Wingdings" pitchFamily="2" charset="2"/>
-                        <a:buChar char="Ø"/>
-                      </a:pPr>
-                      <a:r>
-                        <a:rPr lang="en-US" sz="1800" b="1" kern="1200" dirty="0" smtClean="0">
-                          <a:solidFill>
-                            <a:schemeClr val="lt1"/>
-                          </a:solidFill>
-                          <a:effectLst/>
-                          <a:latin typeface="+mn-lt"/>
-                          <a:ea typeface="+mn-ea"/>
-                          <a:cs typeface="+mn-cs"/>
-                        </a:rPr>
-                        <a:t>The product shall have GPS to track the bump location.</a:t>
-                      </a:r>
-                      <a:endParaRPr lang="en-US" sz="1800" dirty="0">
-                        <a:effectLst/>
-                        <a:latin typeface="Times New Roman"/>
-                        <a:ea typeface="Times New Roman"/>
-                      </a:endParaRPr>
-                    </a:p>
-                  </a:txBody>
-                  <a:tcPr marL="68580" marR="68580" marT="0" marB="0"/>
-                </a:tc>
-              </a:tr>
-            </a:tbl>
-          </a:graphicData>
-        </a:graphic>
-      </p:graphicFrame>
-    </p:spTree>
-    <p:extLst>
-      <p:ext uri="{BB962C8B-B14F-4D97-AF65-F5344CB8AC3E}">
-        <p14:creationId xmlns:p14="http://schemas.microsoft.com/office/powerpoint/2010/main" val="2001495243"/>
+        <p14:creationId xmlns:p14="http://schemas.microsoft.com/office/powerpoint/2010/main" val="3515775751"/>
       </p:ext>
     </p:extLst>
   </p:cSld>
@@ -9181,7 +11308,7 @@
 </p:sld>
 </file>
 
-<file path=ppt/slides/slide33.xml><?xml version="1.0" encoding="utf-8"?>
+<file path=ppt/slides/slide31.xml><?xml version="1.0" encoding="utf-8"?>
 <p:sld xmlns:a="http://schemas.openxmlformats.org/drawingml/2006/main" xmlns:r="http://schemas.openxmlformats.org/officeDocument/2006/relationships" xmlns:p="http://schemas.openxmlformats.org/presentationml/2006/main">
   <p:cSld>
     <p:spTree>
@@ -9298,7 +11425,6 @@
               <a:rPr lang="en-US" dirty="0"/>
               <a:t>The Sliding Profiler is a wet concrete bump detection product that aggregates data from many sensors to determine the probable smoothness of the freshly laid road. Before the concrete has dried, the operators will know if the concrete has met the state requirement for smoothness of concrete roads.</a:t>
             </a:r>
-            <a:endParaRPr lang="en-US" dirty="0"/>
           </a:p>
         </p:txBody>
       </p:sp>
@@ -9380,7 +11506,7 @@
           </p:nvPr>
         </p:nvPicPr>
         <p:blipFill>
-          <a:blip r:embed="rId2">
+          <a:blip r:embed="rId3">
             <a:extLst>
               <a:ext uri="{28A0092B-C50C-407E-A947-70E740481C1C}">
                 <a14:useLocalDpi xmlns:a14="http://schemas.microsoft.com/office/drawing/2010/main" val="0"/>
@@ -9456,71 +11582,6 @@
 </file>
 
 <file path=ppt/slides/slide6.xml><?xml version="1.0" encoding="utf-8"?>
-<p:sld xmlns:a="http://schemas.openxmlformats.org/drawingml/2006/main" xmlns:r="http://schemas.openxmlformats.org/officeDocument/2006/relationships" xmlns:p="http://schemas.openxmlformats.org/presentationml/2006/main">
-  <p:cSld>
-    <p:spTree>
-      <p:nvGrpSpPr>
-        <p:cNvPr id="1" name=""/>
-        <p:cNvGrpSpPr/>
-        <p:nvPr/>
-      </p:nvGrpSpPr>
-      <p:grpSpPr>
-        <a:xfrm>
-          <a:off x="0" y="0"/>
-          <a:ext cx="0" cy="0"/>
-          <a:chOff x="0" y="0"/>
-          <a:chExt cx="0" cy="0"/>
-        </a:xfrm>
-      </p:grpSpPr>
-      <p:sp>
-        <p:nvSpPr>
-          <p:cNvPr id="2" name="Title 1"/>
-          <p:cNvSpPr>
-            <a:spLocks noGrp="1"/>
-          </p:cNvSpPr>
-          <p:nvPr>
-            <p:ph type="ctrTitle"/>
-          </p:nvPr>
-        </p:nvSpPr>
-        <p:spPr>
-          <a:xfrm>
-            <a:off x="762000" y="4724400"/>
-            <a:ext cx="7543800" cy="1524000"/>
-          </a:xfrm>
-        </p:spPr>
-        <p:txBody>
-          <a:bodyPr/>
-          <a:lstStyle/>
-          <a:p>
-            <a:r>
-              <a:rPr lang="en-US" dirty="0" smtClean="0"/>
-              <a:t>Functional Requirements</a:t>
-            </a:r>
-            <a:endParaRPr lang="en-US" dirty="0"/>
-          </a:p>
-        </p:txBody>
-      </p:sp>
-    </p:spTree>
-    <p:extLst>
-      <p:ext uri="{BB962C8B-B14F-4D97-AF65-F5344CB8AC3E}">
-        <p14:creationId xmlns:p14="http://schemas.microsoft.com/office/powerpoint/2010/main" val="1607931563"/>
-      </p:ext>
-    </p:extLst>
-  </p:cSld>
-  <p:clrMapOvr>
-    <a:masterClrMapping/>
-  </p:clrMapOvr>
-  <p:timing>
-    <p:tnLst>
-      <p:par>
-        <p:cTn id="1" dur="indefinite" restart="never" nodeType="tmRoot"/>
-      </p:par>
-    </p:tnLst>
-  </p:timing>
-</p:sld>
-</file>
-
-<file path=ppt/slides/slide7.xml><?xml version="1.0" encoding="utf-8"?>
 <p:sld xmlns:a="http://schemas.openxmlformats.org/drawingml/2006/main" xmlns:r="http://schemas.openxmlformats.org/officeDocument/2006/relationships" xmlns:p="http://schemas.openxmlformats.org/presentationml/2006/main">
   <p:cSld>
     <p:spTree>
@@ -9919,7 +11980,7 @@
 </p:sld>
 </file>
 
-<file path=ppt/slides/slide8.xml><?xml version="1.0" encoding="utf-8"?>
+<file path=ppt/slides/slide7.xml><?xml version="1.0" encoding="utf-8"?>
 <p:sld xmlns:a="http://schemas.openxmlformats.org/drawingml/2006/main" xmlns:r="http://schemas.openxmlformats.org/officeDocument/2006/relationships" xmlns:p="http://schemas.openxmlformats.org/presentationml/2006/main">
   <p:cSld>
     <p:spTree>
@@ -9984,7 +12045,7 @@
 </p:sld>
 </file>
 
-<file path=ppt/slides/slide9.xml><?xml version="1.0" encoding="utf-8"?>
+<file path=ppt/slides/slide8.xml><?xml version="1.0" encoding="utf-8"?>
 <p:sld xmlns:a="http://schemas.openxmlformats.org/drawingml/2006/main" xmlns:r="http://schemas.openxmlformats.org/officeDocument/2006/relationships" xmlns:p="http://schemas.openxmlformats.org/presentationml/2006/main">
   <p:cSld>
     <p:spTree>
@@ -10035,7 +12096,7 @@
           </p:nvPr>
         </p:nvPicPr>
         <p:blipFill>
-          <a:blip r:embed="rId2">
+          <a:blip r:embed="rId3">
             <a:extLst>
               <a:ext uri="{28A0092B-C50C-407E-A947-70E740481C1C}">
                 <a14:useLocalDpi xmlns:a14="http://schemas.microsoft.com/office/drawing/2010/main" val="0"/>
@@ -10089,7 +12150,7 @@
           <p:nvPr/>
         </p:nvPicPr>
         <p:blipFill>
-          <a:blip r:embed="rId3">
+          <a:blip r:embed="rId4">
             <a:extLst>
               <a:ext uri="{28A0092B-C50C-407E-A947-70E740481C1C}">
                 <a14:useLocalDpi xmlns:a14="http://schemas.microsoft.com/office/drawing/2010/main" val="0"/>
@@ -10198,6 +12259,145 @@
     <p:extLst>
       <p:ext uri="{BB962C8B-B14F-4D97-AF65-F5344CB8AC3E}">
         <p14:creationId xmlns:p14="http://schemas.microsoft.com/office/powerpoint/2010/main" val="2015826310"/>
+      </p:ext>
+    </p:extLst>
+  </p:cSld>
+  <p:clrMapOvr>
+    <a:masterClrMapping/>
+  </p:clrMapOvr>
+  <p:timing>
+    <p:tnLst>
+      <p:par>
+        <p:cTn id="1" dur="indefinite" restart="never" nodeType="tmRoot"/>
+      </p:par>
+    </p:tnLst>
+  </p:timing>
+</p:sld>
+</file>
+
+<file path=ppt/slides/slide9.xml><?xml version="1.0" encoding="utf-8"?>
+<p:sld xmlns:a="http://schemas.openxmlformats.org/drawingml/2006/main" xmlns:r="http://schemas.openxmlformats.org/officeDocument/2006/relationships" xmlns:p="http://schemas.openxmlformats.org/presentationml/2006/main">
+  <p:cSld>
+    <p:spTree>
+      <p:nvGrpSpPr>
+        <p:cNvPr id="1" name=""/>
+        <p:cNvGrpSpPr/>
+        <p:nvPr/>
+      </p:nvGrpSpPr>
+      <p:grpSpPr>
+        <a:xfrm>
+          <a:off x="0" y="0"/>
+          <a:ext cx="0" cy="0"/>
+          <a:chOff x="0" y="0"/>
+          <a:chExt cx="0" cy="0"/>
+        </a:xfrm>
+      </p:grpSpPr>
+      <p:sp>
+        <p:nvSpPr>
+          <p:cNvPr id="2" name="Title 1"/>
+          <p:cNvSpPr>
+            <a:spLocks noGrp="1"/>
+          </p:cNvSpPr>
+          <p:nvPr>
+            <p:ph type="title"/>
+          </p:nvPr>
+        </p:nvSpPr>
+        <p:spPr/>
+        <p:txBody>
+          <a:bodyPr/>
+          <a:lstStyle/>
+          <a:p>
+            <a:r>
+              <a:rPr lang="en-US" dirty="0" smtClean="0"/>
+              <a:t>UI Requirements</a:t>
+            </a:r>
+            <a:endParaRPr lang="en-US" dirty="0"/>
+          </a:p>
+        </p:txBody>
+      </p:sp>
+      <p:sp>
+        <p:nvSpPr>
+          <p:cNvPr id="3" name="Content Placeholder 2"/>
+          <p:cNvSpPr>
+            <a:spLocks noGrp="1"/>
+          </p:cNvSpPr>
+          <p:nvPr>
+            <p:ph idx="1"/>
+          </p:nvPr>
+        </p:nvSpPr>
+        <p:spPr/>
+        <p:txBody>
+          <a:bodyPr/>
+          <a:lstStyle/>
+          <a:p>
+            <a:r>
+              <a:rPr lang="en-US" dirty="0"/>
+              <a:t>The device must turn on/off </a:t>
+            </a:r>
+            <a:r>
+              <a:rPr lang="en-US" dirty="0" smtClean="0"/>
+              <a:t>easily</a:t>
+            </a:r>
+          </a:p>
+          <a:p>
+            <a:r>
+              <a:rPr lang="en-US" dirty="0"/>
+              <a:t>The device shall visually indicate error conditions </a:t>
+            </a:r>
+            <a:endParaRPr lang="en-US" dirty="0" smtClean="0"/>
+          </a:p>
+          <a:p>
+            <a:r>
+              <a:rPr lang="en-US" dirty="0"/>
+              <a:t>The device shall visually indicate when it is operating </a:t>
+            </a:r>
+            <a:r>
+              <a:rPr lang="en-US" dirty="0" smtClean="0"/>
+              <a:t>normally</a:t>
+            </a:r>
+          </a:p>
+          <a:p>
+            <a:r>
+              <a:rPr lang="en-US" dirty="0"/>
+              <a:t>The product shall visually indicate a bump using a beacon light</a:t>
+            </a:r>
+          </a:p>
+          <a:p>
+            <a:r>
+              <a:rPr lang="en-US" dirty="0" smtClean="0"/>
+              <a:t>The </a:t>
+            </a:r>
+            <a:r>
+              <a:rPr lang="en-US" dirty="0"/>
+              <a:t>client application must run on a </a:t>
+            </a:r>
+            <a:r>
+              <a:rPr lang="en-US" dirty="0" smtClean="0"/>
+              <a:t>PC</a:t>
+            </a:r>
+          </a:p>
+          <a:p>
+            <a:r>
+              <a:rPr lang="en-US" dirty="0"/>
+              <a:t>The client application shall display operational </a:t>
+            </a:r>
+            <a:r>
+              <a:rPr lang="en-US" dirty="0" smtClean="0"/>
+              <a:t>data</a:t>
+            </a:r>
+          </a:p>
+          <a:p>
+            <a:r>
+              <a:rPr lang="en-US" dirty="0"/>
+              <a:t>The product shall have a user-friendly client application</a:t>
+            </a:r>
+          </a:p>
+        </p:txBody>
+      </p:sp>
+    </p:spTree>
+    <p:extLst>
+      <p:ext uri="{BB962C8B-B14F-4D97-AF65-F5344CB8AC3E}">
+        <p14:creationId xmlns:p14="http://schemas.microsoft.com/office/powerpoint/2010/main" val="3730297271"/>
       </p:ext>
     </p:extLst>
   </p:cSld>

--- a/Presentations/SRD Gate Review 7-24-12.pptx
+++ b/Presentations/SRD Gate Review 7-24-12.pptx
@@ -222,7 +222,7 @@
           <a:p>
             <a:fld id="{688D6D9A-8D7D-4F7D-B011-118AF81EF946}" type="datetimeFigureOut">
               <a:rPr lang="en-US" smtClean="0"/>
-              <a:t>7/23/2012</a:t>
+              <a:t>8/23/2012</a:t>
             </a:fld>
             <a:endParaRPr lang="en-US"/>
           </a:p>
@@ -714,11 +714,7 @@
           <a:p>
             <a:r>
               <a:rPr lang="en-US" dirty="0" smtClean="0"/>
-              <a:t>The </a:t>
-            </a:r>
-            <a:r>
-              <a:rPr lang="en-US" dirty="0" smtClean="0"/>
-              <a:t>storage box prevents the Product from outside hazards. Also, the storage solution helps the product to be transported easily. </a:t>
+              <a:t>The storage box prevents the Product from outside hazards. Also, the storage solution helps the product to be transported easily. </a:t>
             </a:r>
             <a:endParaRPr lang="en-US" dirty="0"/>
           </a:p>
@@ -3367,7 +3363,7 @@
             <a:pPr algn="l" eaLnBrk="1" latinLnBrk="0" hangingPunct="1"/>
             <a:fld id="{48D92626-37D2-4832-BF7A-BC283494A20D}" type="datetimeFigureOut">
               <a:rPr lang="en-US" smtClean="0"/>
-              <a:t>7/23/2012</a:t>
+              <a:t>8/23/2012</a:t>
             </a:fld>
             <a:endParaRPr lang="en-US"/>
           </a:p>
@@ -3587,7 +3583,7 @@
           <a:p>
             <a:fld id="{48D92626-37D2-4832-BF7A-BC283494A20D}" type="datetimeFigureOut">
               <a:rPr lang="en-US" smtClean="0"/>
-              <a:t>7/23/2012</a:t>
+              <a:t>8/23/2012</a:t>
             </a:fld>
             <a:endParaRPr lang="en-US"/>
           </a:p>
@@ -3762,7 +3758,7 @@
           <a:p>
             <a:fld id="{48D92626-37D2-4832-BF7A-BC283494A20D}" type="datetimeFigureOut">
               <a:rPr lang="en-US" smtClean="0"/>
-              <a:t>7/23/2012</a:t>
+              <a:t>8/23/2012</a:t>
             </a:fld>
             <a:endParaRPr lang="en-US"/>
           </a:p>
@@ -3927,7 +3923,7 @@
           <a:p>
             <a:fld id="{48D92626-37D2-4832-BF7A-BC283494A20D}" type="datetimeFigureOut">
               <a:rPr lang="en-US" smtClean="0"/>
-              <a:t>7/23/2012</a:t>
+              <a:t>8/23/2012</a:t>
             </a:fld>
             <a:endParaRPr lang="en-US"/>
           </a:p>
@@ -4212,7 +4208,7 @@
             <a:pPr algn="l" eaLnBrk="1" latinLnBrk="0" hangingPunct="1"/>
             <a:fld id="{48D92626-37D2-4832-BF7A-BC283494A20D}" type="datetimeFigureOut">
               <a:rPr lang="en-US" smtClean="0"/>
-              <a:t>7/23/2012</a:t>
+              <a:t>8/23/2012</a:t>
             </a:fld>
             <a:endParaRPr lang="en-US"/>
           </a:p>
@@ -4545,7 +4541,7 @@
           <a:p>
             <a:fld id="{48D92626-37D2-4832-BF7A-BC283494A20D}" type="datetimeFigureOut">
               <a:rPr lang="en-US" smtClean="0"/>
-              <a:t>7/23/2012</a:t>
+              <a:t>8/23/2012</a:t>
             </a:fld>
             <a:endParaRPr lang="en-US"/>
           </a:p>
@@ -4970,7 +4966,7 @@
           <a:p>
             <a:fld id="{48D92626-37D2-4832-BF7A-BC283494A20D}" type="datetimeFigureOut">
               <a:rPr lang="en-US" smtClean="0"/>
-              <a:t>7/23/2012</a:t>
+              <a:t>8/23/2012</a:t>
             </a:fld>
             <a:endParaRPr lang="en-US"/>
           </a:p>
@@ -5143,7 +5139,7 @@
           <a:p>
             <a:fld id="{48D92626-37D2-4832-BF7A-BC283494A20D}" type="datetimeFigureOut">
               <a:rPr lang="en-US" smtClean="0"/>
-              <a:t>7/23/2012</a:t>
+              <a:t>8/23/2012</a:t>
             </a:fld>
             <a:endParaRPr lang="en-US"/>
           </a:p>
@@ -5233,7 +5229,7 @@
           <a:p>
             <a:fld id="{48D92626-37D2-4832-BF7A-BC283494A20D}" type="datetimeFigureOut">
               <a:rPr lang="en-US" smtClean="0"/>
-              <a:t>7/23/2012</a:t>
+              <a:t>8/23/2012</a:t>
             </a:fld>
             <a:endParaRPr lang="en-US"/>
           </a:p>
@@ -5514,7 +5510,7 @@
             <a:pPr algn="l" eaLnBrk="1" latinLnBrk="0" hangingPunct="1"/>
             <a:fld id="{48D92626-37D2-4832-BF7A-BC283494A20D}" type="datetimeFigureOut">
               <a:rPr lang="en-US" smtClean="0"/>
-              <a:t>7/23/2012</a:t>
+              <a:t>8/23/2012</a:t>
             </a:fld>
             <a:endParaRPr lang="en-US"/>
           </a:p>
@@ -5821,7 +5817,7 @@
             <a:pPr algn="l" eaLnBrk="1" latinLnBrk="0" hangingPunct="1"/>
             <a:fld id="{48D92626-37D2-4832-BF7A-BC283494A20D}" type="datetimeFigureOut">
               <a:rPr lang="en-US" smtClean="0"/>
-              <a:t>7/23/2012</a:t>
+              <a:t>8/23/2012</a:t>
             </a:fld>
             <a:endParaRPr lang="en-US"/>
           </a:p>
@@ -6039,7 +6035,7 @@
             <a:pPr algn="l" eaLnBrk="1" latinLnBrk="0" hangingPunct="1"/>
             <a:fld id="{48D92626-37D2-4832-BF7A-BC283494A20D}" type="datetimeFigureOut">
               <a:rPr lang="en-US" smtClean="0"/>
-              <a:t>7/23/2012</a:t>
+              <a:t>8/23/2012</a:t>
             </a:fld>
             <a:endParaRPr lang="en-US" sz="1300" dirty="0">
               <a:solidFill>
@@ -9784,9 +9780,6 @@
             </a:r>
             <a:endParaRPr lang="en-US" dirty="0"/>
           </a:p>
-          <a:p>
-            <a:endParaRPr lang="en-US" dirty="0"/>
-          </a:p>
         </p:txBody>
       </p:sp>
     </p:spTree>
